--- a/Documenten/Presentatie/Adresboek.pptx
+++ b/Documenten/Presentatie/Adresboek.pptx
@@ -2,7 +2,7 @@
 <file path=ppt/presentation.xml><?xml version="1.0" encoding="utf-8"?>
 <p:presentation xmlns:a="http://schemas.openxmlformats.org/drawingml/2006/main" xmlns:r="http://schemas.openxmlformats.org/officeDocument/2006/relationships" xmlns:p="http://schemas.openxmlformats.org/presentationml/2006/main" saveSubsetFonts="1">
   <p:sldMasterIdLst>
-    <p:sldMasterId id="2147483648" r:id="rId1"/>
+    <p:sldMasterId id="2147483696" r:id="rId1"/>
   </p:sldMasterIdLst>
   <p:sldIdLst>
     <p:sldId id="256" r:id="rId2"/>
@@ -132,58 +132,30 @@
       </p:grpSpPr>
       <p:sp>
         <p:nvSpPr>
-          <p:cNvPr id="2" name="Titel 1"/>
-          <p:cNvSpPr>
-            <a:spLocks noGrp="1"/>
-          </p:cNvSpPr>
-          <p:nvPr>
-            <p:ph type="ctrTitle"/>
+          <p:cNvPr id="3" name="Subtitle 2"/>
+          <p:cNvSpPr>
+            <a:spLocks noGrp="1"/>
+          </p:cNvSpPr>
+          <p:nvPr>
+            <p:ph type="subTitle" idx="1"/>
           </p:nvPr>
         </p:nvSpPr>
         <p:spPr>
           <a:xfrm>
-            <a:off x="685800" y="2130425"/>
-            <a:ext cx="7772400" cy="1470025"/>
+            <a:off x="352426" y="2895600"/>
+            <a:ext cx="4572000" cy="1368798"/>
           </a:xfrm>
         </p:spPr>
         <p:txBody>
-          <a:bodyPr/>
-          <a:lstStyle/>
-          <a:p>
-            <a:r>
-              <a:rPr lang="nl-NL" smtClean="0"/>
-              <a:t>Klik om de stijl te bewerken</a:t>
-            </a:r>
-            <a:endParaRPr lang="nl-NL"/>
-          </a:p>
-        </p:txBody>
-      </p:sp>
-      <p:sp>
-        <p:nvSpPr>
-          <p:cNvPr id="3" name="Ondertitel 2"/>
-          <p:cNvSpPr>
-            <a:spLocks noGrp="1"/>
-          </p:cNvSpPr>
-          <p:nvPr>
-            <p:ph type="subTitle" idx="1"/>
-          </p:nvPr>
-        </p:nvSpPr>
-        <p:spPr>
-          <a:xfrm>
-            <a:off x="1371600" y="3886200"/>
-            <a:ext cx="6400800" cy="1752600"/>
-          </a:xfrm>
-        </p:spPr>
-        <p:txBody>
-          <a:bodyPr/>
+          <a:bodyPr>
+            <a:normAutofit/>
+          </a:bodyPr>
           <a:lstStyle>
-            <a:lvl1pPr marL="0" indent="0" algn="ctr">
-              <a:buNone/>
-              <a:defRPr>
+            <a:lvl1pPr marL="0" indent="0" algn="l">
+              <a:buNone/>
+              <a:defRPr sz="2000" b="0" i="1" cap="none" spc="120" baseline="0">
                 <a:solidFill>
-                  <a:schemeClr val="tx1">
-                    <a:tint val="75000"/>
-                  </a:schemeClr>
+                  <a:schemeClr val="tx1"/>
                 </a:solidFill>
               </a:defRPr>
             </a:lvl1pPr>
@@ -273,13 +245,96 @@
               <a:rPr lang="nl-NL" smtClean="0"/>
               <a:t>Klik om de ondertitelstijl van het model te bewerken</a:t>
             </a:r>
-            <a:endParaRPr lang="nl-NL"/>
-          </a:p>
-        </p:txBody>
-      </p:sp>
-      <p:sp>
-        <p:nvSpPr>
-          <p:cNvPr id="4" name="Tijdelijke aanduiding voor datum 3"/>
+            <a:endParaRPr lang="en-US" dirty="0"/>
+          </a:p>
+        </p:txBody>
+      </p:sp>
+      <p:sp>
+        <p:nvSpPr>
+          <p:cNvPr id="15" name="Rectangle 14"/>
+          <p:cNvSpPr/>
+          <p:nvPr/>
+        </p:nvSpPr>
+        <p:spPr>
+          <a:xfrm>
+            <a:off x="0" y="4743451"/>
+            <a:ext cx="9144000" cy="2114550"/>
+          </a:xfrm>
+          <a:prstGeom prst="rect">
+            <a:avLst/>
+          </a:prstGeom>
+          <a:solidFill>
+            <a:schemeClr val="accent5">
+              <a:alpha val="50000"/>
+            </a:schemeClr>
+          </a:solidFill>
+          <a:ln>
+            <a:noFill/>
+          </a:ln>
+        </p:spPr>
+        <p:style>
+          <a:lnRef idx="2">
+            <a:schemeClr val="accent1">
+              <a:shade val="50000"/>
+            </a:schemeClr>
+          </a:lnRef>
+          <a:fillRef idx="1">
+            <a:schemeClr val="accent1"/>
+          </a:fillRef>
+          <a:effectRef idx="0">
+            <a:schemeClr val="accent1"/>
+          </a:effectRef>
+          <a:fontRef idx="minor">
+            <a:schemeClr val="lt1"/>
+          </a:fontRef>
+        </p:style>
+        <p:txBody>
+          <a:bodyPr rtlCol="0" anchor="ctr"/>
+          <a:lstStyle/>
+          <a:p>
+            <a:pPr algn="ctr"/>
+            <a:endParaRPr lang="en-US"/>
+          </a:p>
+        </p:txBody>
+      </p:sp>
+      <p:cxnSp>
+        <p:nvCxnSpPr>
+          <p:cNvPr id="16" name="Straight Connector 15"/>
+          <p:cNvCxnSpPr/>
+          <p:nvPr/>
+        </p:nvCxnSpPr>
+        <p:spPr>
+          <a:xfrm>
+            <a:off x="0" y="4714875"/>
+            <a:ext cx="9144000" cy="1588"/>
+          </a:xfrm>
+          <a:prstGeom prst="line">
+            <a:avLst/>
+          </a:prstGeom>
+          <a:ln w="76200">
+            <a:solidFill>
+              <a:schemeClr val="tx1"/>
+            </a:solidFill>
+          </a:ln>
+        </p:spPr>
+        <p:style>
+          <a:lnRef idx="1">
+            <a:schemeClr val="accent1"/>
+          </a:lnRef>
+          <a:fillRef idx="0">
+            <a:schemeClr val="accent1"/>
+          </a:fillRef>
+          <a:effectRef idx="0">
+            <a:schemeClr val="accent1"/>
+          </a:effectRef>
+          <a:fontRef idx="minor">
+            <a:schemeClr val="tx1"/>
+          </a:fontRef>
+        </p:style>
+      </p:cxnSp>
+      <p:sp>
+        <p:nvSpPr>
+          <p:cNvPr id="22" name="Date Placeholder 21"/>
           <p:cNvSpPr>
             <a:spLocks noGrp="1"/>
           </p:cNvSpPr>
@@ -294,7 +349,7 @@
           <a:p>
             <a:fld id="{F7B27D4B-9C1D-42D4-AC48-E4188B388A9D}" type="datetimeFigureOut">
               <a:rPr lang="nl-NL" smtClean="0"/>
-              <a:t>5-3-2014</a:t>
+              <a:t>12-3-2014</a:t>
             </a:fld>
             <a:endParaRPr lang="nl-NL"/>
           </a:p>
@@ -302,31 +357,12 @@
       </p:sp>
       <p:sp>
         <p:nvSpPr>
-          <p:cNvPr id="5" name="Tijdelijke aanduiding voor voettekst 4"/>
-          <p:cNvSpPr>
-            <a:spLocks noGrp="1"/>
-          </p:cNvSpPr>
-          <p:nvPr>
-            <p:ph type="ftr" sz="quarter" idx="11"/>
-          </p:nvPr>
-        </p:nvSpPr>
-        <p:spPr/>
-        <p:txBody>
-          <a:bodyPr/>
-          <a:lstStyle/>
-          <a:p>
-            <a:endParaRPr lang="nl-NL"/>
-          </a:p>
-        </p:txBody>
-      </p:sp>
-      <p:sp>
-        <p:nvSpPr>
-          <p:cNvPr id="6" name="Tijdelijke aanduiding voor dianummer 5"/>
-          <p:cNvSpPr>
-            <a:spLocks noGrp="1"/>
-          </p:cNvSpPr>
-          <p:nvPr>
-            <p:ph type="sldNum" sz="quarter" idx="12"/>
+          <p:cNvPr id="23" name="Slide Number Placeholder 22"/>
+          <p:cNvSpPr>
+            <a:spLocks noGrp="1"/>
+          </p:cNvSpPr>
+          <p:nvPr>
+            <p:ph type="sldNum" sz="quarter" idx="11"/>
           </p:nvPr>
         </p:nvSpPr>
         <p:spPr/>
@@ -342,12 +378,91 @@
           </a:p>
         </p:txBody>
       </p:sp>
+      <p:sp>
+        <p:nvSpPr>
+          <p:cNvPr id="24" name="Footer Placeholder 23"/>
+          <p:cNvSpPr>
+            <a:spLocks noGrp="1"/>
+          </p:cNvSpPr>
+          <p:nvPr>
+            <p:ph type="ftr" sz="quarter" idx="12"/>
+          </p:nvPr>
+        </p:nvSpPr>
+        <p:spPr/>
+        <p:txBody>
+          <a:bodyPr/>
+          <a:lstStyle/>
+          <a:p>
+            <a:endParaRPr lang="nl-NL"/>
+          </a:p>
+        </p:txBody>
+      </p:sp>
+      <p:sp>
+        <p:nvSpPr>
+          <p:cNvPr id="12" name="Title 11"/>
+          <p:cNvSpPr>
+            <a:spLocks noGrp="1"/>
+          </p:cNvSpPr>
+          <p:nvPr>
+            <p:ph type="title"/>
+          </p:nvPr>
+        </p:nvSpPr>
+        <p:spPr>
+          <a:xfrm>
+            <a:off x="352426" y="457200"/>
+            <a:ext cx="7680960" cy="2438399"/>
+          </a:xfrm>
+        </p:spPr>
+        <p:txBody>
+          <a:bodyPr>
+            <a:normAutofit/>
+          </a:bodyPr>
+          <a:lstStyle>
+            <a:lvl1pPr>
+              <a:spcBef>
+                <a:spcPts val="0"/>
+              </a:spcBef>
+              <a:defRPr kumimoji="0" lang="en-US" sz="6000" b="1" i="0" u="none" strike="noStrike" kern="1200" cap="none" spc="0" normalizeH="0" baseline="0" noProof="0" smtClean="0">
+                <a:ln>
+                  <a:noFill/>
+                </a:ln>
+                <a:gradFill>
+                  <a:gsLst>
+                    <a:gs pos="0">
+                      <a:schemeClr val="tx1">
+                        <a:alpha val="92000"/>
+                      </a:schemeClr>
+                    </a:gs>
+                    <a:gs pos="45000">
+                      <a:schemeClr val="tx1">
+                        <a:alpha val="51000"/>
+                      </a:schemeClr>
+                    </a:gs>
+                    <a:gs pos="100000">
+                      <a:schemeClr val="tx1"/>
+                    </a:gs>
+                  </a:gsLst>
+                  <a:lin ang="3600000" scaled="0"/>
+                </a:gradFill>
+                <a:effectLst/>
+                <a:uLnTx/>
+                <a:uFillTx/>
+                <a:latin typeface="+mj-lt"/>
+                <a:ea typeface="+mj-ea"/>
+                <a:cs typeface="Tunga" pitchFamily="2"/>
+              </a:defRPr>
+            </a:lvl1pPr>
+          </a:lstStyle>
+          <a:p>
+            <a:r>
+              <a:rPr lang="nl-NL" smtClean="0"/>
+              <a:t>Klik om de stijl te bewerken</a:t>
+            </a:r>
+            <a:endParaRPr lang="en-US" dirty="0"/>
+          </a:p>
+        </p:txBody>
+      </p:sp>
     </p:spTree>
-    <p:extLst>
-      <p:ext uri="{BB962C8B-B14F-4D97-AF65-F5344CB8AC3E}">
-        <p14:creationId xmlns:p14="http://schemas.microsoft.com/office/powerpoint/2010/main" val="1564592687"/>
-      </p:ext>
-    </p:extLst>
   </p:cSld>
   <p:clrMapOvr>
     <a:masterClrMapping/>
@@ -374,7 +489,55 @@
       </p:grpSpPr>
       <p:sp>
         <p:nvSpPr>
-          <p:cNvPr id="2" name="Titel 1"/>
+          <p:cNvPr id="7" name="Rectangle 6"/>
+          <p:cNvSpPr/>
+          <p:nvPr/>
+        </p:nvSpPr>
+        <p:spPr>
+          <a:xfrm>
+            <a:off x="0" y="0"/>
+            <a:ext cx="9144000" cy="6858000"/>
+          </a:xfrm>
+          <a:prstGeom prst="rect">
+            <a:avLst/>
+          </a:prstGeom>
+          <a:solidFill>
+            <a:schemeClr val="bg1">
+              <a:alpha val="50000"/>
+            </a:schemeClr>
+          </a:solidFill>
+          <a:ln>
+            <a:noFill/>
+          </a:ln>
+        </p:spPr>
+        <p:style>
+          <a:lnRef idx="2">
+            <a:schemeClr val="accent1">
+              <a:shade val="50000"/>
+            </a:schemeClr>
+          </a:lnRef>
+          <a:fillRef idx="1">
+            <a:schemeClr val="accent1"/>
+          </a:fillRef>
+          <a:effectRef idx="0">
+            <a:schemeClr val="accent1"/>
+          </a:effectRef>
+          <a:fontRef idx="minor">
+            <a:schemeClr val="lt1"/>
+          </a:fontRef>
+        </p:style>
+        <p:txBody>
+          <a:bodyPr rtlCol="0" anchor="ctr"/>
+          <a:lstStyle/>
+          <a:p>
+            <a:pPr algn="ctr"/>
+            <a:endParaRPr lang="en-US"/>
+          </a:p>
+        </p:txBody>
+      </p:sp>
+      <p:sp>
+        <p:nvSpPr>
+          <p:cNvPr id="2" name="Title 1"/>
           <p:cNvSpPr>
             <a:spLocks noGrp="1"/>
           </p:cNvSpPr>
@@ -391,13 +554,13 @@
               <a:rPr lang="nl-NL" smtClean="0"/>
               <a:t>Klik om de stijl te bewerken</a:t>
             </a:r>
-            <a:endParaRPr lang="nl-NL"/>
-          </a:p>
-        </p:txBody>
-      </p:sp>
-      <p:sp>
-        <p:nvSpPr>
-          <p:cNvPr id="3" name="Tijdelijke aanduiding voor verticale tekst 2"/>
+            <a:endParaRPr lang="en-US"/>
+          </a:p>
+        </p:txBody>
+      </p:sp>
+      <p:sp>
+        <p:nvSpPr>
+          <p:cNvPr id="3" name="Vertical Text Placeholder 2"/>
           <p:cNvSpPr>
             <a:spLocks noGrp="1"/>
           </p:cNvSpPr>
@@ -443,13 +606,13 @@
               <a:rPr lang="nl-NL" smtClean="0"/>
               <a:t>Vijfde niveau</a:t>
             </a:r>
-            <a:endParaRPr lang="nl-NL"/>
-          </a:p>
-        </p:txBody>
-      </p:sp>
-      <p:sp>
-        <p:nvSpPr>
-          <p:cNvPr id="4" name="Tijdelijke aanduiding voor datum 3"/>
+            <a:endParaRPr lang="en-US"/>
+          </a:p>
+        </p:txBody>
+      </p:sp>
+      <p:sp>
+        <p:nvSpPr>
+          <p:cNvPr id="4" name="Date Placeholder 3"/>
           <p:cNvSpPr>
             <a:spLocks noGrp="1"/>
           </p:cNvSpPr>
@@ -464,7 +627,7 @@
           <a:p>
             <a:fld id="{F7B27D4B-9C1D-42D4-AC48-E4188B388A9D}" type="datetimeFigureOut">
               <a:rPr lang="nl-NL" smtClean="0"/>
-              <a:t>5-3-2014</a:t>
+              <a:t>12-3-2014</a:t>
             </a:fld>
             <a:endParaRPr lang="nl-NL"/>
           </a:p>
@@ -472,7 +635,7 @@
       </p:sp>
       <p:sp>
         <p:nvSpPr>
-          <p:cNvPr id="5" name="Tijdelijke aanduiding voor voettekst 4"/>
+          <p:cNvPr id="5" name="Footer Placeholder 4"/>
           <p:cNvSpPr>
             <a:spLocks noGrp="1"/>
           </p:cNvSpPr>
@@ -491,7 +654,7 @@
       </p:sp>
       <p:sp>
         <p:nvSpPr>
-          <p:cNvPr id="6" name="Tijdelijke aanduiding voor dianummer 5"/>
+          <p:cNvPr id="6" name="Slide Number Placeholder 5"/>
           <p:cNvSpPr>
             <a:spLocks noGrp="1"/>
           </p:cNvSpPr>
@@ -513,11 +676,6 @@
         </p:txBody>
       </p:sp>
     </p:spTree>
-    <p:extLst>
-      <p:ext uri="{BB962C8B-B14F-4D97-AF65-F5344CB8AC3E}">
-        <p14:creationId xmlns:p14="http://schemas.microsoft.com/office/powerpoint/2010/main" val="1773200168"/>
-      </p:ext>
-    </p:extLst>
   </p:cSld>
   <p:clrMapOvr>
     <a:masterClrMapping/>
@@ -544,7 +702,55 @@
       </p:grpSpPr>
       <p:sp>
         <p:nvSpPr>
-          <p:cNvPr id="2" name="Verticale titel 1"/>
+          <p:cNvPr id="7" name="Rectangle 6"/>
+          <p:cNvSpPr/>
+          <p:nvPr/>
+        </p:nvSpPr>
+        <p:spPr>
+          <a:xfrm>
+            <a:off x="0" y="0"/>
+            <a:ext cx="9144000" cy="6858000"/>
+          </a:xfrm>
+          <a:prstGeom prst="rect">
+            <a:avLst/>
+          </a:prstGeom>
+          <a:solidFill>
+            <a:schemeClr val="bg1">
+              <a:alpha val="50000"/>
+            </a:schemeClr>
+          </a:solidFill>
+          <a:ln>
+            <a:noFill/>
+          </a:ln>
+        </p:spPr>
+        <p:style>
+          <a:lnRef idx="2">
+            <a:schemeClr val="accent1">
+              <a:shade val="50000"/>
+            </a:schemeClr>
+          </a:lnRef>
+          <a:fillRef idx="1">
+            <a:schemeClr val="accent1"/>
+          </a:fillRef>
+          <a:effectRef idx="0">
+            <a:schemeClr val="accent1"/>
+          </a:effectRef>
+          <a:fontRef idx="minor">
+            <a:schemeClr val="lt1"/>
+          </a:fontRef>
+        </p:style>
+        <p:txBody>
+          <a:bodyPr rtlCol="0" anchor="ctr"/>
+          <a:lstStyle/>
+          <a:p>
+            <a:pPr algn="ctr"/>
+            <a:endParaRPr lang="en-US"/>
+          </a:p>
+        </p:txBody>
+      </p:sp>
+      <p:sp>
+        <p:nvSpPr>
+          <p:cNvPr id="2" name="Vertical Title 1"/>
           <p:cNvSpPr>
             <a:spLocks noGrp="1"/>
           </p:cNvSpPr>
@@ -566,13 +772,13 @@
               <a:rPr lang="nl-NL" smtClean="0"/>
               <a:t>Klik om de stijl te bewerken</a:t>
             </a:r>
-            <a:endParaRPr lang="nl-NL"/>
-          </a:p>
-        </p:txBody>
-      </p:sp>
-      <p:sp>
-        <p:nvSpPr>
-          <p:cNvPr id="3" name="Tijdelijke aanduiding voor verticale tekst 2"/>
+            <a:endParaRPr lang="en-US"/>
+          </a:p>
+        </p:txBody>
+      </p:sp>
+      <p:sp>
+        <p:nvSpPr>
+          <p:cNvPr id="3" name="Vertical Text Placeholder 2"/>
           <p:cNvSpPr>
             <a:spLocks noGrp="1"/>
           </p:cNvSpPr>
@@ -623,13 +829,13 @@
               <a:rPr lang="nl-NL" smtClean="0"/>
               <a:t>Vijfde niveau</a:t>
             </a:r>
-            <a:endParaRPr lang="nl-NL"/>
-          </a:p>
-        </p:txBody>
-      </p:sp>
-      <p:sp>
-        <p:nvSpPr>
-          <p:cNvPr id="4" name="Tijdelijke aanduiding voor datum 3"/>
+            <a:endParaRPr lang="en-US"/>
+          </a:p>
+        </p:txBody>
+      </p:sp>
+      <p:sp>
+        <p:nvSpPr>
+          <p:cNvPr id="4" name="Date Placeholder 3"/>
           <p:cNvSpPr>
             <a:spLocks noGrp="1"/>
           </p:cNvSpPr>
@@ -644,7 +850,7 @@
           <a:p>
             <a:fld id="{F7B27D4B-9C1D-42D4-AC48-E4188B388A9D}" type="datetimeFigureOut">
               <a:rPr lang="nl-NL" smtClean="0"/>
-              <a:t>5-3-2014</a:t>
+              <a:t>12-3-2014</a:t>
             </a:fld>
             <a:endParaRPr lang="nl-NL"/>
           </a:p>
@@ -652,7 +858,7 @@
       </p:sp>
       <p:sp>
         <p:nvSpPr>
-          <p:cNvPr id="5" name="Tijdelijke aanduiding voor voettekst 4"/>
+          <p:cNvPr id="5" name="Footer Placeholder 4"/>
           <p:cNvSpPr>
             <a:spLocks noGrp="1"/>
           </p:cNvSpPr>
@@ -671,7 +877,7 @@
       </p:sp>
       <p:sp>
         <p:nvSpPr>
-          <p:cNvPr id="6" name="Tijdelijke aanduiding voor dianummer 5"/>
+          <p:cNvPr id="6" name="Slide Number Placeholder 5"/>
           <p:cNvSpPr>
             <a:spLocks noGrp="1"/>
           </p:cNvSpPr>
@@ -693,11 +899,6 @@
         </p:txBody>
       </p:sp>
     </p:spTree>
-    <p:extLst>
-      <p:ext uri="{BB962C8B-B14F-4D97-AF65-F5344CB8AC3E}">
-        <p14:creationId xmlns:p14="http://schemas.microsoft.com/office/powerpoint/2010/main" val="1113334440"/>
-      </p:ext>
-    </p:extLst>
   </p:cSld>
   <p:clrMapOvr>
     <a:masterClrMapping/>
@@ -724,38 +925,68 @@
       </p:grpSpPr>
       <p:sp>
         <p:nvSpPr>
-          <p:cNvPr id="2" name="Titel 1"/>
-          <p:cNvSpPr>
-            <a:spLocks noGrp="1"/>
-          </p:cNvSpPr>
-          <p:nvPr>
-            <p:ph type="title"/>
-          </p:nvPr>
-        </p:nvSpPr>
-        <p:spPr/>
-        <p:txBody>
-          <a:bodyPr/>
-          <a:lstStyle/>
-          <a:p>
-            <a:r>
-              <a:rPr lang="nl-NL" smtClean="0"/>
-              <a:t>Klik om de stijl te bewerken</a:t>
-            </a:r>
-            <a:endParaRPr lang="nl-NL"/>
-          </a:p>
-        </p:txBody>
-      </p:sp>
-      <p:sp>
-        <p:nvSpPr>
-          <p:cNvPr id="3" name="Tijdelijke aanduiding voor inhoud 2"/>
-          <p:cNvSpPr>
-            <a:spLocks noGrp="1"/>
-          </p:cNvSpPr>
-          <p:nvPr>
-            <p:ph idx="1"/>
-          </p:nvPr>
-        </p:nvSpPr>
-        <p:spPr/>
+          <p:cNvPr id="9" name="Rectangle 8"/>
+          <p:cNvSpPr/>
+          <p:nvPr/>
+        </p:nvSpPr>
+        <p:spPr>
+          <a:xfrm>
+            <a:off x="0" y="0"/>
+            <a:ext cx="9144000" cy="6858000"/>
+          </a:xfrm>
+          <a:prstGeom prst="rect">
+            <a:avLst/>
+          </a:prstGeom>
+          <a:solidFill>
+            <a:schemeClr val="bg1">
+              <a:alpha val="50000"/>
+            </a:schemeClr>
+          </a:solidFill>
+          <a:ln>
+            <a:noFill/>
+          </a:ln>
+        </p:spPr>
+        <p:style>
+          <a:lnRef idx="2">
+            <a:schemeClr val="accent1">
+              <a:shade val="50000"/>
+            </a:schemeClr>
+          </a:lnRef>
+          <a:fillRef idx="1">
+            <a:schemeClr val="accent1"/>
+          </a:fillRef>
+          <a:effectRef idx="0">
+            <a:schemeClr val="accent1"/>
+          </a:effectRef>
+          <a:fontRef idx="minor">
+            <a:schemeClr val="lt1"/>
+          </a:fontRef>
+        </p:style>
+        <p:txBody>
+          <a:bodyPr rtlCol="0" anchor="ctr"/>
+          <a:lstStyle/>
+          <a:p>
+            <a:pPr algn="ctr"/>
+            <a:endParaRPr lang="en-US"/>
+          </a:p>
+        </p:txBody>
+      </p:sp>
+      <p:sp>
+        <p:nvSpPr>
+          <p:cNvPr id="31" name="Content Placeholder 30"/>
+          <p:cNvSpPr>
+            <a:spLocks noGrp="1"/>
+          </p:cNvSpPr>
+          <p:nvPr>
+            <p:ph sz="quarter" idx="13"/>
+          </p:nvPr>
+        </p:nvSpPr>
+        <p:spPr>
+          <a:xfrm>
+            <a:off x="352426" y="1463040"/>
+            <a:ext cx="7680960" cy="4724400"/>
+          </a:xfrm>
+        </p:spPr>
         <p:txBody>
           <a:bodyPr/>
           <a:lstStyle/>
@@ -793,18 +1024,18 @@
               <a:rPr lang="nl-NL" smtClean="0"/>
               <a:t>Vijfde niveau</a:t>
             </a:r>
-            <a:endParaRPr lang="nl-NL"/>
-          </a:p>
-        </p:txBody>
-      </p:sp>
-      <p:sp>
-        <p:nvSpPr>
-          <p:cNvPr id="4" name="Tijdelijke aanduiding voor datum 3"/>
-          <p:cNvSpPr>
-            <a:spLocks noGrp="1"/>
-          </p:cNvSpPr>
-          <p:nvPr>
-            <p:ph type="dt" sz="half" idx="10"/>
+            <a:endParaRPr lang="en-US" dirty="0"/>
+          </a:p>
+        </p:txBody>
+      </p:sp>
+      <p:sp>
+        <p:nvSpPr>
+          <p:cNvPr id="12" name="Date Placeholder 11"/>
+          <p:cNvSpPr>
+            <a:spLocks noGrp="1"/>
+          </p:cNvSpPr>
+          <p:nvPr>
+            <p:ph type="dt" sz="half" idx="14"/>
           </p:nvPr>
         </p:nvSpPr>
         <p:spPr/>
@@ -814,7 +1045,7 @@
           <a:p>
             <a:fld id="{F7B27D4B-9C1D-42D4-AC48-E4188B388A9D}" type="datetimeFigureOut">
               <a:rPr lang="nl-NL" smtClean="0"/>
-              <a:t>5-3-2014</a:t>
+              <a:t>12-3-2014</a:t>
             </a:fld>
             <a:endParaRPr lang="nl-NL"/>
           </a:p>
@@ -822,31 +1053,12 @@
       </p:sp>
       <p:sp>
         <p:nvSpPr>
-          <p:cNvPr id="5" name="Tijdelijke aanduiding voor voettekst 4"/>
-          <p:cNvSpPr>
-            <a:spLocks noGrp="1"/>
-          </p:cNvSpPr>
-          <p:nvPr>
-            <p:ph type="ftr" sz="quarter" idx="11"/>
-          </p:nvPr>
-        </p:nvSpPr>
-        <p:spPr/>
-        <p:txBody>
-          <a:bodyPr/>
-          <a:lstStyle/>
-          <a:p>
-            <a:endParaRPr lang="nl-NL"/>
-          </a:p>
-        </p:txBody>
-      </p:sp>
-      <p:sp>
-        <p:nvSpPr>
-          <p:cNvPr id="6" name="Tijdelijke aanduiding voor dianummer 5"/>
-          <p:cNvSpPr>
-            <a:spLocks noGrp="1"/>
-          </p:cNvSpPr>
-          <p:nvPr>
-            <p:ph type="sldNum" sz="quarter" idx="12"/>
+          <p:cNvPr id="19" name="Slide Number Placeholder 18"/>
+          <p:cNvSpPr>
+            <a:spLocks noGrp="1"/>
+          </p:cNvSpPr>
+          <p:nvPr>
+            <p:ph type="sldNum" sz="quarter" idx="15"/>
           </p:nvPr>
         </p:nvSpPr>
         <p:spPr/>
@@ -862,12 +1074,49 @@
           </a:p>
         </p:txBody>
       </p:sp>
+      <p:sp>
+        <p:nvSpPr>
+          <p:cNvPr id="21" name="Footer Placeholder 20"/>
+          <p:cNvSpPr>
+            <a:spLocks noGrp="1"/>
+          </p:cNvSpPr>
+          <p:nvPr>
+            <p:ph type="ftr" sz="quarter" idx="16"/>
+          </p:nvPr>
+        </p:nvSpPr>
+        <p:spPr/>
+        <p:txBody>
+          <a:bodyPr/>
+          <a:lstStyle/>
+          <a:p>
+            <a:endParaRPr lang="nl-NL"/>
+          </a:p>
+        </p:txBody>
+      </p:sp>
+      <p:sp>
+        <p:nvSpPr>
+          <p:cNvPr id="8" name="Title 7"/>
+          <p:cNvSpPr>
+            <a:spLocks noGrp="1"/>
+          </p:cNvSpPr>
+          <p:nvPr>
+            <p:ph type="title"/>
+          </p:nvPr>
+        </p:nvSpPr>
+        <p:spPr/>
+        <p:txBody>
+          <a:bodyPr/>
+          <a:lstStyle/>
+          <a:p>
+            <a:r>
+              <a:rPr lang="nl-NL" smtClean="0"/>
+              <a:t>Klik om de stijl te bewerken</a:t>
+            </a:r>
+            <a:endParaRPr lang="en-US" dirty="0"/>
+          </a:p>
+        </p:txBody>
+      </p:sp>
     </p:spTree>
-    <p:extLst>
-      <p:ext uri="{BB962C8B-B14F-4D97-AF65-F5344CB8AC3E}">
-        <p14:creationId xmlns:p14="http://schemas.microsoft.com/office/powerpoint/2010/main" val="3642251473"/>
-      </p:ext>
-    </p:extLst>
   </p:cSld>
   <p:clrMapOvr>
     <a:masterClrMapping/>
@@ -894,68 +1143,84 @@
       </p:grpSpPr>
       <p:sp>
         <p:nvSpPr>
-          <p:cNvPr id="2" name="Titel 1"/>
-          <p:cNvSpPr>
-            <a:spLocks noGrp="1"/>
-          </p:cNvSpPr>
-          <p:nvPr>
-            <p:ph type="title"/>
-          </p:nvPr>
+          <p:cNvPr id="12" name="Rectangle 11"/>
+          <p:cNvSpPr/>
+          <p:nvPr/>
         </p:nvSpPr>
         <p:spPr>
           <a:xfrm>
-            <a:off x="722313" y="4406900"/>
-            <a:ext cx="7772400" cy="1362075"/>
+            <a:off x="0" y="0"/>
+            <a:ext cx="9144000" cy="6858000"/>
+          </a:xfrm>
+          <a:prstGeom prst="rect">
+            <a:avLst/>
+          </a:prstGeom>
+          <a:solidFill>
+            <a:schemeClr val="bg1">
+              <a:alpha val="50000"/>
+            </a:schemeClr>
+          </a:solidFill>
+          <a:ln>
+            <a:noFill/>
+          </a:ln>
+        </p:spPr>
+        <p:style>
+          <a:lnRef idx="2">
+            <a:schemeClr val="accent1">
+              <a:shade val="50000"/>
+            </a:schemeClr>
+          </a:lnRef>
+          <a:fillRef idx="1">
+            <a:schemeClr val="accent1"/>
+          </a:fillRef>
+          <a:effectRef idx="0">
+            <a:schemeClr val="accent1"/>
+          </a:effectRef>
+          <a:fontRef idx="minor">
+            <a:schemeClr val="lt1"/>
+          </a:fontRef>
+        </p:style>
+        <p:txBody>
+          <a:bodyPr rtlCol="0" anchor="ctr"/>
+          <a:lstStyle/>
+          <a:p>
+            <a:pPr algn="ctr"/>
+            <a:endParaRPr lang="en-US"/>
+          </a:p>
+        </p:txBody>
+      </p:sp>
+      <p:sp>
+        <p:nvSpPr>
+          <p:cNvPr id="11" name="Subtitle 2"/>
+          <p:cNvSpPr>
+            <a:spLocks noGrp="1"/>
+          </p:cNvSpPr>
+          <p:nvPr>
+            <p:ph type="subTitle" idx="1"/>
+          </p:nvPr>
+        </p:nvSpPr>
+        <p:spPr>
+          <a:xfrm>
+            <a:off x="352426" y="4003302"/>
+            <a:ext cx="4572000" cy="1178298"/>
           </a:xfrm>
         </p:spPr>
         <p:txBody>
-          <a:bodyPr anchor="t"/>
+          <a:bodyPr>
+            <a:normAutofit/>
+          </a:bodyPr>
           <a:lstStyle>
-            <a:lvl1pPr algn="l">
-              <a:defRPr sz="4000" b="1" cap="all"/>
-            </a:lvl1pPr>
-          </a:lstStyle>
-          <a:p>
-            <a:r>
-              <a:rPr lang="nl-NL" smtClean="0"/>
-              <a:t>Klik om de stijl te bewerken</a:t>
-            </a:r>
-            <a:endParaRPr lang="nl-NL"/>
-          </a:p>
-        </p:txBody>
-      </p:sp>
-      <p:sp>
-        <p:nvSpPr>
-          <p:cNvPr id="3" name="Tijdelijke aanduiding voor tekst 2"/>
-          <p:cNvSpPr>
-            <a:spLocks noGrp="1"/>
-          </p:cNvSpPr>
-          <p:nvPr>
-            <p:ph type="body" idx="1"/>
-          </p:nvPr>
-        </p:nvSpPr>
-        <p:spPr>
-          <a:xfrm>
-            <a:off x="722313" y="2906713"/>
-            <a:ext cx="7772400" cy="1500187"/>
-          </a:xfrm>
-        </p:spPr>
-        <p:txBody>
-          <a:bodyPr anchor="b"/>
-          <a:lstStyle>
-            <a:lvl1pPr marL="0" indent="0">
-              <a:buNone/>
-              <a:defRPr sz="2000">
+            <a:lvl1pPr marL="0" indent="0" algn="l">
+              <a:buNone/>
+              <a:defRPr sz="2000" b="0" i="1" cap="none" spc="120" baseline="0">
                 <a:solidFill>
-                  <a:schemeClr val="tx1">
-                    <a:tint val="75000"/>
-                  </a:schemeClr>
+                  <a:schemeClr val="tx1"/>
                 </a:solidFill>
               </a:defRPr>
             </a:lvl1pPr>
-            <a:lvl2pPr marL="457200" indent="0">
-              <a:buNone/>
-              <a:defRPr sz="1800">
+            <a:lvl2pPr marL="457200" indent="0" algn="ctr">
+              <a:buNone/>
+              <a:defRPr>
                 <a:solidFill>
                   <a:schemeClr val="tx1">
                     <a:tint val="75000"/>
@@ -963,9 +1228,9 @@
                 </a:solidFill>
               </a:defRPr>
             </a:lvl2pPr>
-            <a:lvl3pPr marL="914400" indent="0">
-              <a:buNone/>
-              <a:defRPr sz="1600">
+            <a:lvl3pPr marL="914400" indent="0" algn="ctr">
+              <a:buNone/>
+              <a:defRPr>
                 <a:solidFill>
                   <a:schemeClr val="tx1">
                     <a:tint val="75000"/>
@@ -973,9 +1238,9 @@
                 </a:solidFill>
               </a:defRPr>
             </a:lvl3pPr>
-            <a:lvl4pPr marL="1371600" indent="0">
-              <a:buNone/>
-              <a:defRPr sz="1400">
+            <a:lvl4pPr marL="1371600" indent="0" algn="ctr">
+              <a:buNone/>
+              <a:defRPr>
                 <a:solidFill>
                   <a:schemeClr val="tx1">
                     <a:tint val="75000"/>
@@ -983,9 +1248,9 @@
                 </a:solidFill>
               </a:defRPr>
             </a:lvl4pPr>
-            <a:lvl5pPr marL="1828800" indent="0">
-              <a:buNone/>
-              <a:defRPr sz="1400">
+            <a:lvl5pPr marL="1828800" indent="0" algn="ctr">
+              <a:buNone/>
+              <a:defRPr>
                 <a:solidFill>
                   <a:schemeClr val="tx1">
                     <a:tint val="75000"/>
@@ -993,9 +1258,9 @@
                 </a:solidFill>
               </a:defRPr>
             </a:lvl5pPr>
-            <a:lvl6pPr marL="2286000" indent="0">
-              <a:buNone/>
-              <a:defRPr sz="1400">
+            <a:lvl6pPr marL="2286000" indent="0" algn="ctr">
+              <a:buNone/>
+              <a:defRPr>
                 <a:solidFill>
                   <a:schemeClr val="tx1">
                     <a:tint val="75000"/>
@@ -1003,9 +1268,9 @@
                 </a:solidFill>
               </a:defRPr>
             </a:lvl6pPr>
-            <a:lvl7pPr marL="2743200" indent="0">
-              <a:buNone/>
-              <a:defRPr sz="1400">
+            <a:lvl7pPr marL="2743200" indent="0" algn="ctr">
+              <a:buNone/>
+              <a:defRPr>
                 <a:solidFill>
                   <a:schemeClr val="tx1">
                     <a:tint val="75000"/>
@@ -1013,9 +1278,9 @@
                 </a:solidFill>
               </a:defRPr>
             </a:lvl7pPr>
-            <a:lvl8pPr marL="3200400" indent="0">
-              <a:buNone/>
-              <a:defRPr sz="1400">
+            <a:lvl8pPr marL="3200400" indent="0" algn="ctr">
+              <a:buNone/>
+              <a:defRPr>
                 <a:solidFill>
                   <a:schemeClr val="tx1">
                     <a:tint val="75000"/>
@@ -1023,9 +1288,9 @@
                 </a:solidFill>
               </a:defRPr>
             </a:lvl8pPr>
-            <a:lvl9pPr marL="3657600" indent="0">
-              <a:buNone/>
-              <a:defRPr sz="1400">
+            <a:lvl9pPr marL="3657600" indent="0" algn="ctr">
+              <a:buNone/>
+              <a:defRPr>
                 <a:solidFill>
                   <a:schemeClr val="tx1">
                     <a:tint val="75000"/>
@@ -1035,17 +1300,17 @@
             </a:lvl9pPr>
           </a:lstStyle>
           <a:p>
-            <a:pPr lvl="0"/>
-            <a:r>
-              <a:rPr lang="nl-NL" smtClean="0"/>
-              <a:t>Klik om de modelstijlen te bewerken</a:t>
-            </a:r>
-          </a:p>
-        </p:txBody>
-      </p:sp>
-      <p:sp>
-        <p:nvSpPr>
-          <p:cNvPr id="4" name="Tijdelijke aanduiding voor datum 3"/>
+            <a:r>
+              <a:rPr lang="nl-NL" smtClean="0"/>
+              <a:t>Klik om de ondertitelstijl van het model te bewerken</a:t>
+            </a:r>
+            <a:endParaRPr lang="en-US" dirty="0"/>
+          </a:p>
+        </p:txBody>
+      </p:sp>
+      <p:sp>
+        <p:nvSpPr>
+          <p:cNvPr id="16" name="Date Placeholder 15"/>
           <p:cNvSpPr>
             <a:spLocks noGrp="1"/>
           </p:cNvSpPr>
@@ -1060,7 +1325,7 @@
           <a:p>
             <a:fld id="{F7B27D4B-9C1D-42D4-AC48-E4188B388A9D}" type="datetimeFigureOut">
               <a:rPr lang="nl-NL" smtClean="0"/>
-              <a:t>5-3-2014</a:t>
+              <a:t>12-3-2014</a:t>
             </a:fld>
             <a:endParaRPr lang="nl-NL"/>
           </a:p>
@@ -1068,31 +1333,12 @@
       </p:sp>
       <p:sp>
         <p:nvSpPr>
-          <p:cNvPr id="5" name="Tijdelijke aanduiding voor voettekst 4"/>
-          <p:cNvSpPr>
-            <a:spLocks noGrp="1"/>
-          </p:cNvSpPr>
-          <p:nvPr>
-            <p:ph type="ftr" sz="quarter" idx="11"/>
-          </p:nvPr>
-        </p:nvSpPr>
-        <p:spPr/>
-        <p:txBody>
-          <a:bodyPr/>
-          <a:lstStyle/>
-          <a:p>
-            <a:endParaRPr lang="nl-NL"/>
-          </a:p>
-        </p:txBody>
-      </p:sp>
-      <p:sp>
-        <p:nvSpPr>
-          <p:cNvPr id="6" name="Tijdelijke aanduiding voor dianummer 5"/>
-          <p:cNvSpPr>
-            <a:spLocks noGrp="1"/>
-          </p:cNvSpPr>
-          <p:nvPr>
-            <p:ph type="sldNum" sz="quarter" idx="12"/>
+          <p:cNvPr id="20" name="Slide Number Placeholder 19"/>
+          <p:cNvSpPr>
+            <a:spLocks noGrp="1"/>
+          </p:cNvSpPr>
+          <p:nvPr>
+            <p:ph type="sldNum" sz="quarter" idx="11"/>
           </p:nvPr>
         </p:nvSpPr>
         <p:spPr/>
@@ -1108,12 +1354,188 @@
           </a:p>
         </p:txBody>
       </p:sp>
+      <p:sp>
+        <p:nvSpPr>
+          <p:cNvPr id="21" name="Footer Placeholder 20"/>
+          <p:cNvSpPr>
+            <a:spLocks noGrp="1"/>
+          </p:cNvSpPr>
+          <p:nvPr>
+            <p:ph type="ftr" sz="quarter" idx="12"/>
+          </p:nvPr>
+        </p:nvSpPr>
+        <p:spPr/>
+        <p:txBody>
+          <a:bodyPr/>
+          <a:lstStyle/>
+          <a:p>
+            <a:endParaRPr lang="nl-NL"/>
+          </a:p>
+        </p:txBody>
+      </p:sp>
+      <p:sp>
+        <p:nvSpPr>
+          <p:cNvPr id="13" name="Rectangle 12"/>
+          <p:cNvSpPr/>
+          <p:nvPr/>
+        </p:nvSpPr>
+        <p:spPr>
+          <a:xfrm>
+            <a:off x="0" y="0"/>
+            <a:ext cx="9144000" cy="1828800"/>
+          </a:xfrm>
+          <a:prstGeom prst="rect">
+            <a:avLst/>
+          </a:prstGeom>
+          <a:solidFill>
+            <a:schemeClr val="accent5">
+              <a:alpha val="50000"/>
+            </a:schemeClr>
+          </a:solidFill>
+          <a:ln>
+            <a:noFill/>
+          </a:ln>
+        </p:spPr>
+        <p:style>
+          <a:lnRef idx="2">
+            <a:schemeClr val="accent1">
+              <a:shade val="50000"/>
+            </a:schemeClr>
+          </a:lnRef>
+          <a:fillRef idx="1">
+            <a:schemeClr val="accent1"/>
+          </a:fillRef>
+          <a:effectRef idx="0">
+            <a:schemeClr val="accent1"/>
+          </a:effectRef>
+          <a:fontRef idx="minor">
+            <a:schemeClr val="lt1"/>
+          </a:fontRef>
+        </p:style>
+        <p:txBody>
+          <a:bodyPr rtlCol="0" anchor="ctr"/>
+          <a:lstStyle/>
+          <a:p>
+            <a:pPr algn="ctr"/>
+            <a:endParaRPr lang="en-US"/>
+          </a:p>
+        </p:txBody>
+      </p:sp>
+      <p:cxnSp>
+        <p:nvCxnSpPr>
+          <p:cNvPr id="18" name="Straight Connector 17"/>
+          <p:cNvCxnSpPr/>
+          <p:nvPr/>
+        </p:nvCxnSpPr>
+        <p:spPr>
+          <a:xfrm>
+            <a:off x="-4439" y="1828800"/>
+            <a:ext cx="9144000" cy="1588"/>
+          </a:xfrm>
+          <a:prstGeom prst="line">
+            <a:avLst/>
+          </a:prstGeom>
+          <a:ln w="76200">
+            <a:solidFill>
+              <a:schemeClr val="tx1"/>
+            </a:solidFill>
+          </a:ln>
+        </p:spPr>
+        <p:style>
+          <a:lnRef idx="1">
+            <a:schemeClr val="accent1"/>
+          </a:lnRef>
+          <a:fillRef idx="0">
+            <a:schemeClr val="accent1"/>
+          </a:fillRef>
+          <a:effectRef idx="0">
+            <a:schemeClr val="accent1"/>
+          </a:effectRef>
+          <a:fontRef idx="minor">
+            <a:schemeClr val="tx1"/>
+          </a:fontRef>
+        </p:style>
+      </p:cxnSp>
+      <p:sp>
+        <p:nvSpPr>
+          <p:cNvPr id="14" name="Title 13"/>
+          <p:cNvSpPr>
+            <a:spLocks noGrp="1"/>
+          </p:cNvSpPr>
+          <p:nvPr>
+            <p:ph type="title"/>
+          </p:nvPr>
+        </p:nvSpPr>
+        <p:spPr>
+          <a:xfrm>
+            <a:off x="354366" y="1990078"/>
+            <a:ext cx="8439912" cy="1984248"/>
+          </a:xfrm>
+        </p:spPr>
+        <p:txBody>
+          <a:bodyPr>
+            <a:noAutofit/>
+          </a:bodyPr>
+          <a:lstStyle>
+            <a:lvl1pPr>
+              <a:defRPr kumimoji="0" lang="en-US" sz="6000" b="1" i="0" u="none" strike="noStrike" kern="1200" cap="none" spc="0" normalizeH="0" baseline="0" noProof="0" dirty="0" smtClean="0">
+                <a:ln>
+                  <a:noFill/>
+                </a:ln>
+                <a:gradFill>
+                  <a:gsLst>
+                    <a:gs pos="0">
+                      <a:schemeClr val="tx1">
+                        <a:alpha val="92000"/>
+                      </a:schemeClr>
+                    </a:gs>
+                    <a:gs pos="45000">
+                      <a:schemeClr val="tx1">
+                        <a:alpha val="51000"/>
+                      </a:schemeClr>
+                    </a:gs>
+                    <a:gs pos="100000">
+                      <a:schemeClr val="tx1"/>
+                    </a:gs>
+                  </a:gsLst>
+                  <a:lin ang="3600000" scaled="0"/>
+                </a:gradFill>
+                <a:effectLst/>
+                <a:uLnTx/>
+                <a:uFillTx/>
+                <a:latin typeface="+mj-lt"/>
+                <a:ea typeface="+mj-ea"/>
+                <a:cs typeface="Tunga" pitchFamily="2"/>
+              </a:defRPr>
+            </a:lvl1pPr>
+          </a:lstStyle>
+          <a:p>
+            <a:pPr marL="0" marR="0" lvl="0" indent="0" algn="l" defTabSz="914400" rtl="0" eaLnBrk="1" fontAlgn="auto" latinLnBrk="0" hangingPunct="1">
+              <a:lnSpc>
+                <a:spcPct val="100000"/>
+              </a:lnSpc>
+              <a:spcBef>
+                <a:spcPts val="400"/>
+              </a:spcBef>
+              <a:spcAft>
+                <a:spcPts val="0"/>
+              </a:spcAft>
+              <a:buClrTx/>
+              <a:buSzTx/>
+              <a:buFontTx/>
+              <a:buNone/>
+              <a:tabLst/>
+              <a:defRPr/>
+            </a:pPr>
+            <a:r>
+              <a:rPr lang="nl-NL" smtClean="0"/>
+              <a:t>Klik om de stijl te bewerken</a:t>
+            </a:r>
+            <a:endParaRPr lang="en-US" dirty="0"/>
+          </a:p>
+        </p:txBody>
+      </p:sp>
     </p:spTree>
-    <p:extLst>
-      <p:ext uri="{BB962C8B-B14F-4D97-AF65-F5344CB8AC3E}">
-        <p14:creationId xmlns:p14="http://schemas.microsoft.com/office/powerpoint/2010/main" val="2989649152"/>
-      </p:ext>
-    </p:extLst>
   </p:cSld>
   <p:clrMapOvr>
     <a:masterClrMapping/>
@@ -1140,73 +1562,88 @@
       </p:grpSpPr>
       <p:sp>
         <p:nvSpPr>
-          <p:cNvPr id="2" name="Titel 1"/>
-          <p:cNvSpPr>
-            <a:spLocks noGrp="1"/>
-          </p:cNvSpPr>
-          <p:nvPr>
-            <p:ph type="title"/>
-          </p:nvPr>
-        </p:nvSpPr>
-        <p:spPr/>
-        <p:txBody>
-          <a:bodyPr/>
-          <a:lstStyle/>
-          <a:p>
-            <a:r>
-              <a:rPr lang="nl-NL" smtClean="0"/>
-              <a:t>Klik om de stijl te bewerken</a:t>
-            </a:r>
-            <a:endParaRPr lang="nl-NL"/>
-          </a:p>
-        </p:txBody>
-      </p:sp>
-      <p:sp>
-        <p:nvSpPr>
-          <p:cNvPr id="3" name="Tijdelijke aanduiding voor inhoud 2"/>
-          <p:cNvSpPr>
-            <a:spLocks noGrp="1"/>
-          </p:cNvSpPr>
-          <p:nvPr>
-            <p:ph sz="half" idx="1"/>
-          </p:nvPr>
+          <p:cNvPr id="10" name="Rectangle 9"/>
+          <p:cNvSpPr/>
+          <p:nvPr/>
         </p:nvSpPr>
         <p:spPr>
           <a:xfrm>
-            <a:off x="457200" y="1600200"/>
-            <a:ext cx="4038600" cy="4525963"/>
+            <a:off x="0" y="0"/>
+            <a:ext cx="9144000" cy="6858000"/>
+          </a:xfrm>
+          <a:prstGeom prst="rect">
+            <a:avLst/>
+          </a:prstGeom>
+          <a:solidFill>
+            <a:schemeClr val="bg1">
+              <a:alpha val="50000"/>
+            </a:schemeClr>
+          </a:solidFill>
+          <a:ln>
+            <a:noFill/>
+          </a:ln>
+        </p:spPr>
+        <p:style>
+          <a:lnRef idx="2">
+            <a:schemeClr val="accent1">
+              <a:shade val="50000"/>
+            </a:schemeClr>
+          </a:lnRef>
+          <a:fillRef idx="1">
+            <a:schemeClr val="accent1"/>
+          </a:fillRef>
+          <a:effectRef idx="0">
+            <a:schemeClr val="accent1"/>
+          </a:effectRef>
+          <a:fontRef idx="minor">
+            <a:schemeClr val="lt1"/>
+          </a:fontRef>
+        </p:style>
+        <p:txBody>
+          <a:bodyPr rtlCol="0" anchor="ctr"/>
+          <a:lstStyle/>
+          <a:p>
+            <a:pPr algn="ctr"/>
+            <a:endParaRPr lang="en-US"/>
+          </a:p>
+        </p:txBody>
+      </p:sp>
+      <p:sp>
+        <p:nvSpPr>
+          <p:cNvPr id="16" name="Content Placeholder 11"/>
+          <p:cNvSpPr>
+            <a:spLocks noGrp="1"/>
+          </p:cNvSpPr>
+          <p:nvPr>
+            <p:ph sz="quarter" idx="14"/>
+          </p:nvPr>
+        </p:nvSpPr>
+        <p:spPr>
+          <a:xfrm>
+            <a:off x="4901184" y="1463040"/>
+            <a:ext cx="3886200" cy="4288536"/>
           </a:xfrm>
         </p:spPr>
         <p:txBody>
-          <a:bodyPr/>
+          <a:bodyPr>
+            <a:normAutofit/>
+          </a:bodyPr>
           <a:lstStyle>
             <a:lvl1pPr>
-              <a:defRPr sz="2800"/>
+              <a:defRPr sz="1600"/>
             </a:lvl1pPr>
             <a:lvl2pPr>
-              <a:defRPr sz="2400"/>
+              <a:defRPr sz="1600"/>
             </a:lvl2pPr>
             <a:lvl3pPr>
-              <a:defRPr sz="2000"/>
+              <a:defRPr sz="1600"/>
             </a:lvl3pPr>
             <a:lvl4pPr>
-              <a:defRPr sz="1800"/>
+              <a:defRPr sz="1600"/>
             </a:lvl4pPr>
             <a:lvl5pPr>
-              <a:defRPr sz="1800"/>
+              <a:defRPr sz="1600"/>
             </a:lvl5pPr>
-            <a:lvl6pPr>
-              <a:defRPr sz="1800"/>
-            </a:lvl6pPr>
-            <a:lvl7pPr>
-              <a:defRPr sz="1800"/>
-            </a:lvl7pPr>
-            <a:lvl8pPr>
-              <a:defRPr sz="1800"/>
-            </a:lvl8pPr>
-            <a:lvl9pPr>
-              <a:defRPr sz="1800"/>
-            </a:lvl9pPr>
           </a:lstStyle>
           <a:p>
             <a:pPr lvl="0"/>
@@ -1242,56 +1679,46 @@
               <a:rPr lang="nl-NL" smtClean="0"/>
               <a:t>Vijfde niveau</a:t>
             </a:r>
-            <a:endParaRPr lang="nl-NL"/>
-          </a:p>
-        </p:txBody>
-      </p:sp>
-      <p:sp>
-        <p:nvSpPr>
-          <p:cNvPr id="4" name="Tijdelijke aanduiding voor inhoud 3"/>
-          <p:cNvSpPr>
-            <a:spLocks noGrp="1"/>
-          </p:cNvSpPr>
-          <p:nvPr>
-            <p:ph sz="half" idx="2"/>
+            <a:endParaRPr lang="en-US" dirty="0"/>
+          </a:p>
+        </p:txBody>
+      </p:sp>
+      <p:sp>
+        <p:nvSpPr>
+          <p:cNvPr id="18" name="Content Placeholder 30"/>
+          <p:cNvSpPr>
+            <a:spLocks noGrp="1"/>
+          </p:cNvSpPr>
+          <p:nvPr>
+            <p:ph sz="quarter" idx="13"/>
           </p:nvPr>
         </p:nvSpPr>
         <p:spPr>
           <a:xfrm>
-            <a:off x="4648200" y="1600200"/>
-            <a:ext cx="4038600" cy="4525963"/>
+            <a:off x="352426" y="1463040"/>
+            <a:ext cx="3886200" cy="4288536"/>
           </a:xfrm>
         </p:spPr>
         <p:txBody>
-          <a:bodyPr/>
+          <a:bodyPr>
+            <a:normAutofit/>
+          </a:bodyPr>
           <a:lstStyle>
             <a:lvl1pPr>
-              <a:defRPr sz="2800"/>
+              <a:defRPr sz="1600"/>
             </a:lvl1pPr>
             <a:lvl2pPr>
-              <a:defRPr sz="2400"/>
+              <a:defRPr sz="1600"/>
             </a:lvl2pPr>
             <a:lvl3pPr>
-              <a:defRPr sz="2000"/>
+              <a:defRPr sz="1600"/>
             </a:lvl3pPr>
             <a:lvl4pPr>
-              <a:defRPr sz="1800"/>
+              <a:defRPr sz="1600"/>
             </a:lvl4pPr>
             <a:lvl5pPr>
-              <a:defRPr sz="1800"/>
+              <a:defRPr sz="1600"/>
             </a:lvl5pPr>
-            <a:lvl6pPr>
-              <a:defRPr sz="1800"/>
-            </a:lvl6pPr>
-            <a:lvl7pPr>
-              <a:defRPr sz="1800"/>
-            </a:lvl7pPr>
-            <a:lvl8pPr>
-              <a:defRPr sz="1800"/>
-            </a:lvl8pPr>
-            <a:lvl9pPr>
-              <a:defRPr sz="1800"/>
-            </a:lvl9pPr>
           </a:lstStyle>
           <a:p>
             <a:pPr lvl="0"/>
@@ -1327,18 +1754,41 @@
               <a:rPr lang="nl-NL" smtClean="0"/>
               <a:t>Vijfde niveau</a:t>
             </a:r>
-            <a:endParaRPr lang="nl-NL"/>
-          </a:p>
-        </p:txBody>
-      </p:sp>
-      <p:sp>
-        <p:nvSpPr>
-          <p:cNvPr id="5" name="Tijdelijke aanduiding voor datum 4"/>
-          <p:cNvSpPr>
-            <a:spLocks noGrp="1"/>
-          </p:cNvSpPr>
-          <p:nvPr>
-            <p:ph type="dt" sz="half" idx="10"/>
+            <a:endParaRPr lang="en-US" dirty="0"/>
+          </a:p>
+        </p:txBody>
+      </p:sp>
+      <p:sp>
+        <p:nvSpPr>
+          <p:cNvPr id="27" name="Title 26"/>
+          <p:cNvSpPr>
+            <a:spLocks noGrp="1"/>
+          </p:cNvSpPr>
+          <p:nvPr>
+            <p:ph type="title"/>
+          </p:nvPr>
+        </p:nvSpPr>
+        <p:spPr/>
+        <p:txBody>
+          <a:bodyPr/>
+          <a:lstStyle/>
+          <a:p>
+            <a:r>
+              <a:rPr lang="nl-NL" smtClean="0"/>
+              <a:t>Klik om de stijl te bewerken</a:t>
+            </a:r>
+            <a:endParaRPr lang="en-US" dirty="0"/>
+          </a:p>
+        </p:txBody>
+      </p:sp>
+      <p:sp>
+        <p:nvSpPr>
+          <p:cNvPr id="20" name="Date Placeholder 19"/>
+          <p:cNvSpPr>
+            <a:spLocks noGrp="1"/>
+          </p:cNvSpPr>
+          <p:nvPr>
+            <p:ph type="dt" sz="half" idx="15"/>
           </p:nvPr>
         </p:nvSpPr>
         <p:spPr/>
@@ -1348,7 +1798,7 @@
           <a:p>
             <a:fld id="{F7B27D4B-9C1D-42D4-AC48-E4188B388A9D}" type="datetimeFigureOut">
               <a:rPr lang="nl-NL" smtClean="0"/>
-              <a:t>5-3-2014</a:t>
+              <a:t>12-3-2014</a:t>
             </a:fld>
             <a:endParaRPr lang="nl-NL"/>
           </a:p>
@@ -1356,31 +1806,12 @@
       </p:sp>
       <p:sp>
         <p:nvSpPr>
-          <p:cNvPr id="6" name="Tijdelijke aanduiding voor voettekst 5"/>
-          <p:cNvSpPr>
-            <a:spLocks noGrp="1"/>
-          </p:cNvSpPr>
-          <p:nvPr>
-            <p:ph type="ftr" sz="quarter" idx="11"/>
-          </p:nvPr>
-        </p:nvSpPr>
-        <p:spPr/>
-        <p:txBody>
-          <a:bodyPr/>
-          <a:lstStyle/>
-          <a:p>
-            <a:endParaRPr lang="nl-NL"/>
-          </a:p>
-        </p:txBody>
-      </p:sp>
-      <p:sp>
-        <p:nvSpPr>
-          <p:cNvPr id="7" name="Tijdelijke aanduiding voor dianummer 6"/>
-          <p:cNvSpPr>
-            <a:spLocks noGrp="1"/>
-          </p:cNvSpPr>
-          <p:nvPr>
-            <p:ph type="sldNum" sz="quarter" idx="12"/>
+          <p:cNvPr id="25" name="Slide Number Placeholder 24"/>
+          <p:cNvSpPr>
+            <a:spLocks noGrp="1"/>
+          </p:cNvSpPr>
+          <p:nvPr>
+            <p:ph type="sldNum" sz="quarter" idx="16"/>
           </p:nvPr>
         </p:nvSpPr>
         <p:spPr/>
@@ -1396,12 +1827,26 @@
           </a:p>
         </p:txBody>
       </p:sp>
+      <p:sp>
+        <p:nvSpPr>
+          <p:cNvPr id="26" name="Footer Placeholder 25"/>
+          <p:cNvSpPr>
+            <a:spLocks noGrp="1"/>
+          </p:cNvSpPr>
+          <p:nvPr>
+            <p:ph type="ftr" sz="quarter" idx="17"/>
+          </p:nvPr>
+        </p:nvSpPr>
+        <p:spPr/>
+        <p:txBody>
+          <a:bodyPr/>
+          <a:lstStyle/>
+          <a:p>
+            <a:endParaRPr lang="nl-NL"/>
+          </a:p>
+        </p:txBody>
+      </p:sp>
     </p:spTree>
-    <p:extLst>
-      <p:ext uri="{BB962C8B-B14F-4D97-AF65-F5344CB8AC3E}">
-        <p14:creationId xmlns:p14="http://schemas.microsoft.com/office/powerpoint/2010/main" val="2800486472"/>
-      </p:ext>
-    </p:extLst>
   </p:cSld>
   <p:clrMapOvr>
     <a:masterClrMapping/>
@@ -1428,123 +1873,225 @@
       </p:grpSpPr>
       <p:sp>
         <p:nvSpPr>
-          <p:cNvPr id="2" name="Titel 1"/>
-          <p:cNvSpPr>
-            <a:spLocks noGrp="1"/>
-          </p:cNvSpPr>
-          <p:nvPr>
-            <p:ph type="title"/>
-          </p:nvPr>
-        </p:nvSpPr>
-        <p:spPr/>
-        <p:txBody>
-          <a:bodyPr/>
+          <p:cNvPr id="13" name="Rectangle 12"/>
+          <p:cNvSpPr/>
+          <p:nvPr/>
+        </p:nvSpPr>
+        <p:spPr>
+          <a:xfrm>
+            <a:off x="0" y="0"/>
+            <a:ext cx="9144000" cy="6858000"/>
+          </a:xfrm>
+          <a:prstGeom prst="rect">
+            <a:avLst/>
+          </a:prstGeom>
+          <a:solidFill>
+            <a:schemeClr val="bg1">
+              <a:alpha val="50000"/>
+            </a:schemeClr>
+          </a:solidFill>
+          <a:ln>
+            <a:noFill/>
+          </a:ln>
+        </p:spPr>
+        <p:style>
+          <a:lnRef idx="2">
+            <a:schemeClr val="accent1">
+              <a:shade val="50000"/>
+            </a:schemeClr>
+          </a:lnRef>
+          <a:fillRef idx="1">
+            <a:schemeClr val="accent1"/>
+          </a:fillRef>
+          <a:effectRef idx="0">
+            <a:schemeClr val="accent1"/>
+          </a:effectRef>
+          <a:fontRef idx="minor">
+            <a:schemeClr val="lt1"/>
+          </a:fontRef>
+        </p:style>
+        <p:txBody>
+          <a:bodyPr rtlCol="0" anchor="ctr"/>
+          <a:lstStyle/>
+          <a:p>
+            <a:pPr algn="ctr"/>
+            <a:endParaRPr lang="en-US"/>
+          </a:p>
+        </p:txBody>
+      </p:sp>
+      <p:sp>
+        <p:nvSpPr>
+          <p:cNvPr id="18" name="Text Placeholder 3"/>
+          <p:cNvSpPr>
+            <a:spLocks noGrp="1"/>
+          </p:cNvSpPr>
+          <p:nvPr>
+            <p:ph type="body" sz="half" idx="2"/>
+          </p:nvPr>
+        </p:nvSpPr>
+        <p:spPr>
+          <a:xfrm>
+            <a:off x="352426" y="1463040"/>
+            <a:ext cx="3886200" cy="509587"/>
+          </a:xfrm>
+        </p:spPr>
+        <p:txBody>
+          <a:bodyPr>
+            <a:normAutofit/>
+          </a:bodyPr>
+          <a:lstStyle>
+            <a:lvl1pPr marL="0" indent="0">
+              <a:buNone/>
+              <a:defRPr sz="2000" b="0" i="1" spc="0" baseline="0">
+                <a:solidFill>
+                  <a:schemeClr val="tx1"/>
+                </a:solidFill>
+                <a:latin typeface="+mj-lt"/>
+              </a:defRPr>
+            </a:lvl1pPr>
+            <a:lvl2pPr marL="457200" indent="0">
+              <a:buNone/>
+              <a:defRPr sz="1200"/>
+            </a:lvl2pPr>
+            <a:lvl3pPr marL="914400" indent="0">
+              <a:buNone/>
+              <a:defRPr sz="1000"/>
+            </a:lvl3pPr>
+            <a:lvl4pPr marL="1371600" indent="0">
+              <a:buNone/>
+              <a:defRPr sz="900"/>
+            </a:lvl4pPr>
+            <a:lvl5pPr marL="1828800" indent="0">
+              <a:buNone/>
+              <a:defRPr sz="900"/>
+            </a:lvl5pPr>
+            <a:lvl6pPr marL="2286000" indent="0">
+              <a:buNone/>
+              <a:defRPr sz="900"/>
+            </a:lvl6pPr>
+            <a:lvl7pPr marL="2743200" indent="0">
+              <a:buNone/>
+              <a:defRPr sz="900"/>
+            </a:lvl7pPr>
+            <a:lvl8pPr marL="3200400" indent="0">
+              <a:buNone/>
+              <a:defRPr sz="900"/>
+            </a:lvl8pPr>
+            <a:lvl9pPr marL="3657600" indent="0">
+              <a:buNone/>
+              <a:defRPr sz="900"/>
+            </a:lvl9pPr>
+          </a:lstStyle>
+          <a:p>
+            <a:pPr lvl="0"/>
+            <a:r>
+              <a:rPr lang="nl-NL" smtClean="0"/>
+              <a:t>Klik om de modelstijlen te bewerken</a:t>
+            </a:r>
+          </a:p>
+        </p:txBody>
+      </p:sp>
+      <p:sp>
+        <p:nvSpPr>
+          <p:cNvPr id="19" name="Text Placeholder 3"/>
+          <p:cNvSpPr>
+            <a:spLocks noGrp="1"/>
+          </p:cNvSpPr>
+          <p:nvPr>
+            <p:ph type="body" sz="half" idx="15"/>
+          </p:nvPr>
+        </p:nvSpPr>
+        <p:spPr>
+          <a:xfrm>
+            <a:off x="4900613" y="1463040"/>
+            <a:ext cx="3886200" cy="509587"/>
+          </a:xfrm>
+        </p:spPr>
+        <p:txBody>
+          <a:bodyPr>
+            <a:normAutofit/>
+          </a:bodyPr>
+          <a:lstStyle>
+            <a:lvl1pPr marL="0" indent="0">
+              <a:buNone/>
+              <a:defRPr sz="2000" b="0" i="1" spc="0" baseline="0">
+                <a:solidFill>
+                  <a:schemeClr val="tx1"/>
+                </a:solidFill>
+                <a:latin typeface="+mj-lt"/>
+              </a:defRPr>
+            </a:lvl1pPr>
+            <a:lvl2pPr marL="457200" indent="0">
+              <a:buNone/>
+              <a:defRPr sz="1200"/>
+            </a:lvl2pPr>
+            <a:lvl3pPr marL="914400" indent="0">
+              <a:buNone/>
+              <a:defRPr sz="1000"/>
+            </a:lvl3pPr>
+            <a:lvl4pPr marL="1371600" indent="0">
+              <a:buNone/>
+              <a:defRPr sz="900"/>
+            </a:lvl4pPr>
+            <a:lvl5pPr marL="1828800" indent="0">
+              <a:buNone/>
+              <a:defRPr sz="900"/>
+            </a:lvl5pPr>
+            <a:lvl6pPr marL="2286000" indent="0">
+              <a:buNone/>
+              <a:defRPr sz="900"/>
+            </a:lvl6pPr>
+            <a:lvl7pPr marL="2743200" indent="0">
+              <a:buNone/>
+              <a:defRPr sz="900"/>
+            </a:lvl7pPr>
+            <a:lvl8pPr marL="3200400" indent="0">
+              <a:buNone/>
+              <a:defRPr sz="900"/>
+            </a:lvl8pPr>
+            <a:lvl9pPr marL="3657600" indent="0">
+              <a:buNone/>
+              <a:defRPr sz="900"/>
+            </a:lvl9pPr>
+          </a:lstStyle>
+          <a:p>
+            <a:pPr lvl="0"/>
+            <a:r>
+              <a:rPr lang="nl-NL" smtClean="0"/>
+              <a:t>Klik om de modelstijlen te bewerken</a:t>
+            </a:r>
+          </a:p>
+        </p:txBody>
+      </p:sp>
+      <p:sp>
+        <p:nvSpPr>
+          <p:cNvPr id="22" name="Content Placeholder 11"/>
+          <p:cNvSpPr>
+            <a:spLocks noGrp="1"/>
+          </p:cNvSpPr>
+          <p:nvPr>
+            <p:ph sz="quarter" idx="14"/>
+          </p:nvPr>
+        </p:nvSpPr>
+        <p:spPr>
+          <a:xfrm>
+            <a:off x="4900613" y="2011680"/>
+            <a:ext cx="3886200" cy="3736848"/>
+          </a:xfrm>
+        </p:spPr>
+        <p:txBody>
+          <a:bodyPr>
+            <a:normAutofit/>
+          </a:bodyPr>
           <a:lstStyle>
             <a:lvl1pPr>
-              <a:defRPr/>
-            </a:lvl1pPr>
-          </a:lstStyle>
-          <a:p>
-            <a:r>
-              <a:rPr lang="nl-NL" smtClean="0"/>
-              <a:t>Klik om de stijl te bewerken</a:t>
-            </a:r>
-            <a:endParaRPr lang="nl-NL"/>
-          </a:p>
-        </p:txBody>
-      </p:sp>
-      <p:sp>
-        <p:nvSpPr>
-          <p:cNvPr id="3" name="Tijdelijke aanduiding voor tekst 2"/>
-          <p:cNvSpPr>
-            <a:spLocks noGrp="1"/>
-          </p:cNvSpPr>
-          <p:nvPr>
-            <p:ph type="body" idx="1"/>
-          </p:nvPr>
-        </p:nvSpPr>
-        <p:spPr>
-          <a:xfrm>
-            <a:off x="457200" y="1535113"/>
-            <a:ext cx="4040188" cy="639762"/>
-          </a:xfrm>
-        </p:spPr>
-        <p:txBody>
-          <a:bodyPr anchor="b"/>
-          <a:lstStyle>
-            <a:lvl1pPr marL="0" indent="0">
-              <a:buNone/>
-              <a:defRPr sz="2400" b="1"/>
-            </a:lvl1pPr>
-            <a:lvl2pPr marL="457200" indent="0">
-              <a:buNone/>
-              <a:defRPr sz="2000" b="1"/>
-            </a:lvl2pPr>
-            <a:lvl3pPr marL="914400" indent="0">
-              <a:buNone/>
-              <a:defRPr sz="1800" b="1"/>
-            </a:lvl3pPr>
-            <a:lvl4pPr marL="1371600" indent="0">
-              <a:buNone/>
-              <a:defRPr sz="1600" b="1"/>
-            </a:lvl4pPr>
-            <a:lvl5pPr marL="1828800" indent="0">
-              <a:buNone/>
-              <a:defRPr sz="1600" b="1"/>
-            </a:lvl5pPr>
-            <a:lvl6pPr marL="2286000" indent="0">
-              <a:buNone/>
-              <a:defRPr sz="1600" b="1"/>
-            </a:lvl6pPr>
-            <a:lvl7pPr marL="2743200" indent="0">
-              <a:buNone/>
-              <a:defRPr sz="1600" b="1"/>
-            </a:lvl7pPr>
-            <a:lvl8pPr marL="3200400" indent="0">
-              <a:buNone/>
-              <a:defRPr sz="1600" b="1"/>
-            </a:lvl8pPr>
-            <a:lvl9pPr marL="3657600" indent="0">
-              <a:buNone/>
-              <a:defRPr sz="1600" b="1"/>
-            </a:lvl9pPr>
-          </a:lstStyle>
-          <a:p>
-            <a:pPr lvl="0"/>
-            <a:r>
-              <a:rPr lang="nl-NL" smtClean="0"/>
-              <a:t>Klik om de modelstijlen te bewerken</a:t>
-            </a:r>
-          </a:p>
-        </p:txBody>
-      </p:sp>
-      <p:sp>
-        <p:nvSpPr>
-          <p:cNvPr id="4" name="Tijdelijke aanduiding voor inhoud 3"/>
-          <p:cNvSpPr>
-            <a:spLocks noGrp="1"/>
-          </p:cNvSpPr>
-          <p:nvPr>
-            <p:ph sz="half" idx="2"/>
-          </p:nvPr>
-        </p:nvSpPr>
-        <p:spPr>
-          <a:xfrm>
-            <a:off x="457200" y="2174875"/>
-            <a:ext cx="4040188" cy="3951288"/>
-          </a:xfrm>
-        </p:spPr>
-        <p:txBody>
-          <a:bodyPr/>
-          <a:lstStyle>
-            <a:lvl1pPr>
-              <a:defRPr sz="2400"/>
+              <a:defRPr sz="1600"/>
             </a:lvl1pPr>
             <a:lvl2pPr>
-              <a:defRPr sz="2000"/>
+              <a:defRPr sz="1600"/>
             </a:lvl2pPr>
             <a:lvl3pPr>
-              <a:defRPr sz="1800"/>
+              <a:defRPr sz="1600"/>
             </a:lvl3pPr>
             <a:lvl4pPr>
               <a:defRPr sz="1600"/>
@@ -1552,18 +2099,6 @@
             <a:lvl5pPr>
               <a:defRPr sz="1600"/>
             </a:lvl5pPr>
-            <a:lvl6pPr>
-              <a:defRPr sz="1600"/>
-            </a:lvl6pPr>
-            <a:lvl7pPr>
-              <a:defRPr sz="1600"/>
-            </a:lvl7pPr>
-            <a:lvl8pPr>
-              <a:defRPr sz="1600"/>
-            </a:lvl8pPr>
-            <a:lvl9pPr>
-              <a:defRPr sz="1600"/>
-            </a:lvl9pPr>
           </a:lstStyle>
           <a:p>
             <a:pPr lvl="0"/>
@@ -1599,102 +2134,39 @@
               <a:rPr lang="nl-NL" smtClean="0"/>
               <a:t>Vijfde niveau</a:t>
             </a:r>
-            <a:endParaRPr lang="nl-NL"/>
-          </a:p>
-        </p:txBody>
-      </p:sp>
-      <p:sp>
-        <p:nvSpPr>
-          <p:cNvPr id="5" name="Tijdelijke aanduiding voor tekst 4"/>
-          <p:cNvSpPr>
-            <a:spLocks noGrp="1"/>
-          </p:cNvSpPr>
-          <p:nvPr>
-            <p:ph type="body" sz="quarter" idx="3"/>
+            <a:endParaRPr lang="en-US" dirty="0"/>
+          </a:p>
+        </p:txBody>
+      </p:sp>
+      <p:sp>
+        <p:nvSpPr>
+          <p:cNvPr id="28" name="Content Placeholder 30"/>
+          <p:cNvSpPr>
+            <a:spLocks noGrp="1"/>
+          </p:cNvSpPr>
+          <p:nvPr>
+            <p:ph sz="quarter" idx="13"/>
           </p:nvPr>
         </p:nvSpPr>
         <p:spPr>
           <a:xfrm>
-            <a:off x="4645025" y="1535113"/>
-            <a:ext cx="4041775" cy="639762"/>
+            <a:off x="352426" y="2011680"/>
+            <a:ext cx="3886200" cy="3736848"/>
           </a:xfrm>
         </p:spPr>
         <p:txBody>
-          <a:bodyPr anchor="b"/>
-          <a:lstStyle>
-            <a:lvl1pPr marL="0" indent="0">
-              <a:buNone/>
-              <a:defRPr sz="2400" b="1"/>
-            </a:lvl1pPr>
-            <a:lvl2pPr marL="457200" indent="0">
-              <a:buNone/>
-              <a:defRPr sz="2000" b="1"/>
-            </a:lvl2pPr>
-            <a:lvl3pPr marL="914400" indent="0">
-              <a:buNone/>
-              <a:defRPr sz="1800" b="1"/>
-            </a:lvl3pPr>
-            <a:lvl4pPr marL="1371600" indent="0">
-              <a:buNone/>
-              <a:defRPr sz="1600" b="1"/>
-            </a:lvl4pPr>
-            <a:lvl5pPr marL="1828800" indent="0">
-              <a:buNone/>
-              <a:defRPr sz="1600" b="1"/>
-            </a:lvl5pPr>
-            <a:lvl6pPr marL="2286000" indent="0">
-              <a:buNone/>
-              <a:defRPr sz="1600" b="1"/>
-            </a:lvl6pPr>
-            <a:lvl7pPr marL="2743200" indent="0">
-              <a:buNone/>
-              <a:defRPr sz="1600" b="1"/>
-            </a:lvl7pPr>
-            <a:lvl8pPr marL="3200400" indent="0">
-              <a:buNone/>
-              <a:defRPr sz="1600" b="1"/>
-            </a:lvl8pPr>
-            <a:lvl9pPr marL="3657600" indent="0">
-              <a:buNone/>
-              <a:defRPr sz="1600" b="1"/>
-            </a:lvl9pPr>
-          </a:lstStyle>
-          <a:p>
-            <a:pPr lvl="0"/>
-            <a:r>
-              <a:rPr lang="nl-NL" smtClean="0"/>
-              <a:t>Klik om de modelstijlen te bewerken</a:t>
-            </a:r>
-          </a:p>
-        </p:txBody>
-      </p:sp>
-      <p:sp>
-        <p:nvSpPr>
-          <p:cNvPr id="6" name="Tijdelijke aanduiding voor inhoud 5"/>
-          <p:cNvSpPr>
-            <a:spLocks noGrp="1"/>
-          </p:cNvSpPr>
-          <p:nvPr>
-            <p:ph sz="quarter" idx="4"/>
-          </p:nvPr>
-        </p:nvSpPr>
-        <p:spPr>
-          <a:xfrm>
-            <a:off x="4645025" y="2174875"/>
-            <a:ext cx="4041775" cy="3951288"/>
-          </a:xfrm>
-        </p:spPr>
-        <p:txBody>
-          <a:bodyPr/>
+          <a:bodyPr>
+            <a:normAutofit/>
+          </a:bodyPr>
           <a:lstStyle>
             <a:lvl1pPr>
-              <a:defRPr sz="2400"/>
+              <a:defRPr sz="1600"/>
             </a:lvl1pPr>
             <a:lvl2pPr>
-              <a:defRPr sz="2000"/>
+              <a:defRPr sz="1600"/>
             </a:lvl2pPr>
             <a:lvl3pPr>
-              <a:defRPr sz="1800"/>
+              <a:defRPr sz="1600"/>
             </a:lvl3pPr>
             <a:lvl4pPr>
               <a:defRPr sz="1600"/>
@@ -1702,18 +2174,6 @@
             <a:lvl5pPr>
               <a:defRPr sz="1600"/>
             </a:lvl5pPr>
-            <a:lvl6pPr>
-              <a:defRPr sz="1600"/>
-            </a:lvl6pPr>
-            <a:lvl7pPr>
-              <a:defRPr sz="1600"/>
-            </a:lvl7pPr>
-            <a:lvl8pPr>
-              <a:defRPr sz="1600"/>
-            </a:lvl8pPr>
-            <a:lvl9pPr>
-              <a:defRPr sz="1600"/>
-            </a:lvl9pPr>
           </a:lstStyle>
           <a:p>
             <a:pPr lvl="0"/>
@@ -1749,18 +2209,41 @@
               <a:rPr lang="nl-NL" smtClean="0"/>
               <a:t>Vijfde niveau</a:t>
             </a:r>
-            <a:endParaRPr lang="nl-NL"/>
-          </a:p>
-        </p:txBody>
-      </p:sp>
-      <p:sp>
-        <p:nvSpPr>
-          <p:cNvPr id="7" name="Tijdelijke aanduiding voor datum 6"/>
-          <p:cNvSpPr>
-            <a:spLocks noGrp="1"/>
-          </p:cNvSpPr>
-          <p:nvPr>
-            <p:ph type="dt" sz="half" idx="10"/>
+            <a:endParaRPr lang="en-US" dirty="0"/>
+          </a:p>
+        </p:txBody>
+      </p:sp>
+      <p:sp>
+        <p:nvSpPr>
+          <p:cNvPr id="30" name="Title 29"/>
+          <p:cNvSpPr>
+            <a:spLocks noGrp="1"/>
+          </p:cNvSpPr>
+          <p:nvPr>
+            <p:ph type="title"/>
+          </p:nvPr>
+        </p:nvSpPr>
+        <p:spPr/>
+        <p:txBody>
+          <a:bodyPr/>
+          <a:lstStyle/>
+          <a:p>
+            <a:r>
+              <a:rPr lang="nl-NL" smtClean="0"/>
+              <a:t>Klik om de stijl te bewerken</a:t>
+            </a:r>
+            <a:endParaRPr lang="en-US"/>
+          </a:p>
+        </p:txBody>
+      </p:sp>
+      <p:sp>
+        <p:nvSpPr>
+          <p:cNvPr id="20" name="Date Placeholder 19"/>
+          <p:cNvSpPr>
+            <a:spLocks noGrp="1"/>
+          </p:cNvSpPr>
+          <p:nvPr>
+            <p:ph type="dt" sz="half" idx="16"/>
           </p:nvPr>
         </p:nvSpPr>
         <p:spPr/>
@@ -1770,7 +2253,7 @@
           <a:p>
             <a:fld id="{F7B27D4B-9C1D-42D4-AC48-E4188B388A9D}" type="datetimeFigureOut">
               <a:rPr lang="nl-NL" smtClean="0"/>
-              <a:t>5-3-2014</a:t>
+              <a:t>12-3-2014</a:t>
             </a:fld>
             <a:endParaRPr lang="nl-NL"/>
           </a:p>
@@ -1778,31 +2261,12 @@
       </p:sp>
       <p:sp>
         <p:nvSpPr>
-          <p:cNvPr id="8" name="Tijdelijke aanduiding voor voettekst 7"/>
-          <p:cNvSpPr>
-            <a:spLocks noGrp="1"/>
-          </p:cNvSpPr>
-          <p:nvPr>
-            <p:ph type="ftr" sz="quarter" idx="11"/>
-          </p:nvPr>
-        </p:nvSpPr>
-        <p:spPr/>
-        <p:txBody>
-          <a:bodyPr/>
-          <a:lstStyle/>
-          <a:p>
-            <a:endParaRPr lang="nl-NL"/>
-          </a:p>
-        </p:txBody>
-      </p:sp>
-      <p:sp>
-        <p:nvSpPr>
-          <p:cNvPr id="9" name="Tijdelijke aanduiding voor dianummer 8"/>
-          <p:cNvSpPr>
-            <a:spLocks noGrp="1"/>
-          </p:cNvSpPr>
-          <p:nvPr>
-            <p:ph type="sldNum" sz="quarter" idx="12"/>
+          <p:cNvPr id="24" name="Slide Number Placeholder 23"/>
+          <p:cNvSpPr>
+            <a:spLocks noGrp="1"/>
+          </p:cNvSpPr>
+          <p:nvPr>
+            <p:ph type="sldNum" sz="quarter" idx="17"/>
           </p:nvPr>
         </p:nvSpPr>
         <p:spPr/>
@@ -1818,12 +2282,26 @@
           </a:p>
         </p:txBody>
       </p:sp>
+      <p:sp>
+        <p:nvSpPr>
+          <p:cNvPr id="29" name="Footer Placeholder 28"/>
+          <p:cNvSpPr>
+            <a:spLocks noGrp="1"/>
+          </p:cNvSpPr>
+          <p:nvPr>
+            <p:ph type="ftr" sz="quarter" idx="18"/>
+          </p:nvPr>
+        </p:nvSpPr>
+        <p:spPr/>
+        <p:txBody>
+          <a:bodyPr/>
+          <a:lstStyle/>
+          <a:p>
+            <a:endParaRPr lang="nl-NL"/>
+          </a:p>
+        </p:txBody>
+      </p:sp>
     </p:spTree>
-    <p:extLst>
-      <p:ext uri="{BB962C8B-B14F-4D97-AF65-F5344CB8AC3E}">
-        <p14:creationId xmlns:p14="http://schemas.microsoft.com/office/powerpoint/2010/main" val="2061844761"/>
-      </p:ext>
-    </p:extLst>
   </p:cSld>
   <p:clrMapOvr>
     <a:masterClrMapping/>
@@ -1850,30 +2328,55 @@
       </p:grpSpPr>
       <p:sp>
         <p:nvSpPr>
-          <p:cNvPr id="2" name="Titel 1"/>
-          <p:cNvSpPr>
-            <a:spLocks noGrp="1"/>
-          </p:cNvSpPr>
-          <p:nvPr>
-            <p:ph type="title"/>
-          </p:nvPr>
-        </p:nvSpPr>
-        <p:spPr/>
-        <p:txBody>
-          <a:bodyPr/>
-          <a:lstStyle/>
-          <a:p>
-            <a:r>
-              <a:rPr lang="nl-NL" smtClean="0"/>
-              <a:t>Klik om de stijl te bewerken</a:t>
-            </a:r>
-            <a:endParaRPr lang="nl-NL"/>
-          </a:p>
-        </p:txBody>
-      </p:sp>
-      <p:sp>
-        <p:nvSpPr>
-          <p:cNvPr id="3" name="Tijdelijke aanduiding voor datum 2"/>
+          <p:cNvPr id="12" name="Rectangle 11"/>
+          <p:cNvSpPr/>
+          <p:nvPr/>
+        </p:nvSpPr>
+        <p:spPr>
+          <a:xfrm>
+            <a:off x="0" y="0"/>
+            <a:ext cx="9144000" cy="6858000"/>
+          </a:xfrm>
+          <a:prstGeom prst="rect">
+            <a:avLst/>
+          </a:prstGeom>
+          <a:solidFill>
+            <a:schemeClr val="bg1">
+              <a:alpha val="50000"/>
+            </a:schemeClr>
+          </a:solidFill>
+          <a:ln>
+            <a:noFill/>
+          </a:ln>
+        </p:spPr>
+        <p:style>
+          <a:lnRef idx="2">
+            <a:schemeClr val="accent1">
+              <a:shade val="50000"/>
+            </a:schemeClr>
+          </a:lnRef>
+          <a:fillRef idx="1">
+            <a:schemeClr val="accent1"/>
+          </a:fillRef>
+          <a:effectRef idx="0">
+            <a:schemeClr val="accent1"/>
+          </a:effectRef>
+          <a:fontRef idx="minor">
+            <a:schemeClr val="lt1"/>
+          </a:fontRef>
+        </p:style>
+        <p:txBody>
+          <a:bodyPr rtlCol="0" anchor="ctr"/>
+          <a:lstStyle/>
+          <a:p>
+            <a:pPr algn="ctr"/>
+            <a:endParaRPr lang="en-US"/>
+          </a:p>
+        </p:txBody>
+      </p:sp>
+      <p:sp>
+        <p:nvSpPr>
+          <p:cNvPr id="11" name="Date Placeholder 10"/>
           <p:cNvSpPr>
             <a:spLocks noGrp="1"/>
           </p:cNvSpPr>
@@ -1888,7 +2391,7 @@
           <a:p>
             <a:fld id="{F7B27D4B-9C1D-42D4-AC48-E4188B388A9D}" type="datetimeFigureOut">
               <a:rPr lang="nl-NL" smtClean="0"/>
-              <a:t>5-3-2014</a:t>
+              <a:t>12-3-2014</a:t>
             </a:fld>
             <a:endParaRPr lang="nl-NL"/>
           </a:p>
@@ -1896,31 +2399,12 @@
       </p:sp>
       <p:sp>
         <p:nvSpPr>
-          <p:cNvPr id="4" name="Tijdelijke aanduiding voor voettekst 3"/>
-          <p:cNvSpPr>
-            <a:spLocks noGrp="1"/>
-          </p:cNvSpPr>
-          <p:nvPr>
-            <p:ph type="ftr" sz="quarter" idx="11"/>
-          </p:nvPr>
-        </p:nvSpPr>
-        <p:spPr/>
-        <p:txBody>
-          <a:bodyPr/>
-          <a:lstStyle/>
-          <a:p>
-            <a:endParaRPr lang="nl-NL"/>
-          </a:p>
-        </p:txBody>
-      </p:sp>
-      <p:sp>
-        <p:nvSpPr>
-          <p:cNvPr id="5" name="Tijdelijke aanduiding voor dianummer 4"/>
-          <p:cNvSpPr>
-            <a:spLocks noGrp="1"/>
-          </p:cNvSpPr>
-          <p:nvPr>
-            <p:ph type="sldNum" sz="quarter" idx="12"/>
+          <p:cNvPr id="14" name="Slide Number Placeholder 13"/>
+          <p:cNvSpPr>
+            <a:spLocks noGrp="1"/>
+          </p:cNvSpPr>
+          <p:nvPr>
+            <p:ph type="sldNum" sz="quarter" idx="11"/>
           </p:nvPr>
         </p:nvSpPr>
         <p:spPr/>
@@ -1936,12 +2420,49 @@
           </a:p>
         </p:txBody>
       </p:sp>
+      <p:sp>
+        <p:nvSpPr>
+          <p:cNvPr id="18" name="Footer Placeholder 17"/>
+          <p:cNvSpPr>
+            <a:spLocks noGrp="1"/>
+          </p:cNvSpPr>
+          <p:nvPr>
+            <p:ph type="ftr" sz="quarter" idx="12"/>
+          </p:nvPr>
+        </p:nvSpPr>
+        <p:spPr/>
+        <p:txBody>
+          <a:bodyPr/>
+          <a:lstStyle/>
+          <a:p>
+            <a:endParaRPr lang="nl-NL"/>
+          </a:p>
+        </p:txBody>
+      </p:sp>
+      <p:sp>
+        <p:nvSpPr>
+          <p:cNvPr id="15" name="Title 14"/>
+          <p:cNvSpPr>
+            <a:spLocks noGrp="1"/>
+          </p:cNvSpPr>
+          <p:nvPr>
+            <p:ph type="title"/>
+          </p:nvPr>
+        </p:nvSpPr>
+        <p:spPr/>
+        <p:txBody>
+          <a:bodyPr/>
+          <a:lstStyle/>
+          <a:p>
+            <a:r>
+              <a:rPr lang="nl-NL" smtClean="0"/>
+              <a:t>Klik om de stijl te bewerken</a:t>
+            </a:r>
+            <a:endParaRPr lang="en-US"/>
+          </a:p>
+        </p:txBody>
+      </p:sp>
     </p:spTree>
-    <p:extLst>
-      <p:ext uri="{BB962C8B-B14F-4D97-AF65-F5344CB8AC3E}">
-        <p14:creationId xmlns:p14="http://schemas.microsoft.com/office/powerpoint/2010/main" val="3299507778"/>
-      </p:ext>
-    </p:extLst>
   </p:cSld>
   <p:clrMapOvr>
     <a:masterClrMapping/>
@@ -1968,7 +2489,55 @@
       </p:grpSpPr>
       <p:sp>
         <p:nvSpPr>
-          <p:cNvPr id="2" name="Tijdelijke aanduiding voor datum 1"/>
+          <p:cNvPr id="8" name="Rectangle 7"/>
+          <p:cNvSpPr/>
+          <p:nvPr/>
+        </p:nvSpPr>
+        <p:spPr>
+          <a:xfrm>
+            <a:off x="0" y="0"/>
+            <a:ext cx="9144000" cy="6858000"/>
+          </a:xfrm>
+          <a:prstGeom prst="rect">
+            <a:avLst/>
+          </a:prstGeom>
+          <a:solidFill>
+            <a:schemeClr val="bg1">
+              <a:alpha val="50000"/>
+            </a:schemeClr>
+          </a:solidFill>
+          <a:ln>
+            <a:noFill/>
+          </a:ln>
+        </p:spPr>
+        <p:style>
+          <a:lnRef idx="2">
+            <a:schemeClr val="accent1">
+              <a:shade val="50000"/>
+            </a:schemeClr>
+          </a:lnRef>
+          <a:fillRef idx="1">
+            <a:schemeClr val="accent1"/>
+          </a:fillRef>
+          <a:effectRef idx="0">
+            <a:schemeClr val="accent1"/>
+          </a:effectRef>
+          <a:fontRef idx="minor">
+            <a:schemeClr val="lt1"/>
+          </a:fontRef>
+        </p:style>
+        <p:txBody>
+          <a:bodyPr rtlCol="0" anchor="ctr"/>
+          <a:lstStyle/>
+          <a:p>
+            <a:pPr algn="ctr"/>
+            <a:endParaRPr lang="en-US"/>
+          </a:p>
+        </p:txBody>
+      </p:sp>
+      <p:sp>
+        <p:nvSpPr>
+          <p:cNvPr id="7" name="Date Placeholder 6"/>
           <p:cNvSpPr>
             <a:spLocks noGrp="1"/>
           </p:cNvSpPr>
@@ -1983,7 +2552,7 @@
           <a:p>
             <a:fld id="{F7B27D4B-9C1D-42D4-AC48-E4188B388A9D}" type="datetimeFigureOut">
               <a:rPr lang="nl-NL" smtClean="0"/>
-              <a:t>5-3-2014</a:t>
+              <a:t>12-3-2014</a:t>
             </a:fld>
             <a:endParaRPr lang="nl-NL"/>
           </a:p>
@@ -1991,31 +2560,12 @@
       </p:sp>
       <p:sp>
         <p:nvSpPr>
-          <p:cNvPr id="3" name="Tijdelijke aanduiding voor voettekst 2"/>
-          <p:cNvSpPr>
-            <a:spLocks noGrp="1"/>
-          </p:cNvSpPr>
-          <p:nvPr>
-            <p:ph type="ftr" sz="quarter" idx="11"/>
-          </p:nvPr>
-        </p:nvSpPr>
-        <p:spPr/>
-        <p:txBody>
-          <a:bodyPr/>
-          <a:lstStyle/>
-          <a:p>
-            <a:endParaRPr lang="nl-NL"/>
-          </a:p>
-        </p:txBody>
-      </p:sp>
-      <p:sp>
-        <p:nvSpPr>
-          <p:cNvPr id="4" name="Tijdelijke aanduiding voor dianummer 3"/>
-          <p:cNvSpPr>
-            <a:spLocks noGrp="1"/>
-          </p:cNvSpPr>
-          <p:nvPr>
-            <p:ph type="sldNum" sz="quarter" idx="12"/>
+          <p:cNvPr id="12" name="Slide Number Placeholder 11"/>
+          <p:cNvSpPr>
+            <a:spLocks noGrp="1"/>
+          </p:cNvSpPr>
+          <p:nvPr>
+            <p:ph type="sldNum" sz="quarter" idx="11"/>
           </p:nvPr>
         </p:nvSpPr>
         <p:spPr/>
@@ -2031,12 +2581,26 @@
           </a:p>
         </p:txBody>
       </p:sp>
+      <p:sp>
+        <p:nvSpPr>
+          <p:cNvPr id="13" name="Footer Placeholder 12"/>
+          <p:cNvSpPr>
+            <a:spLocks noGrp="1"/>
+          </p:cNvSpPr>
+          <p:nvPr>
+            <p:ph type="ftr" sz="quarter" idx="12"/>
+          </p:nvPr>
+        </p:nvSpPr>
+        <p:spPr/>
+        <p:txBody>
+          <a:bodyPr/>
+          <a:lstStyle/>
+          <a:p>
+            <a:endParaRPr lang="nl-NL"/>
+          </a:p>
+        </p:txBody>
+      </p:sp>
     </p:spTree>
-    <p:extLst>
-      <p:ext uri="{BB962C8B-B14F-4D97-AF65-F5344CB8AC3E}">
-        <p14:creationId xmlns:p14="http://schemas.microsoft.com/office/powerpoint/2010/main" val="2699530790"/>
-      </p:ext>
-    </p:extLst>
   </p:cSld>
   <p:clrMapOvr>
     <a:masterClrMapping/>
@@ -2063,143 +2627,190 @@
       </p:grpSpPr>
       <p:sp>
         <p:nvSpPr>
-          <p:cNvPr id="2" name="Titel 1"/>
-          <p:cNvSpPr>
-            <a:spLocks noGrp="1"/>
-          </p:cNvSpPr>
-          <p:nvPr>
-            <p:ph type="title"/>
-          </p:nvPr>
+          <p:cNvPr id="12" name="Rectangle 11"/>
+          <p:cNvSpPr/>
+          <p:nvPr/>
         </p:nvSpPr>
         <p:spPr>
           <a:xfrm>
-            <a:off x="457200" y="273050"/>
-            <a:ext cx="3008313" cy="1162050"/>
+            <a:off x="0" y="0"/>
+            <a:ext cx="9144000" cy="6858000"/>
+          </a:xfrm>
+          <a:prstGeom prst="rect">
+            <a:avLst/>
+          </a:prstGeom>
+          <a:solidFill>
+            <a:schemeClr val="bg1">
+              <a:alpha val="50000"/>
+            </a:schemeClr>
+          </a:solidFill>
+          <a:ln>
+            <a:noFill/>
+          </a:ln>
+        </p:spPr>
+        <p:style>
+          <a:lnRef idx="2">
+            <a:schemeClr val="accent1">
+              <a:shade val="50000"/>
+            </a:schemeClr>
+          </a:lnRef>
+          <a:fillRef idx="1">
+            <a:schemeClr val="accent1"/>
+          </a:fillRef>
+          <a:effectRef idx="0">
+            <a:schemeClr val="accent1"/>
+          </a:effectRef>
+          <a:fontRef idx="minor">
+            <a:schemeClr val="lt1"/>
+          </a:fontRef>
+        </p:style>
+        <p:txBody>
+          <a:bodyPr rtlCol="0" anchor="ctr"/>
+          <a:lstStyle/>
+          <a:p>
+            <a:pPr algn="ctr"/>
+            <a:endParaRPr lang="en-US"/>
+          </a:p>
+        </p:txBody>
+      </p:sp>
+      <p:sp>
+        <p:nvSpPr>
+          <p:cNvPr id="14" name="Rectangle 13"/>
+          <p:cNvSpPr/>
+          <p:nvPr/>
+        </p:nvSpPr>
+        <p:spPr>
+          <a:xfrm>
+            <a:off x="0" y="5734050"/>
+            <a:ext cx="9144000" cy="1123950"/>
+          </a:xfrm>
+          <a:prstGeom prst="rect">
+            <a:avLst/>
+          </a:prstGeom>
+          <a:solidFill>
+            <a:schemeClr val="accent5">
+              <a:alpha val="50000"/>
+            </a:schemeClr>
+          </a:solidFill>
+          <a:ln>
+            <a:noFill/>
+          </a:ln>
+        </p:spPr>
+        <p:style>
+          <a:lnRef idx="2">
+            <a:schemeClr val="accent1">
+              <a:shade val="50000"/>
+            </a:schemeClr>
+          </a:lnRef>
+          <a:fillRef idx="1">
+            <a:schemeClr val="accent1"/>
+          </a:fillRef>
+          <a:effectRef idx="0">
+            <a:schemeClr val="accent1"/>
+          </a:effectRef>
+          <a:fontRef idx="minor">
+            <a:schemeClr val="lt1"/>
+          </a:fontRef>
+        </p:style>
+        <p:txBody>
+          <a:bodyPr rtlCol="0" anchor="ctr"/>
+          <a:lstStyle/>
+          <a:p>
+            <a:pPr algn="ctr"/>
+            <a:endParaRPr lang="en-US"/>
+          </a:p>
+        </p:txBody>
+      </p:sp>
+      <p:cxnSp>
+        <p:nvCxnSpPr>
+          <p:cNvPr id="22" name="Straight Connector 21"/>
+          <p:cNvCxnSpPr/>
+          <p:nvPr/>
+        </p:nvCxnSpPr>
+        <p:spPr>
+          <a:xfrm>
+            <a:off x="0" y="5695950"/>
+            <a:ext cx="9144000" cy="1588"/>
+          </a:xfrm>
+          <a:prstGeom prst="line">
+            <a:avLst/>
+          </a:prstGeom>
+          <a:ln w="76200">
+            <a:solidFill>
+              <a:schemeClr val="tx1"/>
+            </a:solidFill>
+          </a:ln>
+        </p:spPr>
+        <p:style>
+          <a:lnRef idx="1">
+            <a:schemeClr val="accent1"/>
+          </a:lnRef>
+          <a:fillRef idx="0">
+            <a:schemeClr val="accent1"/>
+          </a:fillRef>
+          <a:effectRef idx="0">
+            <a:schemeClr val="accent1"/>
+          </a:effectRef>
+          <a:fontRef idx="minor">
+            <a:schemeClr val="tx1"/>
+          </a:fontRef>
+        </p:style>
+      </p:cxnSp>
+      <p:sp>
+        <p:nvSpPr>
+          <p:cNvPr id="24" name="Title 23"/>
+          <p:cNvSpPr>
+            <a:spLocks noGrp="1"/>
+          </p:cNvSpPr>
+          <p:nvPr>
+            <p:ph type="title"/>
+          </p:nvPr>
+        </p:nvSpPr>
+        <p:spPr/>
+        <p:txBody>
+          <a:bodyPr/>
+          <a:lstStyle/>
+          <a:p>
+            <a:r>
+              <a:rPr lang="nl-NL" smtClean="0"/>
+              <a:t>Klik om de stijl te bewerken</a:t>
+            </a:r>
+            <a:endParaRPr lang="en-US"/>
+          </a:p>
+        </p:txBody>
+      </p:sp>
+      <p:sp>
+        <p:nvSpPr>
+          <p:cNvPr id="11" name="Text Placeholder 3"/>
+          <p:cNvSpPr>
+            <a:spLocks noGrp="1"/>
+          </p:cNvSpPr>
+          <p:nvPr>
+            <p:ph type="body" sz="half" idx="2"/>
+          </p:nvPr>
+        </p:nvSpPr>
+        <p:spPr>
+          <a:xfrm>
+            <a:off x="352426" y="1463040"/>
+            <a:ext cx="3381375" cy="3967162"/>
           </a:xfrm>
         </p:spPr>
         <p:txBody>
-          <a:bodyPr anchor="b"/>
-          <a:lstStyle>
-            <a:lvl1pPr algn="l">
-              <a:defRPr sz="2000" b="1"/>
-            </a:lvl1pPr>
-          </a:lstStyle>
-          <a:p>
-            <a:r>
-              <a:rPr lang="nl-NL" smtClean="0"/>
-              <a:t>Klik om de stijl te bewerken</a:t>
-            </a:r>
-            <a:endParaRPr lang="nl-NL"/>
-          </a:p>
-        </p:txBody>
-      </p:sp>
-      <p:sp>
-        <p:nvSpPr>
-          <p:cNvPr id="3" name="Tijdelijke aanduiding voor inhoud 2"/>
-          <p:cNvSpPr>
-            <a:spLocks noGrp="1"/>
-          </p:cNvSpPr>
-          <p:nvPr>
-            <p:ph idx="1"/>
-          </p:nvPr>
-        </p:nvSpPr>
-        <p:spPr>
-          <a:xfrm>
-            <a:off x="3575050" y="273050"/>
-            <a:ext cx="5111750" cy="5853113"/>
-          </a:xfrm>
-        </p:spPr>
-        <p:txBody>
-          <a:bodyPr/>
-          <a:lstStyle>
-            <a:lvl1pPr>
-              <a:defRPr sz="3200"/>
-            </a:lvl1pPr>
-            <a:lvl2pPr>
-              <a:defRPr sz="2800"/>
-            </a:lvl2pPr>
-            <a:lvl3pPr>
-              <a:defRPr sz="2400"/>
-            </a:lvl3pPr>
-            <a:lvl4pPr>
-              <a:defRPr sz="2000"/>
-            </a:lvl4pPr>
-            <a:lvl5pPr>
-              <a:defRPr sz="2000"/>
-            </a:lvl5pPr>
-            <a:lvl6pPr>
-              <a:defRPr sz="2000"/>
-            </a:lvl6pPr>
-            <a:lvl7pPr>
-              <a:defRPr sz="2000"/>
-            </a:lvl7pPr>
-            <a:lvl8pPr>
-              <a:defRPr sz="2000"/>
-            </a:lvl8pPr>
-            <a:lvl9pPr>
-              <a:defRPr sz="2000"/>
-            </a:lvl9pPr>
-          </a:lstStyle>
-          <a:p>
-            <a:pPr lvl="0"/>
-            <a:r>
-              <a:rPr lang="nl-NL" smtClean="0"/>
-              <a:t>Klik om de modelstijlen te bewerken</a:t>
-            </a:r>
-          </a:p>
-          <a:p>
-            <a:pPr lvl="1"/>
-            <a:r>
-              <a:rPr lang="nl-NL" smtClean="0"/>
-              <a:t>Tweede niveau</a:t>
-            </a:r>
-          </a:p>
-          <a:p>
-            <a:pPr lvl="2"/>
-            <a:r>
-              <a:rPr lang="nl-NL" smtClean="0"/>
-              <a:t>Derde niveau</a:t>
-            </a:r>
-          </a:p>
-          <a:p>
-            <a:pPr lvl="3"/>
-            <a:r>
-              <a:rPr lang="nl-NL" smtClean="0"/>
-              <a:t>Vierde niveau</a:t>
-            </a:r>
-          </a:p>
-          <a:p>
-            <a:pPr lvl="4"/>
-            <a:r>
-              <a:rPr lang="nl-NL" smtClean="0"/>
-              <a:t>Vijfde niveau</a:t>
-            </a:r>
-            <a:endParaRPr lang="nl-NL"/>
-          </a:p>
-        </p:txBody>
-      </p:sp>
-      <p:sp>
-        <p:nvSpPr>
-          <p:cNvPr id="4" name="Tijdelijke aanduiding voor tekst 3"/>
-          <p:cNvSpPr>
-            <a:spLocks noGrp="1"/>
-          </p:cNvSpPr>
-          <p:nvPr>
-            <p:ph type="body" sz="half" idx="2"/>
-          </p:nvPr>
-        </p:nvSpPr>
-        <p:spPr>
-          <a:xfrm>
-            <a:off x="457200" y="1435100"/>
-            <a:ext cx="3008313" cy="4691063"/>
-          </a:xfrm>
-        </p:spPr>
-        <p:txBody>
-          <a:bodyPr/>
+          <a:bodyPr>
+            <a:normAutofit/>
+          </a:bodyPr>
           <a:lstStyle>
             <a:lvl1pPr marL="0" indent="0">
-              <a:buNone/>
-              <a:defRPr sz="1400"/>
+              <a:lnSpc>
+                <a:spcPct val="150000"/>
+              </a:lnSpc>
+              <a:buNone/>
+              <a:defRPr sz="1600" b="0" i="1" spc="0" baseline="0">
+                <a:solidFill>
+                  <a:schemeClr val="tx2"/>
+                </a:solidFill>
+                <a:latin typeface="+mn-lt"/>
+              </a:defRPr>
             </a:lvl1pPr>
             <a:lvl2pPr marL="457200" indent="0">
               <a:buNone/>
@@ -2245,12 +2856,87 @@
       </p:sp>
       <p:sp>
         <p:nvSpPr>
-          <p:cNvPr id="5" name="Tijdelijke aanduiding voor datum 4"/>
-          <p:cNvSpPr>
-            <a:spLocks noGrp="1"/>
-          </p:cNvSpPr>
-          <p:nvPr>
-            <p:ph type="dt" sz="half" idx="10"/>
+          <p:cNvPr id="16" name="Content Placeholder 11"/>
+          <p:cNvSpPr>
+            <a:spLocks noGrp="1"/>
+          </p:cNvSpPr>
+          <p:nvPr>
+            <p:ph sz="quarter" idx="14"/>
+          </p:nvPr>
+        </p:nvSpPr>
+        <p:spPr>
+          <a:xfrm>
+            <a:off x="4105275" y="1463040"/>
+            <a:ext cx="4681538" cy="3968496"/>
+          </a:xfrm>
+        </p:spPr>
+        <p:txBody>
+          <a:bodyPr>
+            <a:normAutofit/>
+          </a:bodyPr>
+          <a:lstStyle>
+            <a:lvl1pPr>
+              <a:defRPr sz="1600"/>
+            </a:lvl1pPr>
+            <a:lvl2pPr>
+              <a:defRPr sz="1600"/>
+            </a:lvl2pPr>
+            <a:lvl3pPr>
+              <a:defRPr sz="1600"/>
+            </a:lvl3pPr>
+            <a:lvl4pPr>
+              <a:defRPr sz="1600"/>
+            </a:lvl4pPr>
+            <a:lvl5pPr>
+              <a:defRPr sz="1600"/>
+            </a:lvl5pPr>
+          </a:lstStyle>
+          <a:p>
+            <a:pPr lvl="0"/>
+            <a:r>
+              <a:rPr lang="nl-NL" smtClean="0"/>
+              <a:t>Klik om de modelstijlen te bewerken</a:t>
+            </a:r>
+          </a:p>
+          <a:p>
+            <a:pPr lvl="1"/>
+            <a:r>
+              <a:rPr lang="nl-NL" smtClean="0"/>
+              <a:t>Tweede niveau</a:t>
+            </a:r>
+          </a:p>
+          <a:p>
+            <a:pPr lvl="2"/>
+            <a:r>
+              <a:rPr lang="nl-NL" smtClean="0"/>
+              <a:t>Derde niveau</a:t>
+            </a:r>
+          </a:p>
+          <a:p>
+            <a:pPr lvl="3"/>
+            <a:r>
+              <a:rPr lang="nl-NL" smtClean="0"/>
+              <a:t>Vierde niveau</a:t>
+            </a:r>
+          </a:p>
+          <a:p>
+            <a:pPr lvl="4"/>
+            <a:r>
+              <a:rPr lang="nl-NL" smtClean="0"/>
+              <a:t>Vijfde niveau</a:t>
+            </a:r>
+            <a:endParaRPr lang="en-US"/>
+          </a:p>
+        </p:txBody>
+      </p:sp>
+      <p:sp>
+        <p:nvSpPr>
+          <p:cNvPr id="13" name="Date Placeholder 12"/>
+          <p:cNvSpPr>
+            <a:spLocks noGrp="1"/>
+          </p:cNvSpPr>
+          <p:nvPr>
+            <p:ph type="dt" sz="half" idx="15"/>
           </p:nvPr>
         </p:nvSpPr>
         <p:spPr/>
@@ -2260,7 +2946,7 @@
           <a:p>
             <a:fld id="{F7B27D4B-9C1D-42D4-AC48-E4188B388A9D}" type="datetimeFigureOut">
               <a:rPr lang="nl-NL" smtClean="0"/>
-              <a:t>5-3-2014</a:t>
+              <a:t>12-3-2014</a:t>
             </a:fld>
             <a:endParaRPr lang="nl-NL"/>
           </a:p>
@@ -2268,31 +2954,12 @@
       </p:sp>
       <p:sp>
         <p:nvSpPr>
-          <p:cNvPr id="6" name="Tijdelijke aanduiding voor voettekst 5"/>
-          <p:cNvSpPr>
-            <a:spLocks noGrp="1"/>
-          </p:cNvSpPr>
-          <p:nvPr>
-            <p:ph type="ftr" sz="quarter" idx="11"/>
-          </p:nvPr>
-        </p:nvSpPr>
-        <p:spPr/>
-        <p:txBody>
-          <a:bodyPr/>
-          <a:lstStyle/>
-          <a:p>
-            <a:endParaRPr lang="nl-NL"/>
-          </a:p>
-        </p:txBody>
-      </p:sp>
-      <p:sp>
-        <p:nvSpPr>
-          <p:cNvPr id="7" name="Tijdelijke aanduiding voor dianummer 6"/>
-          <p:cNvSpPr>
-            <a:spLocks noGrp="1"/>
-          </p:cNvSpPr>
-          <p:nvPr>
-            <p:ph type="sldNum" sz="quarter" idx="12"/>
+          <p:cNvPr id="18" name="Slide Number Placeholder 17"/>
+          <p:cNvSpPr>
+            <a:spLocks noGrp="1"/>
+          </p:cNvSpPr>
+          <p:nvPr>
+            <p:ph type="sldNum" sz="quarter" idx="16"/>
           </p:nvPr>
         </p:nvSpPr>
         <p:spPr/>
@@ -2308,12 +2975,26 @@
           </a:p>
         </p:txBody>
       </p:sp>
+      <p:sp>
+        <p:nvSpPr>
+          <p:cNvPr id="20" name="Footer Placeholder 19"/>
+          <p:cNvSpPr>
+            <a:spLocks noGrp="1"/>
+          </p:cNvSpPr>
+          <p:nvPr>
+            <p:ph type="ftr" sz="quarter" idx="17"/>
+          </p:nvPr>
+        </p:nvSpPr>
+        <p:spPr/>
+        <p:txBody>
+          <a:bodyPr/>
+          <a:lstStyle/>
+          <a:p>
+            <a:endParaRPr lang="nl-NL"/>
+          </a:p>
+        </p:txBody>
+      </p:sp>
     </p:spTree>
-    <p:extLst>
-      <p:ext uri="{BB962C8B-B14F-4D97-AF65-F5344CB8AC3E}">
-        <p14:creationId xmlns:p14="http://schemas.microsoft.com/office/powerpoint/2010/main" val="2952267229"/>
-      </p:ext>
-    </p:extLst>
   </p:cSld>
   <p:clrMapOvr>
     <a:masterClrMapping/>
@@ -2340,58 +3021,78 @@
       </p:grpSpPr>
       <p:sp>
         <p:nvSpPr>
-          <p:cNvPr id="2" name="Titel 1"/>
-          <p:cNvSpPr>
-            <a:spLocks noGrp="1"/>
-          </p:cNvSpPr>
-          <p:nvPr>
-            <p:ph type="title"/>
-          </p:nvPr>
+          <p:cNvPr id="10" name="Rectangle 9"/>
+          <p:cNvSpPr/>
+          <p:nvPr/>
         </p:nvSpPr>
         <p:spPr>
           <a:xfrm>
-            <a:off x="1792288" y="4800600"/>
-            <a:ext cx="5486400" cy="566738"/>
+            <a:off x="0" y="0"/>
+            <a:ext cx="9144000" cy="6858000"/>
+          </a:xfrm>
+          <a:prstGeom prst="rect">
+            <a:avLst/>
+          </a:prstGeom>
+          <a:solidFill>
+            <a:schemeClr val="bg1">
+              <a:alpha val="50000"/>
+            </a:schemeClr>
+          </a:solidFill>
+          <a:ln>
+            <a:noFill/>
+          </a:ln>
+        </p:spPr>
+        <p:style>
+          <a:lnRef idx="2">
+            <a:schemeClr val="accent1">
+              <a:shade val="50000"/>
+            </a:schemeClr>
+          </a:lnRef>
+          <a:fillRef idx="1">
+            <a:schemeClr val="accent1"/>
+          </a:fillRef>
+          <a:effectRef idx="0">
+            <a:schemeClr val="accent1"/>
+          </a:effectRef>
+          <a:fontRef idx="minor">
+            <a:schemeClr val="lt1"/>
+          </a:fontRef>
+        </p:style>
+        <p:txBody>
+          <a:bodyPr rtlCol="0" anchor="ctr"/>
+          <a:lstStyle/>
+          <a:p>
+            <a:pPr algn="ctr"/>
+            <a:endParaRPr lang="en-US"/>
+          </a:p>
+        </p:txBody>
+      </p:sp>
+      <p:sp>
+        <p:nvSpPr>
+          <p:cNvPr id="3" name="Picture Placeholder 2"/>
+          <p:cNvSpPr>
+            <a:spLocks noGrp="1"/>
+          </p:cNvSpPr>
+          <p:nvPr>
+            <p:ph type="pic" idx="1"/>
+          </p:nvPr>
+        </p:nvSpPr>
+        <p:spPr>
+          <a:xfrm>
+            <a:off x="5229224" y="0"/>
+            <a:ext cx="3914775" cy="5657850"/>
           </a:xfrm>
         </p:spPr>
         <p:txBody>
-          <a:bodyPr anchor="b"/>
+          <a:bodyPr anchor="ctr" anchorCtr="0"/>
           <a:lstStyle>
-            <a:lvl1pPr algn="l">
-              <a:defRPr sz="2000" b="1"/>
-            </a:lvl1pPr>
-          </a:lstStyle>
-          <a:p>
-            <a:r>
-              <a:rPr lang="nl-NL" smtClean="0"/>
-              <a:t>Klik om de stijl te bewerken</a:t>
-            </a:r>
-            <a:endParaRPr lang="nl-NL"/>
-          </a:p>
-        </p:txBody>
-      </p:sp>
-      <p:sp>
-        <p:nvSpPr>
-          <p:cNvPr id="3" name="Tijdelijke aanduiding voor afbeelding 2"/>
-          <p:cNvSpPr>
-            <a:spLocks noGrp="1"/>
-          </p:cNvSpPr>
-          <p:nvPr>
-            <p:ph type="pic" idx="1"/>
-          </p:nvPr>
-        </p:nvSpPr>
-        <p:spPr>
-          <a:xfrm>
-            <a:off x="1792288" y="612775"/>
-            <a:ext cx="5486400" cy="4114800"/>
-          </a:xfrm>
-        </p:spPr>
-        <p:txBody>
-          <a:bodyPr/>
-          <a:lstStyle>
-            <a:lvl1pPr marL="0" indent="0">
-              <a:buNone/>
-              <a:defRPr sz="3200"/>
+            <a:lvl1pPr marL="0" indent="0" algn="ctr">
+              <a:buNone/>
+              <a:defRPr sz="3200">
+                <a:solidFill>
+                  <a:schemeClr val="tx1"/>
+                </a:solidFill>
+              </a:defRPr>
             </a:lvl1pPr>
             <a:lvl2pPr marL="457200" indent="0">
               <a:buNone/>
@@ -2427,65 +3128,81 @@
             </a:lvl9pPr>
           </a:lstStyle>
           <a:p>
-            <a:endParaRPr lang="nl-NL"/>
-          </a:p>
-        </p:txBody>
-      </p:sp>
-      <p:sp>
-        <p:nvSpPr>
-          <p:cNvPr id="4" name="Tijdelijke aanduiding voor tekst 3"/>
-          <p:cNvSpPr>
-            <a:spLocks noGrp="1"/>
-          </p:cNvSpPr>
-          <p:nvPr>
-            <p:ph type="body" sz="half" idx="2"/>
+            <a:r>
+              <a:rPr lang="nl-NL" smtClean="0"/>
+              <a:t>Klik op het pictogram als u een afbeelding wilt toevoegen</a:t>
+            </a:r>
+            <a:endParaRPr lang="en-US" dirty="0"/>
+          </a:p>
+        </p:txBody>
+      </p:sp>
+      <p:sp>
+        <p:nvSpPr>
+          <p:cNvPr id="25" name="Text Placeholder 24"/>
+          <p:cNvSpPr>
+            <a:spLocks noGrp="1"/>
+          </p:cNvSpPr>
+          <p:nvPr>
+            <p:ph type="body" sz="quarter" idx="13"/>
           </p:nvPr>
         </p:nvSpPr>
         <p:spPr>
           <a:xfrm>
-            <a:off x="1792288" y="5367338"/>
-            <a:ext cx="5486400" cy="804862"/>
+            <a:off x="352426" y="1600199"/>
+            <a:ext cx="4572000" cy="3593237"/>
           </a:xfrm>
         </p:spPr>
         <p:txBody>
-          <a:bodyPr/>
+          <a:bodyPr>
+            <a:normAutofit/>
+          </a:bodyPr>
           <a:lstStyle>
             <a:lvl1pPr marL="0" indent="0">
-              <a:buNone/>
-              <a:defRPr sz="1400"/>
+              <a:lnSpc>
+                <a:spcPct val="150000"/>
+              </a:lnSpc>
+              <a:spcBef>
+                <a:spcPts val="0"/>
+              </a:spcBef>
+              <a:buNone/>
+              <a:defRPr sz="1600" i="1">
+                <a:solidFill>
+                  <a:schemeClr val="tx1"/>
+                </a:solidFill>
+              </a:defRPr>
             </a:lvl1pPr>
-            <a:lvl2pPr marL="457200" indent="0">
-              <a:buNone/>
-              <a:defRPr sz="1200"/>
+            <a:lvl2pPr marL="171450" indent="1588">
+              <a:buNone/>
+              <a:defRPr>
+                <a:solidFill>
+                  <a:schemeClr val="bg2"/>
+                </a:solidFill>
+              </a:defRPr>
             </a:lvl2pPr>
-            <a:lvl3pPr marL="914400" indent="0">
-              <a:buNone/>
-              <a:defRPr sz="1000"/>
+            <a:lvl3pPr marL="344488" indent="6350">
+              <a:buNone/>
+              <a:defRPr>
+                <a:solidFill>
+                  <a:schemeClr val="bg2"/>
+                </a:solidFill>
+              </a:defRPr>
             </a:lvl3pPr>
-            <a:lvl4pPr marL="1371600" indent="0">
-              <a:buNone/>
-              <a:defRPr sz="900"/>
+            <a:lvl4pPr marL="515938" indent="3175">
+              <a:buNone/>
+              <a:defRPr>
+                <a:solidFill>
+                  <a:schemeClr val="bg2"/>
+                </a:solidFill>
+              </a:defRPr>
             </a:lvl4pPr>
-            <a:lvl5pPr marL="1828800" indent="0">
-              <a:buNone/>
-              <a:defRPr sz="900"/>
+            <a:lvl5pPr marL="688975" indent="-1588">
+              <a:buNone/>
+              <a:defRPr>
+                <a:solidFill>
+                  <a:schemeClr val="bg2"/>
+                </a:solidFill>
+              </a:defRPr>
             </a:lvl5pPr>
-            <a:lvl6pPr marL="2286000" indent="0">
-              <a:buNone/>
-              <a:defRPr sz="900"/>
-            </a:lvl6pPr>
-            <a:lvl7pPr marL="2743200" indent="0">
-              <a:buNone/>
-              <a:defRPr sz="900"/>
-            </a:lvl7pPr>
-            <a:lvl8pPr marL="3200400" indent="0">
-              <a:buNone/>
-              <a:defRPr sz="900"/>
-            </a:lvl8pPr>
-            <a:lvl9pPr marL="3657600" indent="0">
-              <a:buNone/>
-              <a:defRPr sz="900"/>
-            </a:lvl9pPr>
           </a:lstStyle>
           <a:p>
             <a:pPr lvl="0"/>
@@ -2498,12 +3215,128 @@
       </p:sp>
       <p:sp>
         <p:nvSpPr>
-          <p:cNvPr id="5" name="Tijdelijke aanduiding voor datum 4"/>
-          <p:cNvSpPr>
-            <a:spLocks noGrp="1"/>
-          </p:cNvSpPr>
-          <p:nvPr>
-            <p:ph type="dt" sz="half" idx="10"/>
+          <p:cNvPr id="11" name="Rectangle 10"/>
+          <p:cNvSpPr/>
+          <p:nvPr/>
+        </p:nvSpPr>
+        <p:spPr>
+          <a:xfrm>
+            <a:off x="0" y="5734050"/>
+            <a:ext cx="9144000" cy="1123950"/>
+          </a:xfrm>
+          <a:prstGeom prst="rect">
+            <a:avLst/>
+          </a:prstGeom>
+          <a:solidFill>
+            <a:schemeClr val="accent5">
+              <a:alpha val="50000"/>
+            </a:schemeClr>
+          </a:solidFill>
+          <a:ln>
+            <a:noFill/>
+          </a:ln>
+        </p:spPr>
+        <p:style>
+          <a:lnRef idx="2">
+            <a:schemeClr val="accent1">
+              <a:shade val="50000"/>
+            </a:schemeClr>
+          </a:lnRef>
+          <a:fillRef idx="1">
+            <a:schemeClr val="accent1"/>
+          </a:fillRef>
+          <a:effectRef idx="0">
+            <a:schemeClr val="accent1"/>
+          </a:effectRef>
+          <a:fontRef idx="minor">
+            <a:schemeClr val="lt1"/>
+          </a:fontRef>
+        </p:style>
+        <p:txBody>
+          <a:bodyPr rtlCol="0" anchor="ctr"/>
+          <a:lstStyle/>
+          <a:p>
+            <a:pPr algn="ctr"/>
+            <a:endParaRPr lang="en-US"/>
+          </a:p>
+        </p:txBody>
+      </p:sp>
+      <p:cxnSp>
+        <p:nvCxnSpPr>
+          <p:cNvPr id="12" name="Straight Connector 11"/>
+          <p:cNvCxnSpPr/>
+          <p:nvPr/>
+        </p:nvCxnSpPr>
+        <p:spPr>
+          <a:xfrm>
+            <a:off x="0" y="5695950"/>
+            <a:ext cx="9144000" cy="1588"/>
+          </a:xfrm>
+          <a:prstGeom prst="line">
+            <a:avLst/>
+          </a:prstGeom>
+          <a:ln w="76200">
+            <a:solidFill>
+              <a:schemeClr val="tx1"/>
+            </a:solidFill>
+          </a:ln>
+        </p:spPr>
+        <p:style>
+          <a:lnRef idx="1">
+            <a:schemeClr val="accent1"/>
+          </a:lnRef>
+          <a:fillRef idx="0">
+            <a:schemeClr val="accent1"/>
+          </a:fillRef>
+          <a:effectRef idx="0">
+            <a:schemeClr val="accent1"/>
+          </a:effectRef>
+          <a:fontRef idx="minor">
+            <a:schemeClr val="tx1"/>
+          </a:fontRef>
+        </p:style>
+      </p:cxnSp>
+      <p:sp>
+        <p:nvSpPr>
+          <p:cNvPr id="19" name="Title Placeholder 1"/>
+          <p:cNvSpPr>
+            <a:spLocks noGrp="1"/>
+          </p:cNvSpPr>
+          <p:nvPr>
+            <p:ph type="title"/>
+          </p:nvPr>
+        </p:nvSpPr>
+        <p:spPr>
+          <a:xfrm>
+            <a:off x="352425" y="275208"/>
+            <a:ext cx="4572000" cy="1324992"/>
+          </a:xfrm>
+          <a:prstGeom prst="rect">
+            <a:avLst/>
+          </a:prstGeom>
+        </p:spPr>
+        <p:txBody>
+          <a:bodyPr vert="horz" lIns="91440" tIns="45720" rIns="91440" bIns="45720" rtlCol="0" anchor="b" anchorCtr="0">
+            <a:normAutofit/>
+          </a:bodyPr>
+          <a:lstStyle/>
+          <a:p>
+            <a:r>
+              <a:rPr lang="nl-NL" smtClean="0"/>
+              <a:t>Klik om de stijl te bewerken</a:t>
+            </a:r>
+            <a:endParaRPr lang="en-US" dirty="0"/>
+          </a:p>
+        </p:txBody>
+      </p:sp>
+      <p:sp>
+        <p:nvSpPr>
+          <p:cNvPr id="13" name="Date Placeholder 12"/>
+          <p:cNvSpPr>
+            <a:spLocks noGrp="1"/>
+          </p:cNvSpPr>
+          <p:nvPr>
+            <p:ph type="dt" sz="half" idx="14"/>
           </p:nvPr>
         </p:nvSpPr>
         <p:spPr/>
@@ -2513,7 +3346,7 @@
           <a:p>
             <a:fld id="{F7B27D4B-9C1D-42D4-AC48-E4188B388A9D}" type="datetimeFigureOut">
               <a:rPr lang="nl-NL" smtClean="0"/>
-              <a:t>5-3-2014</a:t>
+              <a:t>12-3-2014</a:t>
             </a:fld>
             <a:endParaRPr lang="nl-NL"/>
           </a:p>
@@ -2521,31 +3354,12 @@
       </p:sp>
       <p:sp>
         <p:nvSpPr>
-          <p:cNvPr id="6" name="Tijdelijke aanduiding voor voettekst 5"/>
-          <p:cNvSpPr>
-            <a:spLocks noGrp="1"/>
-          </p:cNvSpPr>
-          <p:nvPr>
-            <p:ph type="ftr" sz="quarter" idx="11"/>
-          </p:nvPr>
-        </p:nvSpPr>
-        <p:spPr/>
-        <p:txBody>
-          <a:bodyPr/>
-          <a:lstStyle/>
-          <a:p>
-            <a:endParaRPr lang="nl-NL"/>
-          </a:p>
-        </p:txBody>
-      </p:sp>
-      <p:sp>
-        <p:nvSpPr>
-          <p:cNvPr id="7" name="Tijdelijke aanduiding voor dianummer 6"/>
-          <p:cNvSpPr>
-            <a:spLocks noGrp="1"/>
-          </p:cNvSpPr>
-          <p:nvPr>
-            <p:ph type="sldNum" sz="quarter" idx="12"/>
+          <p:cNvPr id="20" name="Slide Number Placeholder 19"/>
+          <p:cNvSpPr>
+            <a:spLocks noGrp="1"/>
+          </p:cNvSpPr>
+          <p:nvPr>
+            <p:ph type="sldNum" sz="quarter" idx="15"/>
           </p:nvPr>
         </p:nvSpPr>
         <p:spPr/>
@@ -2561,12 +3375,26 @@
           </a:p>
         </p:txBody>
       </p:sp>
+      <p:sp>
+        <p:nvSpPr>
+          <p:cNvPr id="21" name="Footer Placeholder 20"/>
+          <p:cNvSpPr>
+            <a:spLocks noGrp="1"/>
+          </p:cNvSpPr>
+          <p:nvPr>
+            <p:ph type="ftr" sz="quarter" idx="16"/>
+          </p:nvPr>
+        </p:nvSpPr>
+        <p:spPr/>
+        <p:txBody>
+          <a:bodyPr/>
+          <a:lstStyle/>
+          <a:p>
+            <a:endParaRPr lang="nl-NL"/>
+          </a:p>
+        </p:txBody>
+      </p:sp>
     </p:spTree>
-    <p:extLst>
-      <p:ext uri="{BB962C8B-B14F-4D97-AF65-F5344CB8AC3E}">
-        <p14:creationId xmlns:p14="http://schemas.microsoft.com/office/powerpoint/2010/main" val="3023218216"/>
-      </p:ext>
-    </p:extLst>
   </p:cSld>
   <p:clrMapOvr>
     <a:masterClrMapping/>
@@ -2578,7 +3406,7 @@
 <p:sldMaster xmlns:a="http://schemas.openxmlformats.org/drawingml/2006/main" xmlns:r="http://schemas.openxmlformats.org/officeDocument/2006/relationships" xmlns:p="http://schemas.openxmlformats.org/presentationml/2006/main">
   <p:cSld>
     <p:bg>
-      <p:bgRef idx="1001">
+      <p:bgRef idx="1003">
         <a:schemeClr val="bg1"/>
       </p:bgRef>
     </p:bg>
@@ -2598,7 +3426,7 @@
       </p:grpSpPr>
       <p:sp>
         <p:nvSpPr>
-          <p:cNvPr id="2" name="Tijdelijke aanduiding voor titel 1"/>
+          <p:cNvPr id="2" name="Title Placeholder 1"/>
           <p:cNvSpPr>
             <a:spLocks noGrp="1"/>
           </p:cNvSpPr>
@@ -2608,15 +3436,15 @@
         </p:nvSpPr>
         <p:spPr>
           <a:xfrm>
-            <a:off x="457200" y="274638"/>
-            <a:ext cx="8229600" cy="1143000"/>
+            <a:off x="352426" y="228600"/>
+            <a:ext cx="7680960" cy="1066800"/>
           </a:xfrm>
           <a:prstGeom prst="rect">
             <a:avLst/>
           </a:prstGeom>
         </p:spPr>
         <p:txBody>
-          <a:bodyPr vert="horz" lIns="91440" tIns="45720" rIns="91440" bIns="45720" rtlCol="0" anchor="ctr">
+          <a:bodyPr vert="horz" lIns="91440" tIns="45720" rIns="91440" bIns="45720" rtlCol="0" anchor="b" anchorCtr="0">
             <a:normAutofit/>
           </a:bodyPr>
           <a:lstStyle/>
@@ -2625,13 +3453,13 @@
               <a:rPr lang="nl-NL" smtClean="0"/>
               <a:t>Klik om de stijl te bewerken</a:t>
             </a:r>
-            <a:endParaRPr lang="nl-NL"/>
-          </a:p>
-        </p:txBody>
-      </p:sp>
-      <p:sp>
-        <p:nvSpPr>
-          <p:cNvPr id="3" name="Tijdelijke aanduiding voor tekst 2"/>
+            <a:endParaRPr lang="en-US" dirty="0"/>
+          </a:p>
+        </p:txBody>
+      </p:sp>
+      <p:sp>
+        <p:nvSpPr>
+          <p:cNvPr id="3" name="Text Placeholder 2"/>
           <p:cNvSpPr>
             <a:spLocks noGrp="1"/>
           </p:cNvSpPr>
@@ -2641,8 +3469,8 @@
         </p:nvSpPr>
         <p:spPr>
           <a:xfrm>
-            <a:off x="457200" y="1600200"/>
-            <a:ext cx="8229600" cy="4525963"/>
+            <a:off x="352426" y="1463040"/>
+            <a:ext cx="7680960" cy="4343400"/>
           </a:xfrm>
           <a:prstGeom prst="rect">
             <a:avLst/>
@@ -2687,13 +3515,13 @@
               <a:rPr lang="nl-NL" smtClean="0"/>
               <a:t>Vijfde niveau</a:t>
             </a:r>
-            <a:endParaRPr lang="nl-NL"/>
-          </a:p>
-        </p:txBody>
-      </p:sp>
-      <p:sp>
-        <p:nvSpPr>
-          <p:cNvPr id="4" name="Tijdelijke aanduiding voor datum 3"/>
+            <a:endParaRPr lang="en-US" dirty="0"/>
+          </a:p>
+        </p:txBody>
+      </p:sp>
+      <p:sp>
+        <p:nvSpPr>
+          <p:cNvPr id="4" name="Date Placeholder 3"/>
           <p:cNvSpPr>
             <a:spLocks noGrp="1"/>
           </p:cNvSpPr>
@@ -2703,21 +3531,23 @@
         </p:nvSpPr>
         <p:spPr>
           <a:xfrm>
-            <a:off x="457200" y="6356350"/>
-            <a:ext cx="2133600" cy="365125"/>
+            <a:off x="352426" y="6543676"/>
+            <a:ext cx="1466850" cy="247650"/>
           </a:xfrm>
           <a:prstGeom prst="rect">
             <a:avLst/>
           </a:prstGeom>
         </p:spPr>
         <p:txBody>
-          <a:bodyPr vert="horz" lIns="91440" tIns="45720" rIns="91440" bIns="45720" rtlCol="0" anchor="ctr"/>
+          <a:bodyPr vert="horz" lIns="91440" tIns="45720" rIns="91440" bIns="45720" rtlCol="0" anchor="ctr">
+            <a:normAutofit/>
+          </a:bodyPr>
           <a:lstStyle>
             <a:lvl1pPr algn="l">
-              <a:defRPr sz="1200">
+              <a:defRPr sz="1000" b="1">
                 <a:solidFill>
                   <a:schemeClr val="tx1">
-                    <a:tint val="75000"/>
+                    <a:alpha val="65000"/>
                   </a:schemeClr>
                 </a:solidFill>
               </a:defRPr>
@@ -2726,7 +3556,7 @@
           <a:p>
             <a:fld id="{F7B27D4B-9C1D-42D4-AC48-E4188B388A9D}" type="datetimeFigureOut">
               <a:rPr lang="nl-NL" smtClean="0"/>
-              <a:t>5-3-2014</a:t>
+              <a:t>12-3-2014</a:t>
             </a:fld>
             <a:endParaRPr lang="nl-NL"/>
           </a:p>
@@ -2734,7 +3564,7 @@
       </p:sp>
       <p:sp>
         <p:nvSpPr>
-          <p:cNvPr id="5" name="Tijdelijke aanduiding voor voettekst 4"/>
+          <p:cNvPr id="5" name="Footer Placeholder 4"/>
           <p:cNvSpPr>
             <a:spLocks noGrp="1"/>
           </p:cNvSpPr>
@@ -2744,21 +3574,23 @@
         </p:nvSpPr>
         <p:spPr>
           <a:xfrm>
-            <a:off x="3124200" y="6356350"/>
-            <a:ext cx="2895600" cy="365125"/>
+            <a:off x="1809749" y="6543676"/>
+            <a:ext cx="4086225" cy="247650"/>
           </a:xfrm>
           <a:prstGeom prst="rect">
             <a:avLst/>
           </a:prstGeom>
         </p:spPr>
         <p:txBody>
-          <a:bodyPr vert="horz" lIns="91440" tIns="45720" rIns="91440" bIns="45720" rtlCol="0" anchor="ctr"/>
+          <a:bodyPr vert="horz" lIns="91440" tIns="45720" rIns="91440" bIns="45720" rtlCol="0" anchor="ctr">
+            <a:normAutofit/>
+          </a:bodyPr>
           <a:lstStyle>
-            <a:lvl1pPr algn="ctr">
-              <a:defRPr sz="1200">
+            <a:lvl1pPr algn="l">
+              <a:defRPr sz="1000" b="1" i="1">
                 <a:solidFill>
                   <a:schemeClr val="tx1">
-                    <a:tint val="75000"/>
+                    <a:alpha val="65000"/>
                   </a:schemeClr>
                 </a:solidFill>
               </a:defRPr>
@@ -2771,7 +3603,7 @@
       </p:sp>
       <p:sp>
         <p:nvSpPr>
-          <p:cNvPr id="6" name="Tijdelijke aanduiding voor dianummer 5"/>
+          <p:cNvPr id="6" name="Slide Number Placeholder 5"/>
           <p:cNvSpPr>
             <a:spLocks noGrp="1"/>
           </p:cNvSpPr>
@@ -2781,21 +3613,23 @@
         </p:nvSpPr>
         <p:spPr>
           <a:xfrm>
-            <a:off x="6553200" y="6356350"/>
-            <a:ext cx="2133600" cy="365125"/>
+            <a:off x="7886700" y="6543676"/>
+            <a:ext cx="876300" cy="247650"/>
           </a:xfrm>
           <a:prstGeom prst="rect">
             <a:avLst/>
           </a:prstGeom>
         </p:spPr>
         <p:txBody>
-          <a:bodyPr vert="horz" lIns="91440" tIns="45720" rIns="91440" bIns="45720" rtlCol="0" anchor="ctr"/>
+          <a:bodyPr vert="horz" lIns="91440" tIns="45720" rIns="91440" bIns="45720" rtlCol="0" anchor="ctr">
+            <a:normAutofit/>
+          </a:bodyPr>
           <a:lstStyle>
             <a:lvl1pPr algn="r">
-              <a:defRPr sz="1200">
+              <a:defRPr sz="1000" b="1">
                 <a:solidFill>
                   <a:schemeClr val="tx1">
-                    <a:tint val="75000"/>
+                    <a:alpha val="65000"/>
                   </a:schemeClr>
                 </a:solidFill>
               </a:defRPr>
@@ -2811,126 +3645,142 @@
         </p:txBody>
       </p:sp>
     </p:spTree>
-    <p:extLst>
-      <p:ext uri="{BB962C8B-B14F-4D97-AF65-F5344CB8AC3E}">
-        <p14:creationId xmlns:p14="http://schemas.microsoft.com/office/powerpoint/2010/main" val="2118949965"/>
-      </p:ext>
-    </p:extLst>
   </p:cSld>
-  <p:clrMap bg1="lt1" tx1="dk1" bg2="lt2" tx2="dk2" accent1="accent1" accent2="accent2" accent3="accent3" accent4="accent4" accent5="accent5" accent6="accent6" hlink="hlink" folHlink="folHlink"/>
+  <p:clrMap bg1="dk1" tx1="lt1" bg2="dk2" tx2="lt2" accent1="accent1" accent2="accent2" accent3="accent3" accent4="accent4" accent5="accent5" accent6="accent6" hlink="hlink" folHlink="folHlink"/>
   <p:sldLayoutIdLst>
-    <p:sldLayoutId id="2147483649" r:id="rId1"/>
-    <p:sldLayoutId id="2147483650" r:id="rId2"/>
-    <p:sldLayoutId id="2147483651" r:id="rId3"/>
-    <p:sldLayoutId id="2147483652" r:id="rId4"/>
-    <p:sldLayoutId id="2147483653" r:id="rId5"/>
-    <p:sldLayoutId id="2147483654" r:id="rId6"/>
-    <p:sldLayoutId id="2147483655" r:id="rId7"/>
-    <p:sldLayoutId id="2147483656" r:id="rId8"/>
-    <p:sldLayoutId id="2147483657" r:id="rId9"/>
-    <p:sldLayoutId id="2147483658" r:id="rId10"/>
-    <p:sldLayoutId id="2147483659" r:id="rId11"/>
+    <p:sldLayoutId id="2147483697" r:id="rId1"/>
+    <p:sldLayoutId id="2147483698" r:id="rId2"/>
+    <p:sldLayoutId id="2147483699" r:id="rId3"/>
+    <p:sldLayoutId id="2147483700" r:id="rId4"/>
+    <p:sldLayoutId id="2147483701" r:id="rId5"/>
+    <p:sldLayoutId id="2147483702" r:id="rId6"/>
+    <p:sldLayoutId id="2147483703" r:id="rId7"/>
+    <p:sldLayoutId id="2147483704" r:id="rId8"/>
+    <p:sldLayoutId id="2147483705" r:id="rId9"/>
+    <p:sldLayoutId id="2147483706" r:id="rId10"/>
+    <p:sldLayoutId id="2147483707" r:id="rId11"/>
   </p:sldLayoutIdLst>
   <p:txStyles>
     <p:titleStyle>
-      <a:lvl1pPr algn="ctr" defTabSz="914400" rtl="0" eaLnBrk="1" latinLnBrk="0" hangingPunct="1">
+      <a:lvl1pPr algn="l" defTabSz="914400" rtl="0" eaLnBrk="1" latinLnBrk="0" hangingPunct="1">
         <a:spcBef>
-          <a:spcPct val="0"/>
+          <a:spcPts val="400"/>
         </a:spcBef>
         <a:buNone/>
-        <a:defRPr sz="4400" kern="1200">
+        <a:defRPr sz="4000" b="0" kern="1200" cap="none" spc="0" baseline="0">
           <a:solidFill>
             <a:schemeClr val="tx1"/>
           </a:solidFill>
           <a:latin typeface="+mj-lt"/>
           <a:ea typeface="+mj-ea"/>
-          <a:cs typeface="+mj-cs"/>
+          <a:cs typeface="Tunga" pitchFamily="2"/>
         </a:defRPr>
       </a:lvl1pPr>
     </p:titleStyle>
     <p:bodyStyle>
-      <a:lvl1pPr marL="342900" indent="-342900" algn="l" defTabSz="914400" rtl="0" eaLnBrk="1" latinLnBrk="0" hangingPunct="1">
+      <a:lvl1pPr marL="0" indent="0" algn="l" defTabSz="914400" rtl="0" eaLnBrk="1" latinLnBrk="0" hangingPunct="1">
         <a:spcBef>
-          <a:spcPct val="20000"/>
+          <a:spcPts val="1200"/>
         </a:spcBef>
-        <a:buFont typeface="Arial" panose="020B0604020202020204" pitchFamily="34" charset="0"/>
-        <a:buChar char="•"/>
-        <a:defRPr sz="3200" kern="1200">
+        <a:spcAft>
+          <a:spcPts val="0"/>
+        </a:spcAft>
+        <a:buClr>
+          <a:schemeClr val="accent5"/>
+        </a:buClr>
+        <a:buFont typeface="Arial" pitchFamily="34" charset="0"/>
+        <a:buNone/>
+        <a:defRPr sz="1800" b="0" i="0" kern="1200" cap="none" spc="30" baseline="0">
           <a:solidFill>
             <a:schemeClr val="tx1"/>
           </a:solidFill>
           <a:latin typeface="+mn-lt"/>
           <a:ea typeface="+mn-ea"/>
-          <a:cs typeface="+mn-cs"/>
+          <a:cs typeface="Tahoma" pitchFamily="34" charset="0"/>
         </a:defRPr>
       </a:lvl1pPr>
-      <a:lvl2pPr marL="742950" indent="-285750" algn="l" defTabSz="914400" rtl="0" eaLnBrk="1" latinLnBrk="0" hangingPunct="1">
+      <a:lvl2pPr marL="171450" indent="-171450" algn="l" defTabSz="914400" rtl="0" eaLnBrk="1" latinLnBrk="0" hangingPunct="1">
         <a:spcBef>
-          <a:spcPct val="20000"/>
+          <a:spcPts val="600"/>
         </a:spcBef>
-        <a:buFont typeface="Arial" panose="020B0604020202020204" pitchFamily="34" charset="0"/>
-        <a:buChar char="–"/>
-        <a:defRPr sz="2800" kern="1200">
+        <a:buClr>
+          <a:schemeClr val="accent1"/>
+        </a:buClr>
+        <a:buFont typeface="Arial" pitchFamily="34" charset="0"/>
+        <a:buChar char="•"/>
+        <a:defRPr sz="1600" kern="1200">
           <a:solidFill>
             <a:schemeClr val="tx1"/>
           </a:solidFill>
           <a:latin typeface="+mn-lt"/>
           <a:ea typeface="+mn-ea"/>
-          <a:cs typeface="+mn-cs"/>
+          <a:cs typeface="Tahoma" pitchFamily="34" charset="0"/>
         </a:defRPr>
       </a:lvl2pPr>
-      <a:lvl3pPr marL="1143000" indent="-228600" algn="l" defTabSz="914400" rtl="0" eaLnBrk="1" latinLnBrk="0" hangingPunct="1">
+      <a:lvl3pPr marL="344488" indent="-165100" algn="l" defTabSz="914400" rtl="0" eaLnBrk="1" latinLnBrk="0" hangingPunct="1">
         <a:spcBef>
-          <a:spcPct val="20000"/>
+          <a:spcPts val="600"/>
         </a:spcBef>
-        <a:buFont typeface="Arial" panose="020B0604020202020204" pitchFamily="34" charset="0"/>
+        <a:buClr>
+          <a:schemeClr val="accent1"/>
+        </a:buClr>
+        <a:buFont typeface="Arial" pitchFamily="34" charset="0"/>
         <a:buChar char="•"/>
-        <a:defRPr sz="2400" kern="1200">
+        <a:defRPr sz="1600" kern="1200">
           <a:solidFill>
             <a:schemeClr val="tx1"/>
           </a:solidFill>
           <a:latin typeface="+mn-lt"/>
           <a:ea typeface="+mn-ea"/>
-          <a:cs typeface="+mn-cs"/>
+          <a:cs typeface="Tahoma" pitchFamily="34" charset="0"/>
         </a:defRPr>
       </a:lvl3pPr>
-      <a:lvl4pPr marL="1600200" indent="-228600" algn="l" defTabSz="914400" rtl="0" eaLnBrk="1" latinLnBrk="0" hangingPunct="1">
+      <a:lvl4pPr marL="517525" indent="-169863" algn="l" defTabSz="914400" rtl="0" eaLnBrk="1" latinLnBrk="0" hangingPunct="1">
         <a:spcBef>
-          <a:spcPct val="20000"/>
+          <a:spcPts val="600"/>
         </a:spcBef>
-        <a:buFont typeface="Arial" panose="020B0604020202020204" pitchFamily="34" charset="0"/>
-        <a:buChar char="–"/>
-        <a:defRPr sz="2000" kern="1200">
+        <a:buClr>
+          <a:schemeClr val="accent1"/>
+        </a:buClr>
+        <a:buFont typeface="Arial" pitchFamily="34" charset="0"/>
+        <a:buChar char="•"/>
+        <a:defRPr sz="1600" kern="1200">
           <a:solidFill>
             <a:schemeClr val="tx1"/>
           </a:solidFill>
           <a:latin typeface="+mn-lt"/>
           <a:ea typeface="+mn-ea"/>
-          <a:cs typeface="+mn-cs"/>
+          <a:cs typeface="Tahoma" pitchFamily="34" charset="0"/>
         </a:defRPr>
       </a:lvl4pPr>
-      <a:lvl5pPr marL="2057400" indent="-228600" algn="l" defTabSz="914400" rtl="0" eaLnBrk="1" latinLnBrk="0" hangingPunct="1">
+      <a:lvl5pPr marL="688975" indent="-173038" algn="l" defTabSz="914400" rtl="0" eaLnBrk="1" latinLnBrk="0" hangingPunct="1">
         <a:spcBef>
-          <a:spcPct val="20000"/>
+          <a:spcPts val="600"/>
         </a:spcBef>
-        <a:buFont typeface="Arial" panose="020B0604020202020204" pitchFamily="34" charset="0"/>
-        <a:buChar char="»"/>
-        <a:defRPr sz="2000" kern="1200">
+        <a:buClr>
+          <a:schemeClr val="accent1"/>
+        </a:buClr>
+        <a:buFont typeface="Arial" pitchFamily="34" charset="0"/>
+        <a:buChar char="•"/>
+        <a:defRPr sz="1600" kern="1200">
           <a:solidFill>
             <a:schemeClr val="tx1"/>
           </a:solidFill>
           <a:latin typeface="+mn-lt"/>
           <a:ea typeface="+mn-ea"/>
-          <a:cs typeface="+mn-cs"/>
+          <a:cs typeface="Tahoma" pitchFamily="34" charset="0"/>
         </a:defRPr>
       </a:lvl5pPr>
-      <a:lvl6pPr marL="2514600" indent="-228600" algn="l" defTabSz="914400" rtl="0" eaLnBrk="1" latinLnBrk="0" hangingPunct="1">
+      <a:lvl6pPr marL="868680" indent="-173736" algn="l" defTabSz="914400" rtl="0" eaLnBrk="1" latinLnBrk="0" hangingPunct="1">
         <a:spcBef>
-          <a:spcPct val="20000"/>
+          <a:spcPts val="600"/>
         </a:spcBef>
-        <a:buFont typeface="Arial" panose="020B0604020202020204" pitchFamily="34" charset="0"/>
+        <a:buClr>
+          <a:schemeClr val="accent1"/>
+        </a:buClr>
+        <a:buFont typeface="Arial" pitchFamily="34" charset="0"/>
         <a:buChar char="•"/>
-        <a:defRPr sz="2000" kern="1200">
+        <a:defRPr sz="1600" kern="1200">
           <a:solidFill>
             <a:schemeClr val="tx1"/>
           </a:solidFill>
@@ -2939,13 +3789,16 @@
           <a:cs typeface="+mn-cs"/>
         </a:defRPr>
       </a:lvl6pPr>
-      <a:lvl7pPr marL="2971800" indent="-228600" algn="l" defTabSz="914400" rtl="0" eaLnBrk="1" latinLnBrk="0" hangingPunct="1">
+      <a:lvl7pPr marL="1069848" indent="-173736" algn="l" defTabSz="914400" rtl="0" eaLnBrk="1" latinLnBrk="0" hangingPunct="1">
         <a:spcBef>
-          <a:spcPct val="20000"/>
+          <a:spcPts val="600"/>
         </a:spcBef>
-        <a:buFont typeface="Arial" panose="020B0604020202020204" pitchFamily="34" charset="0"/>
+        <a:buClr>
+          <a:schemeClr val="accent1"/>
+        </a:buClr>
+        <a:buFont typeface="Arial" pitchFamily="34" charset="0"/>
         <a:buChar char="•"/>
-        <a:defRPr sz="2000" kern="1200">
+        <a:defRPr sz="1600" kern="1200">
           <a:solidFill>
             <a:schemeClr val="tx1"/>
           </a:solidFill>
@@ -2954,13 +3807,16 @@
           <a:cs typeface="+mn-cs"/>
         </a:defRPr>
       </a:lvl7pPr>
-      <a:lvl8pPr marL="3429000" indent="-228600" algn="l" defTabSz="914400" rtl="0" eaLnBrk="1" latinLnBrk="0" hangingPunct="1">
+      <a:lvl8pPr marL="1243584" indent="-173736" algn="l" defTabSz="914400" rtl="0" eaLnBrk="1" latinLnBrk="0" hangingPunct="1">
         <a:spcBef>
-          <a:spcPct val="20000"/>
+          <a:spcPts val="600"/>
         </a:spcBef>
-        <a:buFont typeface="Arial" panose="020B0604020202020204" pitchFamily="34" charset="0"/>
+        <a:buClr>
+          <a:schemeClr val="accent1"/>
+        </a:buClr>
+        <a:buFont typeface="Arial" pitchFamily="34" charset="0"/>
         <a:buChar char="•"/>
-        <a:defRPr sz="2000" kern="1200">
+        <a:defRPr sz="1600" kern="1200">
           <a:solidFill>
             <a:schemeClr val="tx1"/>
           </a:solidFill>
@@ -2969,13 +3825,16 @@
           <a:cs typeface="+mn-cs"/>
         </a:defRPr>
       </a:lvl8pPr>
-      <a:lvl9pPr marL="3886200" indent="-228600" algn="l" defTabSz="914400" rtl="0" eaLnBrk="1" latinLnBrk="0" hangingPunct="1">
+      <a:lvl9pPr marL="1408176" indent="-173736" algn="l" defTabSz="914400" rtl="0" eaLnBrk="1" latinLnBrk="0" hangingPunct="1">
         <a:spcBef>
-          <a:spcPct val="20000"/>
+          <a:spcPts val="600"/>
         </a:spcBef>
-        <a:buFont typeface="Arial" panose="020B0604020202020204" pitchFamily="34" charset="0"/>
+        <a:buClr>
+          <a:schemeClr val="accent1"/>
+        </a:buClr>
+        <a:buFont typeface="Arial" pitchFamily="34" charset="0"/>
         <a:buChar char="•"/>
-        <a:defRPr sz="2000" kern="1200">
+        <a:defRPr sz="1600" kern="1200">
           <a:solidFill>
             <a:schemeClr val="tx1"/>
           </a:solidFill>
@@ -2987,7 +3846,7 @@
     </p:bodyStyle>
     <p:otherStyle>
       <a:defPPr>
-        <a:defRPr lang="nl-NL"/>
+        <a:defRPr lang="en-US"/>
       </a:defPPr>
       <a:lvl1pPr marL="0" algn="l" defTabSz="914400" rtl="0" eaLnBrk="1" latinLnBrk="0" hangingPunct="1">
         <a:defRPr sz="1800" kern="1200">
@@ -3157,12 +4016,31 @@
       </p:pic>
       <p:sp>
         <p:nvSpPr>
+          <p:cNvPr id="3" name="Ondertitel 2"/>
+          <p:cNvSpPr>
+            <a:spLocks noGrp="1"/>
+          </p:cNvSpPr>
+          <p:nvPr>
+            <p:ph type="subTitle" idx="1"/>
+          </p:nvPr>
+        </p:nvSpPr>
+        <p:spPr/>
+        <p:txBody>
+          <a:bodyPr/>
+          <a:lstStyle/>
+          <a:p>
+            <a:endParaRPr lang="nl-NL" dirty="0"/>
+          </a:p>
+        </p:txBody>
+      </p:sp>
+      <p:sp>
+        <p:nvSpPr>
           <p:cNvPr id="2" name="Titel 1"/>
           <p:cNvSpPr>
             <a:spLocks noGrp="1"/>
           </p:cNvSpPr>
           <p:nvPr>
-            <p:ph type="ctrTitle"/>
+            <p:ph type="title"/>
           </p:nvPr>
         </p:nvSpPr>
         <p:spPr/>
@@ -3174,25 +4052,6 @@
               <a:rPr lang="nl-NL" dirty="0" smtClean="0"/>
               <a:t>Adresboek</a:t>
             </a:r>
-            <a:endParaRPr lang="nl-NL" dirty="0"/>
-          </a:p>
-        </p:txBody>
-      </p:sp>
-      <p:sp>
-        <p:nvSpPr>
-          <p:cNvPr id="3" name="Ondertitel 2"/>
-          <p:cNvSpPr>
-            <a:spLocks noGrp="1"/>
-          </p:cNvSpPr>
-          <p:nvPr>
-            <p:ph type="subTitle" idx="1"/>
-          </p:nvPr>
-        </p:nvSpPr>
-        <p:spPr/>
-        <p:txBody>
-          <a:bodyPr/>
-          <a:lstStyle/>
-          <a:p>
             <a:endParaRPr lang="nl-NL" dirty="0"/>
           </a:p>
         </p:txBody>
@@ -3207,6 +4066,14 @@
   <p:clrMapOvr>
     <a:masterClrMapping/>
   </p:clrMapOvr>
+  <mc:AlternateContent xmlns:mc="http://schemas.openxmlformats.org/markup-compatibility/2006">
+    <mc:Choice xmlns:p14="http://schemas.microsoft.com/office/powerpoint/2010/main" Requires="p14">
+      <p:transition spd="slow" p14:dur="2000"/>
+    </mc:Choice>
+    <mc:Fallback>
+      <p:transition spd="slow"/>
+    </mc:Fallback>
+  </mc:AlternateContent>
 </p:sld>
 </file>
 
@@ -3229,6 +4096,53 @@
       </p:grpSpPr>
       <p:sp>
         <p:nvSpPr>
+          <p:cNvPr id="3" name="Tijdelijke aanduiding voor inhoud 2"/>
+          <p:cNvSpPr>
+            <a:spLocks noGrp="1"/>
+          </p:cNvSpPr>
+          <p:nvPr>
+            <p:ph sz="quarter" idx="13"/>
+          </p:nvPr>
+        </p:nvSpPr>
+        <p:spPr/>
+        <p:txBody>
+          <a:bodyPr/>
+          <a:lstStyle/>
+          <a:p>
+            <a:r>
+              <a:rPr lang="nl-NL" dirty="0" smtClean="0"/>
+              <a:t>Programmeertaal </a:t>
+            </a:r>
+          </a:p>
+          <a:p>
+            <a:r>
+              <a:rPr lang="nl-NL" dirty="0"/>
+              <a:t>Taakverdeling </a:t>
+            </a:r>
+          </a:p>
+          <a:p>
+            <a:r>
+              <a:rPr lang="nl-NL" dirty="0" smtClean="0"/>
+              <a:t>Applicatie/test</a:t>
+            </a:r>
+          </a:p>
+          <a:p>
+            <a:r>
+              <a:rPr lang="nl-NL" dirty="0" smtClean="0"/>
+              <a:t>Problemen </a:t>
+            </a:r>
+          </a:p>
+          <a:p>
+            <a:r>
+              <a:rPr lang="nl-NL" dirty="0" smtClean="0"/>
+              <a:t>Vragen </a:t>
+            </a:r>
+            <a:endParaRPr lang="nl-NL" dirty="0"/>
+          </a:p>
+        </p:txBody>
+      </p:sp>
+      <p:sp>
+        <p:nvSpPr>
           <p:cNvPr id="2" name="Titel 1"/>
           <p:cNvSpPr>
             <a:spLocks noGrp="1"/>
@@ -3245,53 +4159,6 @@
             <a:r>
               <a:rPr lang="nl-NL" dirty="0" smtClean="0"/>
               <a:t>Inhoud</a:t>
-            </a:r>
-            <a:endParaRPr lang="nl-NL" dirty="0"/>
-          </a:p>
-        </p:txBody>
-      </p:sp>
-      <p:sp>
-        <p:nvSpPr>
-          <p:cNvPr id="3" name="Tijdelijke aanduiding voor inhoud 2"/>
-          <p:cNvSpPr>
-            <a:spLocks noGrp="1"/>
-          </p:cNvSpPr>
-          <p:nvPr>
-            <p:ph idx="1"/>
-          </p:nvPr>
-        </p:nvSpPr>
-        <p:spPr/>
-        <p:txBody>
-          <a:bodyPr/>
-          <a:lstStyle/>
-          <a:p>
-            <a:r>
-              <a:rPr lang="nl-NL" dirty="0" smtClean="0"/>
-              <a:t>Programmeertaal </a:t>
-            </a:r>
-          </a:p>
-          <a:p>
-            <a:r>
-              <a:rPr lang="nl-NL" dirty="0"/>
-              <a:t>Taakverdeling </a:t>
-            </a:r>
-          </a:p>
-          <a:p>
-            <a:r>
-              <a:rPr lang="nl-NL" dirty="0" smtClean="0"/>
-              <a:t>Applicatie/test</a:t>
-            </a:r>
-          </a:p>
-          <a:p>
-            <a:r>
-              <a:rPr lang="nl-NL" dirty="0" smtClean="0"/>
-              <a:t>Problemen </a:t>
-            </a:r>
-          </a:p>
-          <a:p>
-            <a:r>
-              <a:rPr lang="nl-NL" dirty="0" smtClean="0"/>
-              <a:t>Vragen </a:t>
             </a:r>
             <a:endParaRPr lang="nl-NL" dirty="0"/>
           </a:p>
@@ -3307,6 +4174,14 @@
   <p:clrMapOvr>
     <a:masterClrMapping/>
   </p:clrMapOvr>
+  <mc:AlternateContent xmlns:mc="http://schemas.openxmlformats.org/markup-compatibility/2006">
+    <mc:Choice xmlns:p14="http://schemas.microsoft.com/office/powerpoint/2010/main" Requires="p14">
+      <p:transition spd="slow" p14:dur="2000"/>
+    </mc:Choice>
+    <mc:Fallback>
+      <p:transition spd="slow"/>
+    </mc:Fallback>
+  </mc:AlternateContent>
 </p:sld>
 </file>
 
@@ -3329,6 +4204,29 @@
       </p:grpSpPr>
       <p:sp>
         <p:nvSpPr>
+          <p:cNvPr id="3" name="Tijdelijke aanduiding voor inhoud 2"/>
+          <p:cNvSpPr>
+            <a:spLocks noGrp="1"/>
+          </p:cNvSpPr>
+          <p:nvPr>
+            <p:ph sz="quarter" idx="13"/>
+          </p:nvPr>
+        </p:nvSpPr>
+        <p:spPr/>
+        <p:txBody>
+          <a:bodyPr/>
+          <a:lstStyle/>
+          <a:p>
+            <a:r>
+              <a:rPr lang="nl-NL" smtClean="0"/>
+              <a:t>Java</a:t>
+            </a:r>
+            <a:endParaRPr lang="nl-NL" dirty="0"/>
+          </a:p>
+        </p:txBody>
+      </p:sp>
+      <p:sp>
+        <p:nvSpPr>
           <p:cNvPr id="2" name="Titel 1"/>
           <p:cNvSpPr>
             <a:spLocks noGrp="1"/>
@@ -3345,29 +4243,6 @@
             <a:r>
               <a:rPr lang="nl-NL" dirty="0" smtClean="0"/>
               <a:t>Programmeertaal</a:t>
-            </a:r>
-            <a:endParaRPr lang="nl-NL" dirty="0"/>
-          </a:p>
-        </p:txBody>
-      </p:sp>
-      <p:sp>
-        <p:nvSpPr>
-          <p:cNvPr id="3" name="Tijdelijke aanduiding voor inhoud 2"/>
-          <p:cNvSpPr>
-            <a:spLocks noGrp="1"/>
-          </p:cNvSpPr>
-          <p:nvPr>
-            <p:ph idx="1"/>
-          </p:nvPr>
-        </p:nvSpPr>
-        <p:spPr/>
-        <p:txBody>
-          <a:bodyPr/>
-          <a:lstStyle/>
-          <a:p>
-            <a:r>
-              <a:rPr lang="nl-NL" smtClean="0"/>
-              <a:t>Java</a:t>
             </a:r>
             <a:endParaRPr lang="nl-NL" dirty="0"/>
           </a:p>
@@ -3383,6 +4258,14 @@
   <p:clrMapOvr>
     <a:masterClrMapping/>
   </p:clrMapOvr>
+  <mc:AlternateContent xmlns:mc="http://schemas.openxmlformats.org/markup-compatibility/2006">
+    <mc:Choice xmlns:p14="http://schemas.microsoft.com/office/powerpoint/2010/main" Requires="p14">
+      <p:transition spd="slow" p14:dur="2000"/>
+    </mc:Choice>
+    <mc:Fallback>
+      <p:transition spd="slow"/>
+    </mc:Fallback>
+  </mc:AlternateContent>
 </p:sld>
 </file>
 
@@ -3405,6 +4288,39 @@
       </p:grpSpPr>
       <p:sp>
         <p:nvSpPr>
+          <p:cNvPr id="3" name="Tijdelijke aanduiding voor inhoud 2"/>
+          <p:cNvSpPr>
+            <a:spLocks noGrp="1"/>
+          </p:cNvSpPr>
+          <p:nvPr>
+            <p:ph sz="quarter" idx="13"/>
+          </p:nvPr>
+        </p:nvSpPr>
+        <p:spPr/>
+        <p:txBody>
+          <a:bodyPr/>
+          <a:lstStyle/>
+          <a:p>
+            <a:r>
+              <a:rPr lang="nl-NL" dirty="0" smtClean="0"/>
+              <a:t>Jos &amp; Rik coderen</a:t>
+            </a:r>
+          </a:p>
+          <a:p>
+            <a:r>
+              <a:rPr lang="nl-NL" dirty="0" err="1" smtClean="0"/>
+              <a:t>Alex</a:t>
+            </a:r>
+            <a:r>
+              <a:rPr lang="nl-NL" dirty="0" smtClean="0"/>
+              <a:t> documentatie</a:t>
+            </a:r>
+            <a:endParaRPr lang="nl-NL" dirty="0"/>
+          </a:p>
+        </p:txBody>
+      </p:sp>
+      <p:sp>
+        <p:nvSpPr>
           <p:cNvPr id="2" name="Titel 1"/>
           <p:cNvSpPr>
             <a:spLocks noGrp="1"/>
@@ -3421,39 +4337,6 @@
             <a:r>
               <a:rPr lang="nl-NL" dirty="0" smtClean="0"/>
               <a:t>Taakverdeling</a:t>
-            </a:r>
-            <a:endParaRPr lang="nl-NL" dirty="0"/>
-          </a:p>
-        </p:txBody>
-      </p:sp>
-      <p:sp>
-        <p:nvSpPr>
-          <p:cNvPr id="3" name="Tijdelijke aanduiding voor inhoud 2"/>
-          <p:cNvSpPr>
-            <a:spLocks noGrp="1"/>
-          </p:cNvSpPr>
-          <p:nvPr>
-            <p:ph idx="1"/>
-          </p:nvPr>
-        </p:nvSpPr>
-        <p:spPr/>
-        <p:txBody>
-          <a:bodyPr/>
-          <a:lstStyle/>
-          <a:p>
-            <a:r>
-              <a:rPr lang="nl-NL" dirty="0" smtClean="0"/>
-              <a:t>Jos &amp; Rik coderen</a:t>
-            </a:r>
-          </a:p>
-          <a:p>
-            <a:r>
-              <a:rPr lang="nl-NL" dirty="0" err="1" smtClean="0"/>
-              <a:t>Alex</a:t>
-            </a:r>
-            <a:r>
-              <a:rPr lang="nl-NL" dirty="0" smtClean="0"/>
-              <a:t> documentatie</a:t>
             </a:r>
             <a:endParaRPr lang="nl-NL" dirty="0"/>
           </a:p>
@@ -3469,6 +4352,14 @@
   <p:clrMapOvr>
     <a:masterClrMapping/>
   </p:clrMapOvr>
+  <mc:AlternateContent xmlns:mc="http://schemas.openxmlformats.org/markup-compatibility/2006">
+    <mc:Choice xmlns:p14="http://schemas.microsoft.com/office/powerpoint/2010/main" Requires="p14">
+      <p:transition spd="slow" p14:dur="2000"/>
+    </mc:Choice>
+    <mc:Fallback>
+      <p:transition spd="slow"/>
+    </mc:Fallback>
+  </mc:AlternateContent>
 </p:sld>
 </file>
 
@@ -3491,6 +4382,25 @@
       </p:grpSpPr>
       <p:sp>
         <p:nvSpPr>
+          <p:cNvPr id="3" name="Tijdelijke aanduiding voor inhoud 2"/>
+          <p:cNvSpPr>
+            <a:spLocks noGrp="1"/>
+          </p:cNvSpPr>
+          <p:nvPr>
+            <p:ph sz="quarter" idx="13"/>
+          </p:nvPr>
+        </p:nvSpPr>
+        <p:spPr/>
+        <p:txBody>
+          <a:bodyPr/>
+          <a:lstStyle/>
+          <a:p>
+            <a:endParaRPr lang="nl-NL"/>
+          </a:p>
+        </p:txBody>
+      </p:sp>
+      <p:sp>
+        <p:nvSpPr>
           <p:cNvPr id="2" name="Titel 1"/>
           <p:cNvSpPr>
             <a:spLocks noGrp="1"/>
@@ -3509,25 +4419,6 @@
               <a:t>Applicatie/test</a:t>
             </a:r>
             <a:endParaRPr lang="nl-NL" dirty="0"/>
-          </a:p>
-        </p:txBody>
-      </p:sp>
-      <p:sp>
-        <p:nvSpPr>
-          <p:cNvPr id="3" name="Tijdelijke aanduiding voor inhoud 2"/>
-          <p:cNvSpPr>
-            <a:spLocks noGrp="1"/>
-          </p:cNvSpPr>
-          <p:nvPr>
-            <p:ph idx="1"/>
-          </p:nvPr>
-        </p:nvSpPr>
-        <p:spPr/>
-        <p:txBody>
-          <a:bodyPr/>
-          <a:lstStyle/>
-          <a:p>
-            <a:endParaRPr lang="nl-NL"/>
           </a:p>
         </p:txBody>
       </p:sp>
@@ -3541,6 +4432,14 @@
   <p:clrMapOvr>
     <a:masterClrMapping/>
   </p:clrMapOvr>
+  <mc:AlternateContent xmlns:mc="http://schemas.openxmlformats.org/markup-compatibility/2006">
+    <mc:Choice xmlns:p14="http://schemas.microsoft.com/office/powerpoint/2010/main" Requires="p14">
+      <p:transition spd="slow" p14:dur="2000"/>
+    </mc:Choice>
+    <mc:Fallback>
+      <p:transition spd="slow"/>
+    </mc:Fallback>
+  </mc:AlternateContent>
 </p:sld>
 </file>
 
@@ -3563,6 +4462,29 @@
       </p:grpSpPr>
       <p:sp>
         <p:nvSpPr>
+          <p:cNvPr id="3" name="Tijdelijke aanduiding voor inhoud 2"/>
+          <p:cNvSpPr>
+            <a:spLocks noGrp="1"/>
+          </p:cNvSpPr>
+          <p:nvPr>
+            <p:ph sz="quarter" idx="13"/>
+          </p:nvPr>
+        </p:nvSpPr>
+        <p:spPr/>
+        <p:txBody>
+          <a:bodyPr/>
+          <a:lstStyle/>
+          <a:p>
+            <a:r>
+              <a:rPr lang="nl-NL" dirty="0" smtClean="0"/>
+              <a:t>Niet echt problemen gehad</a:t>
+            </a:r>
+            <a:endParaRPr lang="nl-NL" dirty="0"/>
+          </a:p>
+        </p:txBody>
+      </p:sp>
+      <p:sp>
+        <p:nvSpPr>
           <p:cNvPr id="2" name="Titel 1"/>
           <p:cNvSpPr>
             <a:spLocks noGrp="1"/>
@@ -3579,29 +4501,6 @@
             <a:r>
               <a:rPr lang="nl-NL" dirty="0" smtClean="0"/>
               <a:t>Problemen</a:t>
-            </a:r>
-            <a:endParaRPr lang="nl-NL" dirty="0"/>
-          </a:p>
-        </p:txBody>
-      </p:sp>
-      <p:sp>
-        <p:nvSpPr>
-          <p:cNvPr id="3" name="Tijdelijke aanduiding voor inhoud 2"/>
-          <p:cNvSpPr>
-            <a:spLocks noGrp="1"/>
-          </p:cNvSpPr>
-          <p:nvPr>
-            <p:ph idx="1"/>
-          </p:nvPr>
-        </p:nvSpPr>
-        <p:spPr/>
-        <p:txBody>
-          <a:bodyPr/>
-          <a:lstStyle/>
-          <a:p>
-            <a:r>
-              <a:rPr lang="nl-NL" dirty="0" smtClean="0"/>
-              <a:t>Niet echt problemen gehad</a:t>
             </a:r>
             <a:endParaRPr lang="nl-NL" dirty="0"/>
           </a:p>
@@ -3617,6 +4516,14 @@
   <p:clrMapOvr>
     <a:masterClrMapping/>
   </p:clrMapOvr>
+  <mc:AlternateContent xmlns:mc="http://schemas.openxmlformats.org/markup-compatibility/2006">
+    <mc:Choice xmlns:p14="http://schemas.microsoft.com/office/powerpoint/2010/main" Requires="p14">
+      <p:transition spd="slow" p14:dur="2000"/>
+    </mc:Choice>
+    <mc:Fallback>
+      <p:transition spd="slow"/>
+    </mc:Fallback>
+  </mc:AlternateContent>
 </p:sld>
 </file>
 
@@ -3639,6 +4546,25 @@
       </p:grpSpPr>
       <p:sp>
         <p:nvSpPr>
+          <p:cNvPr id="3" name="Tijdelijke aanduiding voor inhoud 2"/>
+          <p:cNvSpPr>
+            <a:spLocks noGrp="1"/>
+          </p:cNvSpPr>
+          <p:nvPr>
+            <p:ph sz="quarter" idx="13"/>
+          </p:nvPr>
+        </p:nvSpPr>
+        <p:spPr/>
+        <p:txBody>
+          <a:bodyPr/>
+          <a:lstStyle/>
+          <a:p>
+            <a:endParaRPr lang="nl-NL"/>
+          </a:p>
+        </p:txBody>
+      </p:sp>
+      <p:sp>
+        <p:nvSpPr>
           <p:cNvPr id="2" name="Titel 1"/>
           <p:cNvSpPr>
             <a:spLocks noGrp="1"/>
@@ -3657,25 +4583,6 @@
               <a:t>Vragen</a:t>
             </a:r>
             <a:endParaRPr lang="nl-NL" dirty="0"/>
-          </a:p>
-        </p:txBody>
-      </p:sp>
-      <p:sp>
-        <p:nvSpPr>
-          <p:cNvPr id="3" name="Tijdelijke aanduiding voor inhoud 2"/>
-          <p:cNvSpPr>
-            <a:spLocks noGrp="1"/>
-          </p:cNvSpPr>
-          <p:nvPr>
-            <p:ph idx="1"/>
-          </p:nvPr>
-        </p:nvSpPr>
-        <p:spPr/>
-        <p:txBody>
-          <a:bodyPr/>
-          <a:lstStyle/>
-          <a:p>
-            <a:endParaRPr lang="nl-NL"/>
           </a:p>
         </p:txBody>
       </p:sp>
@@ -3689,62 +4596,70 @@
   <p:clrMapOvr>
     <a:masterClrMapping/>
   </p:clrMapOvr>
+  <mc:AlternateContent xmlns:mc="http://schemas.openxmlformats.org/markup-compatibility/2006">
+    <mc:Choice xmlns:p14="http://schemas.microsoft.com/office/powerpoint/2010/main" Requires="p14">
+      <p:transition spd="slow" p14:dur="2000"/>
+    </mc:Choice>
+    <mc:Fallback>
+      <p:transition spd="slow"/>
+    </mc:Fallback>
+  </mc:AlternateContent>
 </p:sld>
 </file>
 
 <file path=ppt/theme/theme1.xml><?xml version="1.0" encoding="utf-8"?>
-<a:theme xmlns:a="http://schemas.openxmlformats.org/drawingml/2006/main" name="Kantoorthema">
+<a:theme xmlns:a="http://schemas.openxmlformats.org/drawingml/2006/main" name="Mylar">
   <a:themeElements>
-    <a:clrScheme name="Kantoor">
+    <a:clrScheme name="Mylar">
       <a:dk1>
-        <a:sysClr val="windowText" lastClr="000000"/>
+        <a:srgbClr val="000000"/>
       </a:dk1>
       <a:lt1>
-        <a:sysClr val="window" lastClr="FFFFFF"/>
+        <a:srgbClr val="FFFFFF"/>
       </a:lt1>
       <a:dk2>
-        <a:srgbClr val="1F497D"/>
+        <a:srgbClr val="656162"/>
       </a:dk2>
       <a:lt2>
-        <a:srgbClr val="EEECE1"/>
+        <a:srgbClr val="E0DACC"/>
       </a:lt2>
       <a:accent1>
-        <a:srgbClr val="4F81BD"/>
+        <a:srgbClr val="4A5A7A"/>
       </a:accent1>
       <a:accent2>
-        <a:srgbClr val="C0504D"/>
+        <a:srgbClr val="F7BD40"/>
       </a:accent2>
       <a:accent3>
-        <a:srgbClr val="9BBB59"/>
+        <a:srgbClr val="975C00"/>
       </a:accent3>
       <a:accent4>
-        <a:srgbClr val="8064A2"/>
+        <a:srgbClr val="754D41"/>
       </a:accent4>
       <a:accent5>
-        <a:srgbClr val="4BACC6"/>
+        <a:srgbClr val="838995"/>
       </a:accent5>
       <a:accent6>
-        <a:srgbClr val="F79646"/>
+        <a:srgbClr val="687B66"/>
       </a:accent6>
       <a:hlink>
-        <a:srgbClr val="0000FF"/>
+        <a:srgbClr val="B5740B"/>
       </a:hlink>
       <a:folHlink>
-        <a:srgbClr val="800080"/>
+        <a:srgbClr val="7483A0"/>
       </a:folHlink>
     </a:clrScheme>
-    <a:fontScheme name="Kantoor">
+    <a:fontScheme name="Mylar">
       <a:majorFont>
-        <a:latin typeface="Calibri"/>
+        <a:latin typeface="Corbel"/>
         <a:ea typeface=""/>
         <a:cs typeface=""/>
-        <a:font script="Jpan" typeface="ＭＳ Ｐゴシック"/>
+        <a:font script="Jpan" typeface="HGｺﾞｼｯｸM"/>
         <a:font script="Hang" typeface="맑은 고딕"/>
-        <a:font script="Hans" typeface="宋体"/>
-        <a:font script="Hant" typeface="新細明體"/>
-        <a:font script="Arab" typeface="Times New Roman"/>
-        <a:font script="Hebr" typeface="Times New Roman"/>
-        <a:font script="Thai" typeface="Angsana New"/>
+        <a:font script="Hans" typeface="华文楷体"/>
+        <a:font script="Hant" typeface="微軟正黑體"/>
+        <a:font script="Arab" typeface="Arial"/>
+        <a:font script="Hebr" typeface="Arial"/>
+        <a:font script="Thai" typeface="Cordia New"/>
         <a:font script="Ethi" typeface="Nyala"/>
         <a:font script="Beng" typeface="Vrinda"/>
         <a:font script="Gujr" typeface="Shruti"/>
@@ -3765,25 +4680,25 @@
         <a:font script="Laoo" typeface="DokChampa"/>
         <a:font script="Sinh" typeface="Iskoola Pota"/>
         <a:font script="Mong" typeface="Mongolian Baiti"/>
-        <a:font script="Viet" typeface="Times New Roman"/>
+        <a:font script="Viet" typeface="Arial"/>
         <a:font script="Uigh" typeface="Microsoft Uighur"/>
         <a:font script="Geor" typeface="Sylfaen"/>
       </a:majorFont>
       <a:minorFont>
-        <a:latin typeface="Calibri"/>
+        <a:latin typeface="Corbel"/>
         <a:ea typeface=""/>
         <a:cs typeface=""/>
-        <a:font script="Jpan" typeface="ＭＳ Ｐゴシック"/>
+        <a:font script="Jpan" typeface="HGｺﾞｼｯｸM"/>
         <a:font script="Hang" typeface="맑은 고딕"/>
-        <a:font script="Hans" typeface="宋体"/>
-        <a:font script="Hant" typeface="新細明體"/>
+        <a:font script="Hans" typeface="华文楷体"/>
+        <a:font script="Hant" typeface="微軟正黑體"/>
         <a:font script="Arab" typeface="Arial"/>
         <a:font script="Hebr" typeface="Arial"/>
         <a:font script="Thai" typeface="Cordia New"/>
         <a:font script="Ethi" typeface="Nyala"/>
         <a:font script="Beng" typeface="Vrinda"/>
         <a:font script="Gujr" typeface="Shruti"/>
-        <a:font script="Khmr" typeface="DaunPenh"/>
+        <a:font script="Khmr" typeface="MoolBoran"/>
         <a:font script="Knda" typeface="Tunga"/>
         <a:font script="Guru" typeface="Raavi"/>
         <a:font script="Cans" typeface="Euphemia"/>
@@ -3805,7 +4720,7 @@
         <a:font script="Geor" typeface="Sylfaen"/>
       </a:minorFont>
     </a:fontScheme>
-    <a:fmtScheme name="Kantoor">
+    <a:fmtScheme name="Mylar">
       <a:fillStyleLst>
         <a:solidFill>
           <a:schemeClr val="phClr"/>
@@ -3814,56 +4729,93 @@
           <a:gsLst>
             <a:gs pos="0">
               <a:schemeClr val="phClr">
-                <a:tint val="50000"/>
-                <a:satMod val="300000"/>
+                <a:tint val="45000"/>
+                <a:satMod val="200000"/>
               </a:schemeClr>
             </a:gs>
-            <a:gs pos="35000">
+            <a:gs pos="30000">
               <a:schemeClr val="phClr">
-                <a:tint val="37000"/>
-                <a:satMod val="300000"/>
+                <a:tint val="61000"/>
+                <a:satMod val="200000"/>
+              </a:schemeClr>
+            </a:gs>
+            <a:gs pos="45000">
+              <a:schemeClr val="phClr">
+                <a:tint val="66000"/>
+                <a:satMod val="200000"/>
+              </a:schemeClr>
+            </a:gs>
+            <a:gs pos="55000">
+              <a:schemeClr val="phClr">
+                <a:tint val="66000"/>
+                <a:satMod val="200000"/>
+              </a:schemeClr>
+            </a:gs>
+            <a:gs pos="73000">
+              <a:schemeClr val="phClr">
+                <a:tint val="61000"/>
+                <a:satMod val="200000"/>
               </a:schemeClr>
             </a:gs>
             <a:gs pos="100000">
               <a:schemeClr val="phClr">
-                <a:tint val="15000"/>
-                <a:satMod val="350000"/>
+                <a:tint val="45000"/>
+                <a:satMod val="200000"/>
               </a:schemeClr>
             </a:gs>
           </a:gsLst>
-          <a:lin ang="16200000" scaled="1"/>
+          <a:lin ang="950000" scaled="1"/>
         </a:gradFill>
         <a:gradFill rotWithShape="1">
           <a:gsLst>
             <a:gs pos="0">
               <a:schemeClr val="phClr">
-                <a:shade val="51000"/>
-                <a:satMod val="130000"/>
+                <a:shade val="63000"/>
               </a:schemeClr>
             </a:gs>
-            <a:gs pos="80000">
+            <a:gs pos="30000">
               <a:schemeClr val="phClr">
-                <a:shade val="93000"/>
-                <a:satMod val="130000"/>
+                <a:shade val="90000"/>
+                <a:satMod val="110000"/>
+              </a:schemeClr>
+            </a:gs>
+            <a:gs pos="45000">
+              <a:schemeClr val="phClr">
+                <a:shade val="100000"/>
+                <a:satMod val="118000"/>
+              </a:schemeClr>
+            </a:gs>
+            <a:gs pos="55000">
+              <a:schemeClr val="phClr">
+                <a:shade val="100000"/>
+                <a:satMod val="118000"/>
+              </a:schemeClr>
+            </a:gs>
+            <a:gs pos="73000">
+              <a:schemeClr val="phClr">
+                <a:shade val="90000"/>
+                <a:satMod val="110000"/>
               </a:schemeClr>
             </a:gs>
             <a:gs pos="100000">
               <a:schemeClr val="phClr">
-                <a:shade val="94000"/>
-                <a:satMod val="135000"/>
+                <a:shade val="63000"/>
               </a:schemeClr>
             </a:gs>
           </a:gsLst>
-          <a:lin ang="16200000" scaled="0"/>
+          <a:lin ang="950000" scaled="1"/>
         </a:gradFill>
       </a:fillStyleLst>
       <a:lnStyleLst>
         <a:ln w="9525" cap="flat" cmpd="sng" algn="ctr">
           <a:solidFill>
-            <a:schemeClr val="phClr">
-              <a:shade val="95000"/>
-              <a:satMod val="105000"/>
-            </a:schemeClr>
+            <a:schemeClr val="phClr"/>
+          </a:solidFill>
+          <a:prstDash val="solid"/>
+        </a:ln>
+        <a:ln w="19050" cap="flat" cmpd="sng" algn="ctr">
+          <a:solidFill>
+            <a:schemeClr val="phClr"/>
           </a:solidFill>
           <a:prstDash val="solid"/>
         </a:ln>
@@ -3873,37 +4825,36 @@
           </a:solidFill>
           <a:prstDash val="solid"/>
         </a:ln>
-        <a:ln w="38100" cap="flat" cmpd="sng" algn="ctr">
-          <a:solidFill>
-            <a:schemeClr val="phClr"/>
-          </a:solidFill>
-          <a:prstDash val="solid"/>
-        </a:ln>
       </a:lnStyleLst>
       <a:effectStyleLst>
         <a:effectStyle>
           <a:effectLst>
-            <a:outerShdw blurRad="40000" dist="20000" dir="5400000" rotWithShape="0">
+            <a:outerShdw blurRad="38100" dist="25400" dir="5400000" rotWithShape="0">
               <a:srgbClr val="000000">
-                <a:alpha val="38000"/>
+                <a:alpha val="40000"/>
               </a:srgbClr>
             </a:outerShdw>
           </a:effectLst>
         </a:effectStyle>
         <a:effectStyle>
           <a:effectLst>
-            <a:outerShdw blurRad="40000" dist="23000" dir="5400000" rotWithShape="0">
+            <a:outerShdw blurRad="50800" dist="43000" dir="5400000" rotWithShape="0">
               <a:srgbClr val="000000">
-                <a:alpha val="35000"/>
+                <a:alpha val="40000"/>
               </a:srgbClr>
             </a:outerShdw>
           </a:effectLst>
         </a:effectStyle>
         <a:effectStyle>
           <a:effectLst>
-            <a:outerShdw blurRad="40000" dist="23000" dir="5400000" rotWithShape="0">
+            <a:innerShdw blurRad="50800" dist="25400" dir="13500000">
               <a:srgbClr val="000000">
-                <a:alpha val="35000"/>
+                <a:alpha val="75000"/>
+              </a:srgbClr>
+            </a:innerShdw>
+            <a:outerShdw blurRad="50800" dist="25400" dir="5400000" rotWithShape="0">
+              <a:srgbClr val="000000">
+                <a:alpha val="50000"/>
               </a:srgbClr>
             </a:outerShdw>
           </a:effectLst>
@@ -3911,12 +4862,10 @@
             <a:camera prst="orthographicFront">
               <a:rot lat="0" lon="0" rev="0"/>
             </a:camera>
-            <a:lightRig rig="threePt" dir="t">
-              <a:rot lat="0" lon="0" rev="1200000"/>
-            </a:lightRig>
+            <a:lightRig rig="threePt" dir="tl"/>
           </a:scene3d>
-          <a:sp3d>
-            <a:bevelT w="63500" h="25400"/>
+          <a:sp3d prstMaterial="dkEdge">
+            <a:bevelT w="25400" h="50800" prst="coolSlant"/>
           </a:sp3d>
         </a:effectStyle>
       </a:effectStyleLst>
@@ -3941,8 +4890,11 @@
             </a:gs>
             <a:gs pos="100000">
               <a:schemeClr val="phClr">
-                <a:shade val="20000"/>
+                <a:tint val="100000"/>
+                <a:shade val="30000"/>
+                <a:alpha val="100000"/>
                 <a:satMod val="255000"/>
+                <a:lumMod val="100000"/>
               </a:schemeClr>
             </a:gs>
           </a:gsLst>
@@ -3950,25 +4902,20 @@
             <a:fillToRect l="50000" t="-80000" r="50000" b="180000"/>
           </a:path>
         </a:gradFill>
-        <a:gradFill rotWithShape="1">
-          <a:gsLst>
-            <a:gs pos="0">
+        <a:blipFill rotWithShape="1">
+          <a:blip xmlns:r="http://schemas.openxmlformats.org/officeDocument/2006/relationships" r:embed="rId1">
+            <a:duotone>
               <a:schemeClr val="phClr">
-                <a:tint val="80000"/>
-                <a:satMod val="300000"/>
+                <a:lumMod val="80000"/>
               </a:schemeClr>
-            </a:gs>
-            <a:gs pos="100000">
               <a:schemeClr val="phClr">
-                <a:shade val="30000"/>
-                <a:satMod val="200000"/>
+                <a:tint val="50000"/>
+                <a:lumMod val="150000"/>
               </a:schemeClr>
-            </a:gs>
-          </a:gsLst>
-          <a:path path="circle">
-            <a:fillToRect l="50000" t="50000" r="50000" b="50000"/>
-          </a:path>
-        </a:gradFill>
+            </a:duotone>
+          </a:blip>
+          <a:stretch/>
+        </a:blipFill>
       </a:bgFillStyleLst>
     </a:fmtScheme>
   </a:themeElements>

--- a/Documenten/Presentatie/Adresboek.pptx
+++ b/Documenten/Presentatie/Adresboek.pptx
@@ -11,14 +11,14 @@
     <p:sldId id="259" r:id="rId5"/>
     <p:sldId id="260" r:id="rId6"/>
     <p:sldId id="263" r:id="rId7"/>
-    <p:sldId id="265" r:id="rId8"/>
-    <p:sldId id="264" r:id="rId9"/>
-    <p:sldId id="268" r:id="rId10"/>
-    <p:sldId id="269" r:id="rId11"/>
-    <p:sldId id="267" r:id="rId12"/>
-    <p:sldId id="266" r:id="rId13"/>
-    <p:sldId id="270" r:id="rId14"/>
-    <p:sldId id="271" r:id="rId15"/>
+    <p:sldId id="268" r:id="rId8"/>
+    <p:sldId id="269" r:id="rId9"/>
+    <p:sldId id="267" r:id="rId10"/>
+    <p:sldId id="266" r:id="rId11"/>
+    <p:sldId id="270" r:id="rId12"/>
+    <p:sldId id="271" r:id="rId13"/>
+    <p:sldId id="273" r:id="rId14"/>
+    <p:sldId id="272" r:id="rId15"/>
     <p:sldId id="261" r:id="rId16"/>
     <p:sldId id="262" r:id="rId17"/>
   </p:sldIdLst>
@@ -358,7 +358,7 @@
           <a:p>
             <a:fld id="{F7B27D4B-9C1D-42D4-AC48-E4188B388A9D}" type="datetimeFigureOut">
               <a:rPr lang="nl-NL" smtClean="0"/>
-              <a:t>12-3-2014</a:t>
+              <a:t>19-3-2014</a:t>
             </a:fld>
             <a:endParaRPr lang="nl-NL"/>
           </a:p>
@@ -636,7 +636,7 @@
           <a:p>
             <a:fld id="{F7B27D4B-9C1D-42D4-AC48-E4188B388A9D}" type="datetimeFigureOut">
               <a:rPr lang="nl-NL" smtClean="0"/>
-              <a:t>12-3-2014</a:t>
+              <a:t>19-3-2014</a:t>
             </a:fld>
             <a:endParaRPr lang="nl-NL"/>
           </a:p>
@@ -859,7 +859,7 @@
           <a:p>
             <a:fld id="{F7B27D4B-9C1D-42D4-AC48-E4188B388A9D}" type="datetimeFigureOut">
               <a:rPr lang="nl-NL" smtClean="0"/>
-              <a:t>12-3-2014</a:t>
+              <a:t>19-3-2014</a:t>
             </a:fld>
             <a:endParaRPr lang="nl-NL"/>
           </a:p>
@@ -1054,7 +1054,7 @@
           <a:p>
             <a:fld id="{F7B27D4B-9C1D-42D4-AC48-E4188B388A9D}" type="datetimeFigureOut">
               <a:rPr lang="nl-NL" smtClean="0"/>
-              <a:t>12-3-2014</a:t>
+              <a:t>19-3-2014</a:t>
             </a:fld>
             <a:endParaRPr lang="nl-NL"/>
           </a:p>
@@ -1334,7 +1334,7 @@
           <a:p>
             <a:fld id="{F7B27D4B-9C1D-42D4-AC48-E4188B388A9D}" type="datetimeFigureOut">
               <a:rPr lang="nl-NL" smtClean="0"/>
-              <a:t>12-3-2014</a:t>
+              <a:t>19-3-2014</a:t>
             </a:fld>
             <a:endParaRPr lang="nl-NL"/>
           </a:p>
@@ -1807,7 +1807,7 @@
           <a:p>
             <a:fld id="{F7B27D4B-9C1D-42D4-AC48-E4188B388A9D}" type="datetimeFigureOut">
               <a:rPr lang="nl-NL" smtClean="0"/>
-              <a:t>12-3-2014</a:t>
+              <a:t>19-3-2014</a:t>
             </a:fld>
             <a:endParaRPr lang="nl-NL"/>
           </a:p>
@@ -2262,7 +2262,7 @@
           <a:p>
             <a:fld id="{F7B27D4B-9C1D-42D4-AC48-E4188B388A9D}" type="datetimeFigureOut">
               <a:rPr lang="nl-NL" smtClean="0"/>
-              <a:t>12-3-2014</a:t>
+              <a:t>19-3-2014</a:t>
             </a:fld>
             <a:endParaRPr lang="nl-NL"/>
           </a:p>
@@ -2400,7 +2400,7 @@
           <a:p>
             <a:fld id="{F7B27D4B-9C1D-42D4-AC48-E4188B388A9D}" type="datetimeFigureOut">
               <a:rPr lang="nl-NL" smtClean="0"/>
-              <a:t>12-3-2014</a:t>
+              <a:t>19-3-2014</a:t>
             </a:fld>
             <a:endParaRPr lang="nl-NL"/>
           </a:p>
@@ -2561,7 +2561,7 @@
           <a:p>
             <a:fld id="{F7B27D4B-9C1D-42D4-AC48-E4188B388A9D}" type="datetimeFigureOut">
               <a:rPr lang="nl-NL" smtClean="0"/>
-              <a:t>12-3-2014</a:t>
+              <a:t>19-3-2014</a:t>
             </a:fld>
             <a:endParaRPr lang="nl-NL"/>
           </a:p>
@@ -2955,7 +2955,7 @@
           <a:p>
             <a:fld id="{F7B27D4B-9C1D-42D4-AC48-E4188B388A9D}" type="datetimeFigureOut">
               <a:rPr lang="nl-NL" smtClean="0"/>
-              <a:t>12-3-2014</a:t>
+              <a:t>19-3-2014</a:t>
             </a:fld>
             <a:endParaRPr lang="nl-NL"/>
           </a:p>
@@ -3355,7 +3355,7 @@
           <a:p>
             <a:fld id="{F7B27D4B-9C1D-42D4-AC48-E4188B388A9D}" type="datetimeFigureOut">
               <a:rPr lang="nl-NL" smtClean="0"/>
-              <a:t>12-3-2014</a:t>
+              <a:t>19-3-2014</a:t>
             </a:fld>
             <a:endParaRPr lang="nl-NL"/>
           </a:p>
@@ -3565,7 +3565,7 @@
           <a:p>
             <a:fld id="{F7B27D4B-9C1D-42D4-AC48-E4188B388A9D}" type="datetimeFigureOut">
               <a:rPr lang="nl-NL" smtClean="0"/>
-              <a:t>12-3-2014</a:t>
+              <a:t>19-3-2014</a:t>
             </a:fld>
             <a:endParaRPr lang="nl-NL"/>
           </a:p>
@@ -4038,6 +4038,26 @@
           <a:bodyPr/>
           <a:lstStyle/>
           <a:p>
+            <a:r>
+              <a:rPr lang="nl-NL" dirty="0" smtClean="0"/>
+              <a:t>Rik </a:t>
+            </a:r>
+            <a:r>
+              <a:rPr lang="nl-NL" dirty="0" err="1" smtClean="0"/>
+              <a:t>Brugman</a:t>
+            </a:r>
+            <a:r>
+              <a:rPr lang="nl-NL" dirty="0" smtClean="0"/>
+              <a:t>, Jos Last &amp; </a:t>
+            </a:r>
+            <a:r>
+              <a:rPr lang="nl-NL" dirty="0" err="1" smtClean="0"/>
+              <a:t>Alex</a:t>
+            </a:r>
+            <a:r>
+              <a:rPr lang="nl-NL" smtClean="0"/>
+              <a:t> Hui</a:t>
+            </a:r>
             <a:endParaRPr lang="nl-NL" dirty="0"/>
           </a:p>
         </p:txBody>
@@ -4083,10 +4103,1382 @@
       <p:transition spd="slow"/>
     </mc:Fallback>
   </mc:AlternateContent>
+  <p:timing>
+    <p:tnLst>
+      <p:par>
+        <p:cTn id="1" dur="indefinite" restart="never" nodeType="tmRoot"/>
+      </p:par>
+    </p:tnLst>
+  </p:timing>
 </p:sld>
 </file>
 
 <file path=ppt/slides/slide10.xml><?xml version="1.0" encoding="utf-8"?>
+<p:sld xmlns:a="http://schemas.openxmlformats.org/drawingml/2006/main" xmlns:r="http://schemas.openxmlformats.org/officeDocument/2006/relationships" xmlns:p="http://schemas.openxmlformats.org/presentationml/2006/main">
+  <p:cSld>
+    <p:spTree>
+      <p:nvGrpSpPr>
+        <p:cNvPr id="1" name=""/>
+        <p:cNvGrpSpPr/>
+        <p:nvPr/>
+      </p:nvGrpSpPr>
+      <p:grpSpPr>
+        <a:xfrm>
+          <a:off x="0" y="0"/>
+          <a:ext cx="0" cy="0"/>
+          <a:chOff x="0" y="0"/>
+          <a:chExt cx="0" cy="0"/>
+        </a:xfrm>
+      </p:grpSpPr>
+      <p:sp>
+        <p:nvSpPr>
+          <p:cNvPr id="3" name="Titel 2"/>
+          <p:cNvSpPr>
+            <a:spLocks noGrp="1"/>
+          </p:cNvSpPr>
+          <p:nvPr>
+            <p:ph type="title"/>
+          </p:nvPr>
+        </p:nvSpPr>
+        <p:spPr/>
+        <p:txBody>
+          <a:bodyPr/>
+          <a:lstStyle/>
+          <a:p>
+            <a:r>
+              <a:rPr lang="nl-NL" dirty="0" smtClean="0"/>
+              <a:t>Hoofdscherm</a:t>
+            </a:r>
+            <a:endParaRPr lang="nl-NL" dirty="0"/>
+          </a:p>
+        </p:txBody>
+      </p:sp>
+      <p:pic>
+        <p:nvPicPr>
+          <p:cNvPr id="2050" name="Picture 2"/>
+          <p:cNvPicPr>
+            <a:picLocks noGrp="1" noChangeAspect="1" noChangeArrowheads="1"/>
+          </p:cNvPicPr>
+          <p:nvPr>
+            <p:ph sz="quarter" idx="13"/>
+          </p:nvPr>
+        </p:nvPicPr>
+        <p:blipFill>
+          <a:blip r:embed="rId2">
+            <a:extLst>
+              <a:ext uri="{28A0092B-C50C-407E-A947-70E740481C1C}">
+                <a14:useLocalDpi xmlns:a14="http://schemas.microsoft.com/office/drawing/2010/main" val="0"/>
+              </a:ext>
+            </a:extLst>
+          </a:blip>
+          <a:srcRect/>
+          <a:stretch>
+            <a:fillRect/>
+          </a:stretch>
+        </p:blipFill>
+        <p:spPr bwMode="auto">
+          <a:xfrm>
+            <a:off x="352425" y="1616162"/>
+            <a:ext cx="8324031" cy="4765166"/>
+          </a:xfrm>
+          <a:prstGeom prst="rect">
+            <a:avLst/>
+          </a:prstGeom>
+          <a:noFill/>
+          <a:ln>
+            <a:noFill/>
+          </a:ln>
+          <a:effectLst/>
+          <a:extLst>
+            <a:ext uri="{909E8E84-426E-40DD-AFC4-6F175D3DCCD1}">
+              <a14:hiddenFill xmlns:a14="http://schemas.microsoft.com/office/drawing/2010/main">
+                <a:solidFill>
+                  <a:schemeClr val="accent1"/>
+                </a:solidFill>
+              </a14:hiddenFill>
+            </a:ext>
+            <a:ext uri="{91240B29-F687-4F45-9708-019B960494DF}">
+              <a14:hiddenLine xmlns:a14="http://schemas.microsoft.com/office/drawing/2010/main" w="9525">
+                <a:solidFill>
+                  <a:schemeClr val="tx1"/>
+                </a:solidFill>
+                <a:miter lim="800000"/>
+                <a:headEnd/>
+                <a:tailEnd/>
+              </a14:hiddenLine>
+            </a:ext>
+            <a:ext uri="{AF507438-7753-43E0-B8FC-AC1667EBCBE1}">
+              <a14:hiddenEffects xmlns:a14="http://schemas.microsoft.com/office/drawing/2010/main">
+                <a:effectLst>
+                  <a:outerShdw dist="35921" dir="2700000" algn="ctr" rotWithShape="0">
+                    <a:schemeClr val="bg2"/>
+                  </a:outerShdw>
+                </a:effectLst>
+              </a14:hiddenEffects>
+            </a:ext>
+          </a:extLst>
+        </p:spPr>
+      </p:pic>
+    </p:spTree>
+    <p:extLst>
+      <p:ext uri="{BB962C8B-B14F-4D97-AF65-F5344CB8AC3E}">
+        <p14:creationId xmlns:p14="http://schemas.microsoft.com/office/powerpoint/2010/main" val="739801519"/>
+      </p:ext>
+    </p:extLst>
+  </p:cSld>
+  <p:clrMapOvr>
+    <a:masterClrMapping/>
+  </p:clrMapOvr>
+  <p:timing>
+    <p:tnLst>
+      <p:par>
+        <p:cTn id="1" dur="indefinite" restart="never" nodeType="tmRoot"/>
+      </p:par>
+    </p:tnLst>
+  </p:timing>
+</p:sld>
+</file>
+
+<file path=ppt/slides/slide11.xml><?xml version="1.0" encoding="utf-8"?>
+<p:sld xmlns:a="http://schemas.openxmlformats.org/drawingml/2006/main" xmlns:r="http://schemas.openxmlformats.org/officeDocument/2006/relationships" xmlns:p="http://schemas.openxmlformats.org/presentationml/2006/main">
+  <p:cSld>
+    <p:spTree>
+      <p:nvGrpSpPr>
+        <p:cNvPr id="1" name=""/>
+        <p:cNvGrpSpPr/>
+        <p:nvPr/>
+      </p:nvGrpSpPr>
+      <p:grpSpPr>
+        <a:xfrm>
+          <a:off x="0" y="0"/>
+          <a:ext cx="0" cy="0"/>
+          <a:chOff x="0" y="0"/>
+          <a:chExt cx="0" cy="0"/>
+        </a:xfrm>
+      </p:grpSpPr>
+      <p:sp>
+        <p:nvSpPr>
+          <p:cNvPr id="2" name="Tijdelijke aanduiding voor inhoud 1"/>
+          <p:cNvSpPr>
+            <a:spLocks noGrp="1"/>
+          </p:cNvSpPr>
+          <p:nvPr>
+            <p:ph sz="quarter" idx="13"/>
+          </p:nvPr>
+        </p:nvSpPr>
+        <p:spPr/>
+        <p:txBody>
+          <a:bodyPr/>
+          <a:lstStyle/>
+          <a:p>
+            <a:pPr marL="285750" indent="-285750">
+              <a:buFont typeface="Arial" charset="0"/>
+              <a:buChar char="•"/>
+            </a:pPr>
+            <a:r>
+              <a:rPr lang="nl-NL" smtClean="0"/>
+              <a:t>Contactgegevens invoeren</a:t>
+            </a:r>
+          </a:p>
+          <a:p>
+            <a:pPr marL="285750" indent="-285750">
+              <a:buFont typeface="Arial" charset="0"/>
+              <a:buChar char="•"/>
+            </a:pPr>
+            <a:endParaRPr lang="nl-NL" dirty="0"/>
+          </a:p>
+        </p:txBody>
+      </p:sp>
+      <p:sp>
+        <p:nvSpPr>
+          <p:cNvPr id="3" name="Titel 2"/>
+          <p:cNvSpPr>
+            <a:spLocks noGrp="1"/>
+          </p:cNvSpPr>
+          <p:nvPr>
+            <p:ph type="title"/>
+          </p:nvPr>
+        </p:nvSpPr>
+        <p:spPr/>
+        <p:txBody>
+          <a:bodyPr/>
+          <a:lstStyle/>
+          <a:p>
+            <a:r>
+              <a:rPr lang="nl-NL" dirty="0" smtClean="0"/>
+              <a:t>Nieuw contact </a:t>
+            </a:r>
+            <a:endParaRPr lang="nl-NL" dirty="0"/>
+          </a:p>
+        </p:txBody>
+      </p:sp>
+    </p:spTree>
+    <p:extLst>
+      <p:ext uri="{BB962C8B-B14F-4D97-AF65-F5344CB8AC3E}">
+        <p14:creationId xmlns:p14="http://schemas.microsoft.com/office/powerpoint/2010/main" val="3725219130"/>
+      </p:ext>
+    </p:extLst>
+  </p:cSld>
+  <p:clrMapOvr>
+    <a:masterClrMapping/>
+  </p:clrMapOvr>
+  <p:timing>
+    <p:tnLst>
+      <p:par>
+        <p:cTn id="1" dur="indefinite" restart="never" nodeType="tmRoot"/>
+      </p:par>
+    </p:tnLst>
+  </p:timing>
+</p:sld>
+</file>
+
+<file path=ppt/slides/slide12.xml><?xml version="1.0" encoding="utf-8"?>
+<p:sld xmlns:a="http://schemas.openxmlformats.org/drawingml/2006/main" xmlns:r="http://schemas.openxmlformats.org/officeDocument/2006/relationships" xmlns:p="http://schemas.openxmlformats.org/presentationml/2006/main">
+  <p:cSld>
+    <p:spTree>
+      <p:nvGrpSpPr>
+        <p:cNvPr id="1" name=""/>
+        <p:cNvGrpSpPr/>
+        <p:nvPr/>
+      </p:nvGrpSpPr>
+      <p:grpSpPr>
+        <a:xfrm>
+          <a:off x="0" y="0"/>
+          <a:ext cx="0" cy="0"/>
+          <a:chOff x="0" y="0"/>
+          <a:chExt cx="0" cy="0"/>
+        </a:xfrm>
+      </p:grpSpPr>
+      <p:sp>
+        <p:nvSpPr>
+          <p:cNvPr id="3" name="Titel 2"/>
+          <p:cNvSpPr>
+            <a:spLocks noGrp="1"/>
+          </p:cNvSpPr>
+          <p:nvPr>
+            <p:ph type="title"/>
+          </p:nvPr>
+        </p:nvSpPr>
+        <p:spPr/>
+        <p:txBody>
+          <a:bodyPr/>
+          <a:lstStyle/>
+          <a:p>
+            <a:r>
+              <a:rPr lang="nl-NL" dirty="0" smtClean="0"/>
+              <a:t>Nieuw contact</a:t>
+            </a:r>
+            <a:endParaRPr lang="nl-NL" dirty="0"/>
+          </a:p>
+        </p:txBody>
+      </p:sp>
+      <p:pic>
+        <p:nvPicPr>
+          <p:cNvPr id="4098" name="Picture 2"/>
+          <p:cNvPicPr>
+            <a:picLocks noGrp="1" noChangeAspect="1" noChangeArrowheads="1"/>
+          </p:cNvPicPr>
+          <p:nvPr>
+            <p:ph sz="quarter" idx="13"/>
+          </p:nvPr>
+        </p:nvPicPr>
+        <p:blipFill>
+          <a:blip r:embed="rId2">
+            <a:extLst>
+              <a:ext uri="{28A0092B-C50C-407E-A947-70E740481C1C}">
+                <a14:useLocalDpi xmlns:a14="http://schemas.microsoft.com/office/drawing/2010/main" val="0"/>
+              </a:ext>
+            </a:extLst>
+          </a:blip>
+          <a:srcRect/>
+          <a:stretch>
+            <a:fillRect/>
+          </a:stretch>
+        </p:blipFill>
+        <p:spPr bwMode="auto">
+          <a:xfrm>
+            <a:off x="1763688" y="1700808"/>
+            <a:ext cx="5760640" cy="4438602"/>
+          </a:xfrm>
+          <a:prstGeom prst="rect">
+            <a:avLst/>
+          </a:prstGeom>
+          <a:noFill/>
+          <a:ln>
+            <a:noFill/>
+          </a:ln>
+          <a:effectLst/>
+          <a:extLst>
+            <a:ext uri="{909E8E84-426E-40DD-AFC4-6F175D3DCCD1}">
+              <a14:hiddenFill xmlns:a14="http://schemas.microsoft.com/office/drawing/2010/main">
+                <a:solidFill>
+                  <a:schemeClr val="accent1"/>
+                </a:solidFill>
+              </a14:hiddenFill>
+            </a:ext>
+            <a:ext uri="{91240B29-F687-4F45-9708-019B960494DF}">
+              <a14:hiddenLine xmlns:a14="http://schemas.microsoft.com/office/drawing/2010/main" w="9525">
+                <a:solidFill>
+                  <a:schemeClr val="tx1"/>
+                </a:solidFill>
+                <a:miter lim="800000"/>
+                <a:headEnd/>
+                <a:tailEnd/>
+              </a14:hiddenLine>
+            </a:ext>
+            <a:ext uri="{AF507438-7753-43E0-B8FC-AC1667EBCBE1}">
+              <a14:hiddenEffects xmlns:a14="http://schemas.microsoft.com/office/drawing/2010/main">
+                <a:effectLst>
+                  <a:outerShdw dist="35921" dir="2700000" algn="ctr" rotWithShape="0">
+                    <a:schemeClr val="bg2"/>
+                  </a:outerShdw>
+                </a:effectLst>
+              </a14:hiddenEffects>
+            </a:ext>
+          </a:extLst>
+        </p:spPr>
+      </p:pic>
+    </p:spTree>
+    <p:extLst>
+      <p:ext uri="{BB962C8B-B14F-4D97-AF65-F5344CB8AC3E}">
+        <p14:creationId xmlns:p14="http://schemas.microsoft.com/office/powerpoint/2010/main" val="2116171200"/>
+      </p:ext>
+    </p:extLst>
+  </p:cSld>
+  <p:clrMapOvr>
+    <a:masterClrMapping/>
+  </p:clrMapOvr>
+  <p:timing>
+    <p:tnLst>
+      <p:par>
+        <p:cTn id="1" dur="indefinite" restart="never" nodeType="tmRoot"/>
+      </p:par>
+    </p:tnLst>
+  </p:timing>
+</p:sld>
+</file>
+
+<file path=ppt/slides/slide13.xml><?xml version="1.0" encoding="utf-8"?>
+<p:sld xmlns:a="http://schemas.openxmlformats.org/drawingml/2006/main" xmlns:r="http://schemas.openxmlformats.org/officeDocument/2006/relationships" xmlns:p="http://schemas.openxmlformats.org/presentationml/2006/main">
+  <p:cSld>
+    <p:spTree>
+      <p:nvGrpSpPr>
+        <p:cNvPr id="1" name=""/>
+        <p:cNvGrpSpPr/>
+        <p:nvPr/>
+      </p:nvGrpSpPr>
+      <p:grpSpPr>
+        <a:xfrm>
+          <a:off x="0" y="0"/>
+          <a:ext cx="0" cy="0"/>
+          <a:chOff x="0" y="0"/>
+          <a:chExt cx="0" cy="0"/>
+        </a:xfrm>
+      </p:grpSpPr>
+      <p:sp>
+        <p:nvSpPr>
+          <p:cNvPr id="2" name="Tijdelijke aanduiding voor inhoud 1"/>
+          <p:cNvSpPr>
+            <a:spLocks noGrp="1"/>
+          </p:cNvSpPr>
+          <p:nvPr>
+            <p:ph sz="quarter" idx="13"/>
+          </p:nvPr>
+        </p:nvSpPr>
+        <p:spPr/>
+        <p:txBody>
+          <a:bodyPr/>
+          <a:lstStyle/>
+          <a:p>
+            <a:r>
+              <a:rPr lang="nl-NL" dirty="0" smtClean="0"/>
+              <a:t>* Hier kan je de contacten bewerken </a:t>
+            </a:r>
+            <a:endParaRPr lang="nl-NL" dirty="0"/>
+          </a:p>
+        </p:txBody>
+      </p:sp>
+      <p:sp>
+        <p:nvSpPr>
+          <p:cNvPr id="3" name="Titel 2"/>
+          <p:cNvSpPr>
+            <a:spLocks noGrp="1"/>
+          </p:cNvSpPr>
+          <p:nvPr>
+            <p:ph type="title"/>
+          </p:nvPr>
+        </p:nvSpPr>
+        <p:spPr/>
+        <p:txBody>
+          <a:bodyPr/>
+          <a:lstStyle/>
+          <a:p>
+            <a:r>
+              <a:rPr lang="nl-NL" dirty="0" smtClean="0"/>
+              <a:t>Contact bewerken</a:t>
+            </a:r>
+            <a:endParaRPr lang="nl-NL" dirty="0"/>
+          </a:p>
+        </p:txBody>
+      </p:sp>
+    </p:spTree>
+    <p:extLst>
+      <p:ext uri="{BB962C8B-B14F-4D97-AF65-F5344CB8AC3E}">
+        <p14:creationId xmlns:p14="http://schemas.microsoft.com/office/powerpoint/2010/main" val="2707072852"/>
+      </p:ext>
+    </p:extLst>
+  </p:cSld>
+  <p:clrMapOvr>
+    <a:masterClrMapping/>
+  </p:clrMapOvr>
+  <p:timing>
+    <p:tnLst>
+      <p:par>
+        <p:cTn id="1" dur="indefinite" restart="never" nodeType="tmRoot"/>
+      </p:par>
+    </p:tnLst>
+  </p:timing>
+</p:sld>
+</file>
+
+<file path=ppt/slides/slide14.xml><?xml version="1.0" encoding="utf-8"?>
+<p:sld xmlns:a="http://schemas.openxmlformats.org/drawingml/2006/main" xmlns:r="http://schemas.openxmlformats.org/officeDocument/2006/relationships" xmlns:p="http://schemas.openxmlformats.org/presentationml/2006/main">
+  <p:cSld>
+    <p:spTree>
+      <p:nvGrpSpPr>
+        <p:cNvPr id="1" name=""/>
+        <p:cNvGrpSpPr/>
+        <p:nvPr/>
+      </p:nvGrpSpPr>
+      <p:grpSpPr>
+        <a:xfrm>
+          <a:off x="0" y="0"/>
+          <a:ext cx="0" cy="0"/>
+          <a:chOff x="0" y="0"/>
+          <a:chExt cx="0" cy="0"/>
+        </a:xfrm>
+      </p:grpSpPr>
+      <p:sp>
+        <p:nvSpPr>
+          <p:cNvPr id="3" name="Titel 2"/>
+          <p:cNvSpPr>
+            <a:spLocks noGrp="1"/>
+          </p:cNvSpPr>
+          <p:nvPr>
+            <p:ph type="title"/>
+          </p:nvPr>
+        </p:nvSpPr>
+        <p:spPr/>
+        <p:txBody>
+          <a:bodyPr/>
+          <a:lstStyle/>
+          <a:p>
+            <a:r>
+              <a:rPr lang="nl-NL" dirty="0" smtClean="0"/>
+              <a:t>Contact bewerken</a:t>
+            </a:r>
+            <a:endParaRPr lang="nl-NL" dirty="0"/>
+          </a:p>
+        </p:txBody>
+      </p:sp>
+      <p:pic>
+        <p:nvPicPr>
+          <p:cNvPr id="1026" name="Picture 2"/>
+          <p:cNvPicPr>
+            <a:picLocks noGrp="1" noChangeAspect="1" noChangeArrowheads="1"/>
+          </p:cNvPicPr>
+          <p:nvPr>
+            <p:ph sz="quarter" idx="13"/>
+          </p:nvPr>
+        </p:nvPicPr>
+        <p:blipFill>
+          <a:blip r:embed="rId2">
+            <a:extLst>
+              <a:ext uri="{28A0092B-C50C-407E-A947-70E740481C1C}">
+                <a14:useLocalDpi xmlns:a14="http://schemas.microsoft.com/office/drawing/2010/main" val="0"/>
+              </a:ext>
+            </a:extLst>
+          </a:blip>
+          <a:srcRect/>
+          <a:stretch>
+            <a:fillRect/>
+          </a:stretch>
+        </p:blipFill>
+        <p:spPr bwMode="auto">
+          <a:xfrm>
+            <a:off x="1979712" y="1870718"/>
+            <a:ext cx="5760639" cy="4582618"/>
+          </a:xfrm>
+          <a:prstGeom prst="rect">
+            <a:avLst/>
+          </a:prstGeom>
+          <a:noFill/>
+          <a:ln>
+            <a:noFill/>
+          </a:ln>
+          <a:effectLst/>
+          <a:extLst>
+            <a:ext uri="{909E8E84-426E-40DD-AFC4-6F175D3DCCD1}">
+              <a14:hiddenFill xmlns:a14="http://schemas.microsoft.com/office/drawing/2010/main">
+                <a:solidFill>
+                  <a:schemeClr val="accent1"/>
+                </a:solidFill>
+              </a14:hiddenFill>
+            </a:ext>
+            <a:ext uri="{91240B29-F687-4F45-9708-019B960494DF}">
+              <a14:hiddenLine xmlns:a14="http://schemas.microsoft.com/office/drawing/2010/main" w="9525">
+                <a:solidFill>
+                  <a:schemeClr val="tx1"/>
+                </a:solidFill>
+                <a:miter lim="800000"/>
+                <a:headEnd/>
+                <a:tailEnd/>
+              </a14:hiddenLine>
+            </a:ext>
+            <a:ext uri="{AF507438-7753-43E0-B8FC-AC1667EBCBE1}">
+              <a14:hiddenEffects xmlns:a14="http://schemas.microsoft.com/office/drawing/2010/main">
+                <a:effectLst>
+                  <a:outerShdw dist="35921" dir="2700000" algn="ctr" rotWithShape="0">
+                    <a:schemeClr val="bg2"/>
+                  </a:outerShdw>
+                </a:effectLst>
+              </a14:hiddenEffects>
+            </a:ext>
+          </a:extLst>
+        </p:spPr>
+      </p:pic>
+    </p:spTree>
+    <p:extLst>
+      <p:ext uri="{BB962C8B-B14F-4D97-AF65-F5344CB8AC3E}">
+        <p14:creationId xmlns:p14="http://schemas.microsoft.com/office/powerpoint/2010/main" val="3163065226"/>
+      </p:ext>
+    </p:extLst>
+  </p:cSld>
+  <p:clrMapOvr>
+    <a:masterClrMapping/>
+  </p:clrMapOvr>
+  <p:timing>
+    <p:tnLst>
+      <p:par>
+        <p:cTn id="1" dur="indefinite" restart="never" nodeType="tmRoot"/>
+      </p:par>
+    </p:tnLst>
+  </p:timing>
+</p:sld>
+</file>
+
+<file path=ppt/slides/slide15.xml><?xml version="1.0" encoding="utf-8"?>
+<p:sld xmlns:a="http://schemas.openxmlformats.org/drawingml/2006/main" xmlns:r="http://schemas.openxmlformats.org/officeDocument/2006/relationships" xmlns:p="http://schemas.openxmlformats.org/presentationml/2006/main">
+  <p:cSld>
+    <p:spTree>
+      <p:nvGrpSpPr>
+        <p:cNvPr id="1" name=""/>
+        <p:cNvGrpSpPr/>
+        <p:nvPr/>
+      </p:nvGrpSpPr>
+      <p:grpSpPr>
+        <a:xfrm>
+          <a:off x="0" y="0"/>
+          <a:ext cx="0" cy="0"/>
+          <a:chOff x="0" y="0"/>
+          <a:chExt cx="0" cy="0"/>
+        </a:xfrm>
+      </p:grpSpPr>
+      <p:sp>
+        <p:nvSpPr>
+          <p:cNvPr id="3" name="Tijdelijke aanduiding voor inhoud 2"/>
+          <p:cNvSpPr>
+            <a:spLocks noGrp="1"/>
+          </p:cNvSpPr>
+          <p:nvPr>
+            <p:ph sz="quarter" idx="13"/>
+          </p:nvPr>
+        </p:nvSpPr>
+        <p:spPr/>
+        <p:txBody>
+          <a:bodyPr/>
+          <a:lstStyle/>
+          <a:p>
+            <a:r>
+              <a:rPr lang="nl-NL" dirty="0" smtClean="0"/>
+              <a:t>Niet echt problemen gehad</a:t>
+            </a:r>
+            <a:endParaRPr lang="nl-NL" dirty="0"/>
+          </a:p>
+        </p:txBody>
+      </p:sp>
+      <p:sp>
+        <p:nvSpPr>
+          <p:cNvPr id="2" name="Titel 1"/>
+          <p:cNvSpPr>
+            <a:spLocks noGrp="1"/>
+          </p:cNvSpPr>
+          <p:nvPr>
+            <p:ph type="title"/>
+          </p:nvPr>
+        </p:nvSpPr>
+        <p:spPr/>
+        <p:txBody>
+          <a:bodyPr/>
+          <a:lstStyle/>
+          <a:p>
+            <a:r>
+              <a:rPr lang="nl-NL" dirty="0" smtClean="0"/>
+              <a:t>Problemen / ervaringen</a:t>
+            </a:r>
+            <a:endParaRPr lang="nl-NL" dirty="0"/>
+          </a:p>
+        </p:txBody>
+      </p:sp>
+    </p:spTree>
+    <p:extLst>
+      <p:ext uri="{BB962C8B-B14F-4D97-AF65-F5344CB8AC3E}">
+        <p14:creationId xmlns:p14="http://schemas.microsoft.com/office/powerpoint/2010/main" val="3006868582"/>
+      </p:ext>
+    </p:extLst>
+  </p:cSld>
+  <p:clrMapOvr>
+    <a:masterClrMapping/>
+  </p:clrMapOvr>
+  <mc:AlternateContent xmlns:mc="http://schemas.openxmlformats.org/markup-compatibility/2006" xmlns:p14="http://schemas.microsoft.com/office/powerpoint/2010/main">
+    <mc:Choice Requires="p14">
+      <p:transition spd="slow" p14:dur="2000"/>
+    </mc:Choice>
+    <mc:Fallback xmlns="">
+      <p:transition spd="slow"/>
+    </mc:Fallback>
+  </mc:AlternateContent>
+  <p:timing>
+    <p:tnLst>
+      <p:par>
+        <p:cTn id="1" dur="indefinite" restart="never" nodeType="tmRoot"/>
+      </p:par>
+    </p:tnLst>
+  </p:timing>
+</p:sld>
+</file>
+
+<file path=ppt/slides/slide16.xml><?xml version="1.0" encoding="utf-8"?>
+<p:sld xmlns:a="http://schemas.openxmlformats.org/drawingml/2006/main" xmlns:r="http://schemas.openxmlformats.org/officeDocument/2006/relationships" xmlns:p="http://schemas.openxmlformats.org/presentationml/2006/main">
+  <p:cSld>
+    <p:spTree>
+      <p:nvGrpSpPr>
+        <p:cNvPr id="1" name=""/>
+        <p:cNvGrpSpPr/>
+        <p:nvPr/>
+      </p:nvGrpSpPr>
+      <p:grpSpPr>
+        <a:xfrm>
+          <a:off x="0" y="0"/>
+          <a:ext cx="0" cy="0"/>
+          <a:chOff x="0" y="0"/>
+          <a:chExt cx="0" cy="0"/>
+        </a:xfrm>
+      </p:grpSpPr>
+      <p:sp>
+        <p:nvSpPr>
+          <p:cNvPr id="3" name="Tijdelijke aanduiding voor inhoud 2"/>
+          <p:cNvSpPr>
+            <a:spLocks noGrp="1"/>
+          </p:cNvSpPr>
+          <p:nvPr>
+            <p:ph sz="quarter" idx="13"/>
+          </p:nvPr>
+        </p:nvSpPr>
+        <p:spPr/>
+        <p:txBody>
+          <a:bodyPr/>
+          <a:lstStyle/>
+          <a:p>
+            <a:endParaRPr lang="nl-NL"/>
+          </a:p>
+        </p:txBody>
+      </p:sp>
+      <p:sp>
+        <p:nvSpPr>
+          <p:cNvPr id="2" name="Titel 1"/>
+          <p:cNvSpPr>
+            <a:spLocks noGrp="1"/>
+          </p:cNvSpPr>
+          <p:nvPr>
+            <p:ph type="title"/>
+          </p:nvPr>
+        </p:nvSpPr>
+        <p:spPr/>
+        <p:txBody>
+          <a:bodyPr/>
+          <a:lstStyle/>
+          <a:p>
+            <a:r>
+              <a:rPr lang="nl-NL" dirty="0" smtClean="0"/>
+              <a:t>Vragen</a:t>
+            </a:r>
+            <a:endParaRPr lang="nl-NL" dirty="0"/>
+          </a:p>
+        </p:txBody>
+      </p:sp>
+    </p:spTree>
+    <p:extLst>
+      <p:ext uri="{BB962C8B-B14F-4D97-AF65-F5344CB8AC3E}">
+        <p14:creationId xmlns:p14="http://schemas.microsoft.com/office/powerpoint/2010/main" val="473067779"/>
+      </p:ext>
+    </p:extLst>
+  </p:cSld>
+  <p:clrMapOvr>
+    <a:masterClrMapping/>
+  </p:clrMapOvr>
+  <mc:AlternateContent xmlns:mc="http://schemas.openxmlformats.org/markup-compatibility/2006" xmlns:p14="http://schemas.microsoft.com/office/powerpoint/2010/main">
+    <mc:Choice Requires="p14">
+      <p:transition spd="slow" p14:dur="2000"/>
+    </mc:Choice>
+    <mc:Fallback xmlns="">
+      <p:transition spd="slow"/>
+    </mc:Fallback>
+  </mc:AlternateContent>
+  <p:timing>
+    <p:tnLst>
+      <p:par>
+        <p:cTn id="1" dur="indefinite" restart="never" nodeType="tmRoot"/>
+      </p:par>
+    </p:tnLst>
+  </p:timing>
+</p:sld>
+</file>
+
+<file path=ppt/slides/slide2.xml><?xml version="1.0" encoding="utf-8"?>
+<p:sld xmlns:a="http://schemas.openxmlformats.org/drawingml/2006/main" xmlns:r="http://schemas.openxmlformats.org/officeDocument/2006/relationships" xmlns:p="http://schemas.openxmlformats.org/presentationml/2006/main">
+  <p:cSld>
+    <p:spTree>
+      <p:nvGrpSpPr>
+        <p:cNvPr id="1" name=""/>
+        <p:cNvGrpSpPr/>
+        <p:nvPr/>
+      </p:nvGrpSpPr>
+      <p:grpSpPr>
+        <a:xfrm>
+          <a:off x="0" y="0"/>
+          <a:ext cx="0" cy="0"/>
+          <a:chOff x="0" y="0"/>
+          <a:chExt cx="0" cy="0"/>
+        </a:xfrm>
+      </p:grpSpPr>
+      <p:sp>
+        <p:nvSpPr>
+          <p:cNvPr id="3" name="Tijdelijke aanduiding voor inhoud 2"/>
+          <p:cNvSpPr>
+            <a:spLocks noGrp="1"/>
+          </p:cNvSpPr>
+          <p:nvPr>
+            <p:ph sz="quarter" idx="13"/>
+          </p:nvPr>
+        </p:nvSpPr>
+        <p:spPr/>
+        <p:txBody>
+          <a:bodyPr/>
+          <a:lstStyle/>
+          <a:p>
+            <a:r>
+              <a:rPr lang="nl-NL" dirty="0" smtClean="0"/>
+              <a:t>- Programmeertaal </a:t>
+            </a:r>
+          </a:p>
+          <a:p>
+            <a:r>
+              <a:rPr lang="nl-NL" dirty="0" smtClean="0"/>
+              <a:t>- Taakverdeling </a:t>
+            </a:r>
+            <a:endParaRPr lang="nl-NL" dirty="0"/>
+          </a:p>
+          <a:p>
+            <a:r>
+              <a:rPr lang="nl-NL" dirty="0" smtClean="0"/>
+              <a:t>- Applicatie/test</a:t>
+            </a:r>
+          </a:p>
+          <a:p>
+            <a:r>
+              <a:rPr lang="nl-NL" dirty="0" smtClean="0"/>
+              <a:t>- Schermen</a:t>
+            </a:r>
+          </a:p>
+          <a:p>
+            <a:r>
+              <a:rPr lang="nl-NL" dirty="0" smtClean="0"/>
+              <a:t>- </a:t>
+            </a:r>
+            <a:r>
+              <a:rPr lang="nl-NL" dirty="0" smtClean="0"/>
+              <a:t>Loginscherm</a:t>
+            </a:r>
+          </a:p>
+          <a:p>
+            <a:r>
+              <a:rPr lang="nl-NL" dirty="0" smtClean="0"/>
+              <a:t>- Hoofdscherm</a:t>
+            </a:r>
+          </a:p>
+          <a:p>
+            <a:pPr marL="285750" indent="-285750">
+              <a:buFontTx/>
+              <a:buChar char="-"/>
+            </a:pPr>
+            <a:r>
+              <a:rPr lang="nl-NL" dirty="0" smtClean="0"/>
+              <a:t>Nieuw Contact</a:t>
+            </a:r>
+          </a:p>
+          <a:p>
+            <a:pPr marL="285750" indent="-285750">
+              <a:buFontTx/>
+              <a:buChar char="-"/>
+            </a:pPr>
+            <a:r>
+              <a:rPr lang="nl-NL" dirty="0" smtClean="0"/>
+              <a:t>Contact bewerken</a:t>
+            </a:r>
+            <a:endParaRPr lang="nl-NL" dirty="0" smtClean="0"/>
+          </a:p>
+          <a:p>
+            <a:r>
+              <a:rPr lang="nl-NL" dirty="0" smtClean="0"/>
+              <a:t>- </a:t>
+            </a:r>
+            <a:r>
+              <a:rPr lang="nl-NL" dirty="0" smtClean="0"/>
+              <a:t>Problemen / ervaringen </a:t>
+            </a:r>
+            <a:endParaRPr lang="nl-NL" dirty="0" smtClean="0"/>
+          </a:p>
+          <a:p>
+            <a:r>
+              <a:rPr lang="nl-NL" dirty="0" smtClean="0"/>
+              <a:t>- Vragen </a:t>
+            </a:r>
+            <a:endParaRPr lang="nl-NL" dirty="0"/>
+          </a:p>
+        </p:txBody>
+      </p:sp>
+      <p:sp>
+        <p:nvSpPr>
+          <p:cNvPr id="2" name="Titel 1"/>
+          <p:cNvSpPr>
+            <a:spLocks noGrp="1"/>
+          </p:cNvSpPr>
+          <p:nvPr>
+            <p:ph type="title"/>
+          </p:nvPr>
+        </p:nvSpPr>
+        <p:spPr/>
+        <p:txBody>
+          <a:bodyPr/>
+          <a:lstStyle/>
+          <a:p>
+            <a:r>
+              <a:rPr lang="nl-NL" dirty="0" smtClean="0"/>
+              <a:t>Inhoud</a:t>
+            </a:r>
+            <a:endParaRPr lang="nl-NL" dirty="0"/>
+          </a:p>
+        </p:txBody>
+      </p:sp>
+    </p:spTree>
+    <p:extLst>
+      <p:ext uri="{BB962C8B-B14F-4D97-AF65-F5344CB8AC3E}">
+        <p14:creationId xmlns:p14="http://schemas.microsoft.com/office/powerpoint/2010/main" val="3371422950"/>
+      </p:ext>
+    </p:extLst>
+  </p:cSld>
+  <p:clrMapOvr>
+    <a:masterClrMapping/>
+  </p:clrMapOvr>
+  <mc:AlternateContent xmlns:mc="http://schemas.openxmlformats.org/markup-compatibility/2006" xmlns:p14="http://schemas.microsoft.com/office/powerpoint/2010/main">
+    <mc:Choice Requires="p14">
+      <p:transition spd="slow" p14:dur="2000"/>
+    </mc:Choice>
+    <mc:Fallback xmlns="">
+      <p:transition spd="slow"/>
+    </mc:Fallback>
+  </mc:AlternateContent>
+  <p:timing>
+    <p:tnLst>
+      <p:par>
+        <p:cTn id="1" dur="indefinite" restart="never" nodeType="tmRoot"/>
+      </p:par>
+    </p:tnLst>
+  </p:timing>
+</p:sld>
+</file>
+
+<file path=ppt/slides/slide3.xml><?xml version="1.0" encoding="utf-8"?>
+<p:sld xmlns:a="http://schemas.openxmlformats.org/drawingml/2006/main" xmlns:r="http://schemas.openxmlformats.org/officeDocument/2006/relationships" xmlns:p="http://schemas.openxmlformats.org/presentationml/2006/main">
+  <p:cSld>
+    <p:spTree>
+      <p:nvGrpSpPr>
+        <p:cNvPr id="1" name=""/>
+        <p:cNvGrpSpPr/>
+        <p:nvPr/>
+      </p:nvGrpSpPr>
+      <p:grpSpPr>
+        <a:xfrm>
+          <a:off x="0" y="0"/>
+          <a:ext cx="0" cy="0"/>
+          <a:chOff x="0" y="0"/>
+          <a:chExt cx="0" cy="0"/>
+        </a:xfrm>
+      </p:grpSpPr>
+      <p:sp>
+        <p:nvSpPr>
+          <p:cNvPr id="3" name="Tijdelijke aanduiding voor inhoud 2"/>
+          <p:cNvSpPr>
+            <a:spLocks noGrp="1"/>
+          </p:cNvSpPr>
+          <p:nvPr>
+            <p:ph sz="quarter" idx="13"/>
+          </p:nvPr>
+        </p:nvSpPr>
+        <p:spPr/>
+        <p:txBody>
+          <a:bodyPr/>
+          <a:lstStyle/>
+          <a:p>
+            <a:r>
+              <a:rPr lang="nl-NL" smtClean="0"/>
+              <a:t>Java</a:t>
+            </a:r>
+            <a:endParaRPr lang="nl-NL" dirty="0"/>
+          </a:p>
+        </p:txBody>
+      </p:sp>
+      <p:sp>
+        <p:nvSpPr>
+          <p:cNvPr id="2" name="Titel 1"/>
+          <p:cNvSpPr>
+            <a:spLocks noGrp="1"/>
+          </p:cNvSpPr>
+          <p:nvPr>
+            <p:ph type="title"/>
+          </p:nvPr>
+        </p:nvSpPr>
+        <p:spPr/>
+        <p:txBody>
+          <a:bodyPr/>
+          <a:lstStyle/>
+          <a:p>
+            <a:r>
+              <a:rPr lang="nl-NL" dirty="0" smtClean="0"/>
+              <a:t>Programmeertaal</a:t>
+            </a:r>
+            <a:endParaRPr lang="nl-NL" dirty="0"/>
+          </a:p>
+        </p:txBody>
+      </p:sp>
+    </p:spTree>
+    <p:extLst>
+      <p:ext uri="{BB962C8B-B14F-4D97-AF65-F5344CB8AC3E}">
+        <p14:creationId xmlns:p14="http://schemas.microsoft.com/office/powerpoint/2010/main" val="1936730016"/>
+      </p:ext>
+    </p:extLst>
+  </p:cSld>
+  <p:clrMapOvr>
+    <a:masterClrMapping/>
+  </p:clrMapOvr>
+  <mc:AlternateContent xmlns:mc="http://schemas.openxmlformats.org/markup-compatibility/2006" xmlns:p14="http://schemas.microsoft.com/office/powerpoint/2010/main">
+    <mc:Choice Requires="p14">
+      <p:transition spd="slow" p14:dur="2000"/>
+    </mc:Choice>
+    <mc:Fallback xmlns="">
+      <p:transition spd="slow"/>
+    </mc:Fallback>
+  </mc:AlternateContent>
+  <p:timing>
+    <p:tnLst>
+      <p:par>
+        <p:cTn id="1" dur="indefinite" restart="never" nodeType="tmRoot"/>
+      </p:par>
+    </p:tnLst>
+  </p:timing>
+</p:sld>
+</file>
+
+<file path=ppt/slides/slide4.xml><?xml version="1.0" encoding="utf-8"?>
+<p:sld xmlns:a="http://schemas.openxmlformats.org/drawingml/2006/main" xmlns:r="http://schemas.openxmlformats.org/officeDocument/2006/relationships" xmlns:p="http://schemas.openxmlformats.org/presentationml/2006/main">
+  <p:cSld>
+    <p:spTree>
+      <p:nvGrpSpPr>
+        <p:cNvPr id="1" name=""/>
+        <p:cNvGrpSpPr/>
+        <p:nvPr/>
+      </p:nvGrpSpPr>
+      <p:grpSpPr>
+        <a:xfrm>
+          <a:off x="0" y="0"/>
+          <a:ext cx="0" cy="0"/>
+          <a:chOff x="0" y="0"/>
+          <a:chExt cx="0" cy="0"/>
+        </a:xfrm>
+      </p:grpSpPr>
+      <p:sp>
+        <p:nvSpPr>
+          <p:cNvPr id="3" name="Tijdelijke aanduiding voor inhoud 2"/>
+          <p:cNvSpPr>
+            <a:spLocks noGrp="1"/>
+          </p:cNvSpPr>
+          <p:nvPr>
+            <p:ph sz="quarter" idx="13"/>
+          </p:nvPr>
+        </p:nvSpPr>
+        <p:spPr/>
+        <p:txBody>
+          <a:bodyPr/>
+          <a:lstStyle/>
+          <a:p>
+            <a:r>
+              <a:rPr lang="nl-NL" dirty="0" smtClean="0"/>
+              <a:t>Jos &amp; Rik coderen</a:t>
+            </a:r>
+          </a:p>
+          <a:p>
+            <a:r>
+              <a:rPr lang="nl-NL" dirty="0" err="1" smtClean="0"/>
+              <a:t>Alex</a:t>
+            </a:r>
+            <a:r>
+              <a:rPr lang="nl-NL" dirty="0" smtClean="0"/>
+              <a:t> documentatie</a:t>
+            </a:r>
+            <a:endParaRPr lang="nl-NL" dirty="0"/>
+          </a:p>
+        </p:txBody>
+      </p:sp>
+      <p:sp>
+        <p:nvSpPr>
+          <p:cNvPr id="2" name="Titel 1"/>
+          <p:cNvSpPr>
+            <a:spLocks noGrp="1"/>
+          </p:cNvSpPr>
+          <p:nvPr>
+            <p:ph type="title"/>
+          </p:nvPr>
+        </p:nvSpPr>
+        <p:spPr/>
+        <p:txBody>
+          <a:bodyPr/>
+          <a:lstStyle/>
+          <a:p>
+            <a:r>
+              <a:rPr lang="nl-NL" dirty="0" smtClean="0"/>
+              <a:t>Taakverdeling</a:t>
+            </a:r>
+            <a:endParaRPr lang="nl-NL" dirty="0"/>
+          </a:p>
+        </p:txBody>
+      </p:sp>
+    </p:spTree>
+    <p:extLst>
+      <p:ext uri="{BB962C8B-B14F-4D97-AF65-F5344CB8AC3E}">
+        <p14:creationId xmlns:p14="http://schemas.microsoft.com/office/powerpoint/2010/main" val="3763501289"/>
+      </p:ext>
+    </p:extLst>
+  </p:cSld>
+  <p:clrMapOvr>
+    <a:masterClrMapping/>
+  </p:clrMapOvr>
+  <mc:AlternateContent xmlns:mc="http://schemas.openxmlformats.org/markup-compatibility/2006" xmlns:p14="http://schemas.microsoft.com/office/powerpoint/2010/main">
+    <mc:Choice Requires="p14">
+      <p:transition spd="slow" p14:dur="2000"/>
+    </mc:Choice>
+    <mc:Fallback xmlns="">
+      <p:transition spd="slow"/>
+    </mc:Fallback>
+  </mc:AlternateContent>
+  <p:timing>
+    <p:tnLst>
+      <p:par>
+        <p:cTn id="1" dur="indefinite" restart="never" nodeType="tmRoot"/>
+      </p:par>
+    </p:tnLst>
+  </p:timing>
+</p:sld>
+</file>
+
+<file path=ppt/slides/slide5.xml><?xml version="1.0" encoding="utf-8"?>
+<p:sld xmlns:a="http://schemas.openxmlformats.org/drawingml/2006/main" xmlns:r="http://schemas.openxmlformats.org/officeDocument/2006/relationships" xmlns:p="http://schemas.openxmlformats.org/presentationml/2006/main">
+  <p:cSld>
+    <p:spTree>
+      <p:nvGrpSpPr>
+        <p:cNvPr id="1" name=""/>
+        <p:cNvGrpSpPr/>
+        <p:nvPr/>
+      </p:nvGrpSpPr>
+      <p:grpSpPr>
+        <a:xfrm>
+          <a:off x="0" y="0"/>
+          <a:ext cx="0" cy="0"/>
+          <a:chOff x="0" y="0"/>
+          <a:chExt cx="0" cy="0"/>
+        </a:xfrm>
+      </p:grpSpPr>
+      <p:sp>
+        <p:nvSpPr>
+          <p:cNvPr id="3" name="Tijdelijke aanduiding voor inhoud 2"/>
+          <p:cNvSpPr>
+            <a:spLocks noGrp="1"/>
+          </p:cNvSpPr>
+          <p:nvPr>
+            <p:ph sz="quarter" idx="13"/>
+          </p:nvPr>
+        </p:nvSpPr>
+        <p:spPr/>
+        <p:txBody>
+          <a:bodyPr/>
+          <a:lstStyle/>
+          <a:p>
+            <a:endParaRPr lang="nl-NL"/>
+          </a:p>
+        </p:txBody>
+      </p:sp>
+      <p:sp>
+        <p:nvSpPr>
+          <p:cNvPr id="2" name="Titel 1"/>
+          <p:cNvSpPr>
+            <a:spLocks noGrp="1"/>
+          </p:cNvSpPr>
+          <p:nvPr>
+            <p:ph type="title"/>
+          </p:nvPr>
+        </p:nvSpPr>
+        <p:spPr/>
+        <p:txBody>
+          <a:bodyPr/>
+          <a:lstStyle/>
+          <a:p>
+            <a:r>
+              <a:rPr lang="nl-NL" dirty="0" smtClean="0"/>
+              <a:t>Applicatie/test</a:t>
+            </a:r>
+            <a:endParaRPr lang="nl-NL" dirty="0"/>
+          </a:p>
+        </p:txBody>
+      </p:sp>
+    </p:spTree>
+    <p:extLst>
+      <p:ext uri="{BB962C8B-B14F-4D97-AF65-F5344CB8AC3E}">
+        <p14:creationId xmlns:p14="http://schemas.microsoft.com/office/powerpoint/2010/main" val="2816950234"/>
+      </p:ext>
+    </p:extLst>
+  </p:cSld>
+  <p:clrMapOvr>
+    <a:masterClrMapping/>
+  </p:clrMapOvr>
+  <mc:AlternateContent xmlns:mc="http://schemas.openxmlformats.org/markup-compatibility/2006" xmlns:p14="http://schemas.microsoft.com/office/powerpoint/2010/main">
+    <mc:Choice Requires="p14">
+      <p:transition spd="slow" p14:dur="2000"/>
+    </mc:Choice>
+    <mc:Fallback xmlns="">
+      <p:transition spd="slow"/>
+    </mc:Fallback>
+  </mc:AlternateContent>
+  <p:timing>
+    <p:tnLst>
+      <p:par>
+        <p:cTn id="1" dur="indefinite" restart="never" nodeType="tmRoot"/>
+      </p:par>
+    </p:tnLst>
+  </p:timing>
+</p:sld>
+</file>
+
+<file path=ppt/slides/slide6.xml><?xml version="1.0" encoding="utf-8"?>
+<p:sld xmlns:a="http://schemas.openxmlformats.org/drawingml/2006/main" xmlns:r="http://schemas.openxmlformats.org/officeDocument/2006/relationships" xmlns:p="http://schemas.openxmlformats.org/presentationml/2006/main">
+  <p:cSld>
+    <p:spTree>
+      <p:nvGrpSpPr>
+        <p:cNvPr id="1" name=""/>
+        <p:cNvGrpSpPr/>
+        <p:nvPr/>
+      </p:nvGrpSpPr>
+      <p:grpSpPr>
+        <a:xfrm>
+          <a:off x="0" y="0"/>
+          <a:ext cx="0" cy="0"/>
+          <a:chOff x="0" y="0"/>
+          <a:chExt cx="0" cy="0"/>
+        </a:xfrm>
+      </p:grpSpPr>
+      <p:sp>
+        <p:nvSpPr>
+          <p:cNvPr id="2" name="Tijdelijke aanduiding voor inhoud 1"/>
+          <p:cNvSpPr>
+            <a:spLocks noGrp="1"/>
+          </p:cNvSpPr>
+          <p:nvPr>
+            <p:ph sz="quarter" idx="13"/>
+          </p:nvPr>
+        </p:nvSpPr>
+        <p:spPr/>
+        <p:txBody>
+          <a:bodyPr/>
+          <a:lstStyle/>
+          <a:p>
+            <a:endParaRPr lang="nl-NL" dirty="0"/>
+          </a:p>
+        </p:txBody>
+      </p:sp>
+      <p:sp>
+        <p:nvSpPr>
+          <p:cNvPr id="3" name="Titel 2"/>
+          <p:cNvSpPr>
+            <a:spLocks noGrp="1"/>
+          </p:cNvSpPr>
+          <p:nvPr>
+            <p:ph type="title"/>
+          </p:nvPr>
+        </p:nvSpPr>
+        <p:spPr/>
+        <p:txBody>
+          <a:bodyPr/>
+          <a:lstStyle/>
+          <a:p>
+            <a:r>
+              <a:rPr lang="nl-NL" dirty="0"/>
+              <a:t>S</a:t>
+            </a:r>
+            <a:r>
+              <a:rPr lang="nl-NL" dirty="0" smtClean="0"/>
+              <a:t>chermen</a:t>
+            </a:r>
+            <a:endParaRPr lang="nl-NL" dirty="0"/>
+          </a:p>
+        </p:txBody>
+      </p:sp>
+    </p:spTree>
+    <p:extLst>
+      <p:ext uri="{BB962C8B-B14F-4D97-AF65-F5344CB8AC3E}">
+        <p14:creationId xmlns:p14="http://schemas.microsoft.com/office/powerpoint/2010/main" val="2246078019"/>
+      </p:ext>
+    </p:extLst>
+  </p:cSld>
+  <p:clrMapOvr>
+    <a:masterClrMapping/>
+  </p:clrMapOvr>
+  <p:timing>
+    <p:tnLst>
+      <p:par>
+        <p:cTn id="1" dur="indefinite" restart="never" nodeType="tmRoot"/>
+      </p:par>
+    </p:tnLst>
+  </p:timing>
+</p:sld>
+</file>
+
+<file path=ppt/slides/slide7.xml><?xml version="1.0" encoding="utf-8"?>
+<p:sld xmlns:a="http://schemas.openxmlformats.org/drawingml/2006/main" xmlns:r="http://schemas.openxmlformats.org/officeDocument/2006/relationships" xmlns:p="http://schemas.openxmlformats.org/presentationml/2006/main">
+  <p:cSld>
+    <p:spTree>
+      <p:nvGrpSpPr>
+        <p:cNvPr id="1" name=""/>
+        <p:cNvGrpSpPr/>
+        <p:nvPr/>
+      </p:nvGrpSpPr>
+      <p:grpSpPr>
+        <a:xfrm>
+          <a:off x="0" y="0"/>
+          <a:ext cx="0" cy="0"/>
+          <a:chOff x="0" y="0"/>
+          <a:chExt cx="0" cy="0"/>
+        </a:xfrm>
+      </p:grpSpPr>
+      <p:sp>
+        <p:nvSpPr>
+          <p:cNvPr id="2" name="Tijdelijke aanduiding voor inhoud 1"/>
+          <p:cNvSpPr>
+            <a:spLocks noGrp="1"/>
+          </p:cNvSpPr>
+          <p:nvPr>
+            <p:ph sz="quarter" idx="13"/>
+          </p:nvPr>
+        </p:nvSpPr>
+        <p:spPr/>
+        <p:txBody>
+          <a:bodyPr/>
+          <a:lstStyle/>
+          <a:p>
+            <a:pPr marL="285750" indent="-285750">
+              <a:buFont typeface="Arial" charset="0"/>
+              <a:buChar char="•"/>
+            </a:pPr>
+            <a:r>
+              <a:rPr lang="nl-NL" dirty="0" smtClean="0"/>
+              <a:t>Doorverwezen naar hoofdscherm</a:t>
+            </a:r>
+          </a:p>
+          <a:p>
+            <a:pPr marL="285750" indent="-285750">
+              <a:buFont typeface="Arial" charset="0"/>
+              <a:buChar char="•"/>
+            </a:pPr>
+            <a:r>
+              <a:rPr lang="nl-NL" dirty="0" smtClean="0"/>
+              <a:t>Verbinding mislukt </a:t>
+            </a:r>
+          </a:p>
+          <a:p>
+            <a:pPr marL="285750" indent="-285750">
+              <a:buFont typeface="Arial" charset="0"/>
+              <a:buChar char="•"/>
+            </a:pPr>
+            <a:r>
+              <a:rPr lang="nl-NL" dirty="0" smtClean="0"/>
+              <a:t>Combinatie fout  </a:t>
+            </a:r>
+            <a:endParaRPr lang="nl-NL" dirty="0"/>
+          </a:p>
+        </p:txBody>
+      </p:sp>
+      <p:sp>
+        <p:nvSpPr>
+          <p:cNvPr id="3" name="Titel 2"/>
+          <p:cNvSpPr>
+            <a:spLocks noGrp="1"/>
+          </p:cNvSpPr>
+          <p:nvPr>
+            <p:ph type="title"/>
+          </p:nvPr>
+        </p:nvSpPr>
+        <p:spPr/>
+        <p:txBody>
+          <a:bodyPr/>
+          <a:lstStyle/>
+          <a:p>
+            <a:r>
+              <a:rPr lang="nl-NL" dirty="0" smtClean="0"/>
+              <a:t>Loginscherm</a:t>
+            </a:r>
+            <a:endParaRPr lang="nl-NL" dirty="0"/>
+          </a:p>
+        </p:txBody>
+      </p:sp>
+    </p:spTree>
+    <p:extLst>
+      <p:ext uri="{BB962C8B-B14F-4D97-AF65-F5344CB8AC3E}">
+        <p14:creationId xmlns:p14="http://schemas.microsoft.com/office/powerpoint/2010/main" val="1715518500"/>
+      </p:ext>
+    </p:extLst>
+  </p:cSld>
+  <p:clrMapOvr>
+    <a:masterClrMapping/>
+  </p:clrMapOvr>
+  <p:timing>
+    <p:tnLst>
+      <p:par>
+        <p:cTn id="1" dur="indefinite" restart="never" nodeType="tmRoot"/>
+      </p:par>
+    </p:tnLst>
+  </p:timing>
+</p:sld>
+</file>
+
+<file path=ppt/slides/slide8.xml><?xml version="1.0" encoding="utf-8"?>
 <p:sld xmlns:a="http://schemas.openxmlformats.org/drawingml/2006/main" xmlns:r="http://schemas.openxmlformats.org/officeDocument/2006/relationships" xmlns:p="http://schemas.openxmlformats.org/presentationml/2006/main">
   <p:cSld>
     <p:spTree>
@@ -4202,1311 +5594,13 @@
   <p:clrMapOvr>
     <a:masterClrMapping/>
   </p:clrMapOvr>
-</p:sld>
-</file>
-
-<file path=ppt/slides/slide11.xml><?xml version="1.0" encoding="utf-8"?>
-<p:sld xmlns:a="http://schemas.openxmlformats.org/drawingml/2006/main" xmlns:r="http://schemas.openxmlformats.org/officeDocument/2006/relationships" xmlns:p="http://schemas.openxmlformats.org/presentationml/2006/main">
-  <p:cSld>
-    <p:spTree>
-      <p:nvGrpSpPr>
-        <p:cNvPr id="1" name=""/>
-        <p:cNvGrpSpPr/>
-        <p:nvPr/>
-      </p:nvGrpSpPr>
-      <p:grpSpPr>
-        <a:xfrm>
-          <a:off x="0" y="0"/>
-          <a:ext cx="0" cy="0"/>
-          <a:chOff x="0" y="0"/>
-          <a:chExt cx="0" cy="0"/>
-        </a:xfrm>
-      </p:grpSpPr>
-      <p:sp>
-        <p:nvSpPr>
-          <p:cNvPr id="2" name="Tijdelijke aanduiding voor inhoud 1"/>
-          <p:cNvSpPr>
-            <a:spLocks noGrp="1"/>
-          </p:cNvSpPr>
-          <p:nvPr>
-            <p:ph sz="quarter" idx="13"/>
-          </p:nvPr>
-        </p:nvSpPr>
-        <p:spPr/>
-        <p:txBody>
-          <a:bodyPr/>
-          <a:lstStyle/>
-          <a:p>
-            <a:pPr marL="285750" indent="-285750">
-              <a:buFont typeface="Arial" charset="0"/>
-              <a:buChar char="•"/>
-            </a:pPr>
-            <a:r>
-              <a:rPr lang="nl-NL" dirty="0"/>
-              <a:t>C</a:t>
-            </a:r>
-            <a:r>
-              <a:rPr lang="nl-NL" dirty="0" smtClean="0"/>
-              <a:t>ontact kiezen</a:t>
-            </a:r>
-          </a:p>
-          <a:p>
-            <a:pPr marL="285750" indent="-285750">
-              <a:buFont typeface="Arial" charset="0"/>
-              <a:buChar char="•"/>
-            </a:pPr>
-            <a:r>
-              <a:rPr lang="nl-NL" dirty="0"/>
-              <a:t>I</a:t>
-            </a:r>
-            <a:r>
-              <a:rPr lang="nl-NL" dirty="0" smtClean="0"/>
-              <a:t>nformatie contact</a:t>
-            </a:r>
-          </a:p>
-          <a:p>
-            <a:pPr marL="285750" indent="-285750">
-              <a:buFont typeface="Arial" charset="0"/>
-              <a:buChar char="•"/>
-            </a:pPr>
-            <a:r>
-              <a:rPr lang="nl-NL" dirty="0" smtClean="0"/>
-              <a:t>Nieuw contact/ contact verwijderen</a:t>
-            </a:r>
-          </a:p>
-          <a:p>
-            <a:pPr marL="285750" indent="-285750">
-              <a:buFont typeface="Arial" charset="0"/>
-              <a:buChar char="•"/>
-            </a:pPr>
-            <a:r>
-              <a:rPr lang="nl-NL" dirty="0" smtClean="0"/>
-              <a:t>Gegroepeerd </a:t>
-            </a:r>
-          </a:p>
-          <a:p>
-            <a:pPr marL="285750" indent="-285750">
-              <a:buFont typeface="Arial" charset="0"/>
-              <a:buChar char="•"/>
-            </a:pPr>
-            <a:r>
-              <a:rPr lang="nl-NL" dirty="0" smtClean="0"/>
-              <a:t>Afmelden</a:t>
-            </a:r>
-          </a:p>
-        </p:txBody>
-      </p:sp>
-      <p:sp>
-        <p:nvSpPr>
-          <p:cNvPr id="3" name="Titel 2"/>
-          <p:cNvSpPr>
-            <a:spLocks noGrp="1"/>
-          </p:cNvSpPr>
-          <p:nvPr>
-            <p:ph type="title"/>
-          </p:nvPr>
-        </p:nvSpPr>
-        <p:spPr/>
-        <p:txBody>
-          <a:bodyPr/>
-          <a:lstStyle/>
-          <a:p>
-            <a:r>
-              <a:rPr lang="nl-NL" dirty="0" smtClean="0"/>
-              <a:t>Hoofdscherm</a:t>
-            </a:r>
-            <a:endParaRPr lang="nl-NL" dirty="0"/>
-          </a:p>
-        </p:txBody>
-      </p:sp>
-    </p:spTree>
-    <p:extLst>
-      <p:ext uri="{BB962C8B-B14F-4D97-AF65-F5344CB8AC3E}">
-        <p14:creationId xmlns:p14="http://schemas.microsoft.com/office/powerpoint/2010/main" val="1592528199"/>
-      </p:ext>
-    </p:extLst>
-  </p:cSld>
-  <p:clrMapOvr>
-    <a:masterClrMapping/>
-  </p:clrMapOvr>
-</p:sld>
-</file>
-
-<file path=ppt/slides/slide12.xml><?xml version="1.0" encoding="utf-8"?>
-<p:sld xmlns:a="http://schemas.openxmlformats.org/drawingml/2006/main" xmlns:r="http://schemas.openxmlformats.org/officeDocument/2006/relationships" xmlns:p="http://schemas.openxmlformats.org/presentationml/2006/main">
-  <p:cSld>
-    <p:spTree>
-      <p:nvGrpSpPr>
-        <p:cNvPr id="1" name=""/>
-        <p:cNvGrpSpPr/>
-        <p:nvPr/>
-      </p:nvGrpSpPr>
-      <p:grpSpPr>
-        <a:xfrm>
-          <a:off x="0" y="0"/>
-          <a:ext cx="0" cy="0"/>
-          <a:chOff x="0" y="0"/>
-          <a:chExt cx="0" cy="0"/>
-        </a:xfrm>
-      </p:grpSpPr>
-      <p:sp>
-        <p:nvSpPr>
-          <p:cNvPr id="3" name="Titel 2"/>
-          <p:cNvSpPr>
-            <a:spLocks noGrp="1"/>
-          </p:cNvSpPr>
-          <p:nvPr>
-            <p:ph type="title"/>
-          </p:nvPr>
-        </p:nvSpPr>
-        <p:spPr/>
-        <p:txBody>
-          <a:bodyPr/>
-          <a:lstStyle/>
-          <a:p>
-            <a:r>
-              <a:rPr lang="nl-NL" dirty="0" smtClean="0"/>
-              <a:t>Hoofdscherm</a:t>
-            </a:r>
-            <a:endParaRPr lang="nl-NL" dirty="0"/>
-          </a:p>
-        </p:txBody>
-      </p:sp>
-      <p:pic>
-        <p:nvPicPr>
-          <p:cNvPr id="2050" name="Picture 2"/>
-          <p:cNvPicPr>
-            <a:picLocks noGrp="1" noChangeAspect="1" noChangeArrowheads="1"/>
-          </p:cNvPicPr>
-          <p:nvPr>
-            <p:ph sz="quarter" idx="13"/>
-          </p:nvPr>
-        </p:nvPicPr>
-        <p:blipFill>
-          <a:blip r:embed="rId2">
-            <a:extLst>
-              <a:ext uri="{28A0092B-C50C-407E-A947-70E740481C1C}">
-                <a14:useLocalDpi xmlns:a14="http://schemas.microsoft.com/office/drawing/2010/main" val="0"/>
-              </a:ext>
-            </a:extLst>
-          </a:blip>
-          <a:srcRect/>
-          <a:stretch>
-            <a:fillRect/>
-          </a:stretch>
-        </p:blipFill>
-        <p:spPr bwMode="auto">
-          <a:xfrm>
-            <a:off x="352425" y="1616162"/>
-            <a:ext cx="8324031" cy="4765166"/>
-          </a:xfrm>
-          <a:prstGeom prst="rect">
-            <a:avLst/>
-          </a:prstGeom>
-          <a:noFill/>
-          <a:ln>
-            <a:noFill/>
-          </a:ln>
-          <a:effectLst/>
-          <a:extLst>
-            <a:ext uri="{909E8E84-426E-40DD-AFC4-6F175D3DCCD1}">
-              <a14:hiddenFill xmlns:a14="http://schemas.microsoft.com/office/drawing/2010/main">
-                <a:solidFill>
-                  <a:schemeClr val="accent1"/>
-                </a:solidFill>
-              </a14:hiddenFill>
-            </a:ext>
-            <a:ext uri="{91240B29-F687-4F45-9708-019B960494DF}">
-              <a14:hiddenLine xmlns:a14="http://schemas.microsoft.com/office/drawing/2010/main" w="9525">
-                <a:solidFill>
-                  <a:schemeClr val="tx1"/>
-                </a:solidFill>
-                <a:miter lim="800000"/>
-                <a:headEnd/>
-                <a:tailEnd/>
-              </a14:hiddenLine>
-            </a:ext>
-            <a:ext uri="{AF507438-7753-43E0-B8FC-AC1667EBCBE1}">
-              <a14:hiddenEffects xmlns:a14="http://schemas.microsoft.com/office/drawing/2010/main">
-                <a:effectLst>
-                  <a:outerShdw dist="35921" dir="2700000" algn="ctr" rotWithShape="0">
-                    <a:schemeClr val="bg2"/>
-                  </a:outerShdw>
-                </a:effectLst>
-              </a14:hiddenEffects>
-            </a:ext>
-          </a:extLst>
-        </p:spPr>
-      </p:pic>
-    </p:spTree>
-    <p:extLst>
-      <p:ext uri="{BB962C8B-B14F-4D97-AF65-F5344CB8AC3E}">
-        <p14:creationId xmlns:p14="http://schemas.microsoft.com/office/powerpoint/2010/main" val="739801519"/>
-      </p:ext>
-    </p:extLst>
-  </p:cSld>
-  <p:clrMapOvr>
-    <a:masterClrMapping/>
-  </p:clrMapOvr>
-</p:sld>
-</file>
-
-<file path=ppt/slides/slide13.xml><?xml version="1.0" encoding="utf-8"?>
-<p:sld xmlns:a="http://schemas.openxmlformats.org/drawingml/2006/main" xmlns:r="http://schemas.openxmlformats.org/officeDocument/2006/relationships" xmlns:p="http://schemas.openxmlformats.org/presentationml/2006/main">
-  <p:cSld>
-    <p:spTree>
-      <p:nvGrpSpPr>
-        <p:cNvPr id="1" name=""/>
-        <p:cNvGrpSpPr/>
-        <p:nvPr/>
-      </p:nvGrpSpPr>
-      <p:grpSpPr>
-        <a:xfrm>
-          <a:off x="0" y="0"/>
-          <a:ext cx="0" cy="0"/>
-          <a:chOff x="0" y="0"/>
-          <a:chExt cx="0" cy="0"/>
-        </a:xfrm>
-      </p:grpSpPr>
-      <p:sp>
-        <p:nvSpPr>
-          <p:cNvPr id="2" name="Tijdelijke aanduiding voor inhoud 1"/>
-          <p:cNvSpPr>
-            <a:spLocks noGrp="1"/>
-          </p:cNvSpPr>
-          <p:nvPr>
-            <p:ph sz="quarter" idx="13"/>
-          </p:nvPr>
-        </p:nvSpPr>
-        <p:spPr/>
-        <p:txBody>
-          <a:bodyPr/>
-          <a:lstStyle/>
-          <a:p>
-            <a:pPr marL="285750" indent="-285750">
-              <a:buFont typeface="Arial" charset="0"/>
-              <a:buChar char="•"/>
-            </a:pPr>
-            <a:r>
-              <a:rPr lang="nl-NL" smtClean="0"/>
-              <a:t>Contactgegevens invoeren</a:t>
-            </a:r>
-          </a:p>
-          <a:p>
-            <a:pPr marL="285750" indent="-285750">
-              <a:buFont typeface="Arial" charset="0"/>
-              <a:buChar char="•"/>
-            </a:pPr>
-            <a:endParaRPr lang="nl-NL" dirty="0"/>
-          </a:p>
-        </p:txBody>
-      </p:sp>
-      <p:sp>
-        <p:nvSpPr>
-          <p:cNvPr id="3" name="Titel 2"/>
-          <p:cNvSpPr>
-            <a:spLocks noGrp="1"/>
-          </p:cNvSpPr>
-          <p:nvPr>
-            <p:ph type="title"/>
-          </p:nvPr>
-        </p:nvSpPr>
-        <p:spPr/>
-        <p:txBody>
-          <a:bodyPr/>
-          <a:lstStyle/>
-          <a:p>
-            <a:r>
-              <a:rPr lang="nl-NL" dirty="0" smtClean="0"/>
-              <a:t>Nieuw contact </a:t>
-            </a:r>
-            <a:endParaRPr lang="nl-NL" dirty="0"/>
-          </a:p>
-        </p:txBody>
-      </p:sp>
-    </p:spTree>
-    <p:extLst>
-      <p:ext uri="{BB962C8B-B14F-4D97-AF65-F5344CB8AC3E}">
-        <p14:creationId xmlns:p14="http://schemas.microsoft.com/office/powerpoint/2010/main" val="3725219130"/>
-      </p:ext>
-    </p:extLst>
-  </p:cSld>
-  <p:clrMapOvr>
-    <a:masterClrMapping/>
-  </p:clrMapOvr>
-</p:sld>
-</file>
-
-<file path=ppt/slides/slide14.xml><?xml version="1.0" encoding="utf-8"?>
-<p:sld xmlns:a="http://schemas.openxmlformats.org/drawingml/2006/main" xmlns:r="http://schemas.openxmlformats.org/officeDocument/2006/relationships" xmlns:p="http://schemas.openxmlformats.org/presentationml/2006/main">
-  <p:cSld>
-    <p:spTree>
-      <p:nvGrpSpPr>
-        <p:cNvPr id="1" name=""/>
-        <p:cNvGrpSpPr/>
-        <p:nvPr/>
-      </p:nvGrpSpPr>
-      <p:grpSpPr>
-        <a:xfrm>
-          <a:off x="0" y="0"/>
-          <a:ext cx="0" cy="0"/>
-          <a:chOff x="0" y="0"/>
-          <a:chExt cx="0" cy="0"/>
-        </a:xfrm>
-      </p:grpSpPr>
-      <p:sp>
-        <p:nvSpPr>
-          <p:cNvPr id="3" name="Titel 2"/>
-          <p:cNvSpPr>
-            <a:spLocks noGrp="1"/>
-          </p:cNvSpPr>
-          <p:nvPr>
-            <p:ph type="title"/>
-          </p:nvPr>
-        </p:nvSpPr>
-        <p:spPr/>
-        <p:txBody>
-          <a:bodyPr/>
-          <a:lstStyle/>
-          <a:p>
-            <a:r>
-              <a:rPr lang="nl-NL" dirty="0" smtClean="0"/>
-              <a:t>Nieuw contact</a:t>
-            </a:r>
-            <a:endParaRPr lang="nl-NL" dirty="0"/>
-          </a:p>
-        </p:txBody>
-      </p:sp>
-      <p:pic>
-        <p:nvPicPr>
-          <p:cNvPr id="4098" name="Picture 2"/>
-          <p:cNvPicPr>
-            <a:picLocks noGrp="1" noChangeAspect="1" noChangeArrowheads="1"/>
-          </p:cNvPicPr>
-          <p:nvPr>
-            <p:ph sz="quarter" idx="13"/>
-          </p:nvPr>
-        </p:nvPicPr>
-        <p:blipFill>
-          <a:blip r:embed="rId2">
-            <a:extLst>
-              <a:ext uri="{28A0092B-C50C-407E-A947-70E740481C1C}">
-                <a14:useLocalDpi xmlns:a14="http://schemas.microsoft.com/office/drawing/2010/main" val="0"/>
-              </a:ext>
-            </a:extLst>
-          </a:blip>
-          <a:srcRect/>
-          <a:stretch>
-            <a:fillRect/>
-          </a:stretch>
-        </p:blipFill>
-        <p:spPr bwMode="auto">
-          <a:xfrm>
-            <a:off x="1763688" y="1700808"/>
-            <a:ext cx="5760640" cy="4438602"/>
-          </a:xfrm>
-          <a:prstGeom prst="rect">
-            <a:avLst/>
-          </a:prstGeom>
-          <a:noFill/>
-          <a:ln>
-            <a:noFill/>
-          </a:ln>
-          <a:effectLst/>
-          <a:extLst>
-            <a:ext uri="{909E8E84-426E-40DD-AFC4-6F175D3DCCD1}">
-              <a14:hiddenFill xmlns:a14="http://schemas.microsoft.com/office/drawing/2010/main">
-                <a:solidFill>
-                  <a:schemeClr val="accent1"/>
-                </a:solidFill>
-              </a14:hiddenFill>
-            </a:ext>
-            <a:ext uri="{91240B29-F687-4F45-9708-019B960494DF}">
-              <a14:hiddenLine xmlns:a14="http://schemas.microsoft.com/office/drawing/2010/main" w="9525">
-                <a:solidFill>
-                  <a:schemeClr val="tx1"/>
-                </a:solidFill>
-                <a:miter lim="800000"/>
-                <a:headEnd/>
-                <a:tailEnd/>
-              </a14:hiddenLine>
-            </a:ext>
-            <a:ext uri="{AF507438-7753-43E0-B8FC-AC1667EBCBE1}">
-              <a14:hiddenEffects xmlns:a14="http://schemas.microsoft.com/office/drawing/2010/main">
-                <a:effectLst>
-                  <a:outerShdw dist="35921" dir="2700000" algn="ctr" rotWithShape="0">
-                    <a:schemeClr val="bg2"/>
-                  </a:outerShdw>
-                </a:effectLst>
-              </a14:hiddenEffects>
-            </a:ext>
-          </a:extLst>
-        </p:spPr>
-      </p:pic>
-    </p:spTree>
-    <p:extLst>
-      <p:ext uri="{BB962C8B-B14F-4D97-AF65-F5344CB8AC3E}">
-        <p14:creationId xmlns:p14="http://schemas.microsoft.com/office/powerpoint/2010/main" val="2116171200"/>
-      </p:ext>
-    </p:extLst>
-  </p:cSld>
-  <p:clrMapOvr>
-    <a:masterClrMapping/>
-  </p:clrMapOvr>
-</p:sld>
-</file>
-
-<file path=ppt/slides/slide15.xml><?xml version="1.0" encoding="utf-8"?>
-<p:sld xmlns:a="http://schemas.openxmlformats.org/drawingml/2006/main" xmlns:r="http://schemas.openxmlformats.org/officeDocument/2006/relationships" xmlns:p="http://schemas.openxmlformats.org/presentationml/2006/main">
-  <p:cSld>
-    <p:spTree>
-      <p:nvGrpSpPr>
-        <p:cNvPr id="1" name=""/>
-        <p:cNvGrpSpPr/>
-        <p:nvPr/>
-      </p:nvGrpSpPr>
-      <p:grpSpPr>
-        <a:xfrm>
-          <a:off x="0" y="0"/>
-          <a:ext cx="0" cy="0"/>
-          <a:chOff x="0" y="0"/>
-          <a:chExt cx="0" cy="0"/>
-        </a:xfrm>
-      </p:grpSpPr>
-      <p:sp>
-        <p:nvSpPr>
-          <p:cNvPr id="3" name="Tijdelijke aanduiding voor inhoud 2"/>
-          <p:cNvSpPr>
-            <a:spLocks noGrp="1"/>
-          </p:cNvSpPr>
-          <p:nvPr>
-            <p:ph sz="quarter" idx="13"/>
-          </p:nvPr>
-        </p:nvSpPr>
-        <p:spPr/>
-        <p:txBody>
-          <a:bodyPr/>
-          <a:lstStyle/>
-          <a:p>
-            <a:r>
-              <a:rPr lang="nl-NL" dirty="0" smtClean="0"/>
-              <a:t>Niet echt problemen gehad</a:t>
-            </a:r>
-            <a:endParaRPr lang="nl-NL" dirty="0"/>
-          </a:p>
-        </p:txBody>
-      </p:sp>
-      <p:sp>
-        <p:nvSpPr>
-          <p:cNvPr id="2" name="Titel 1"/>
-          <p:cNvSpPr>
-            <a:spLocks noGrp="1"/>
-          </p:cNvSpPr>
-          <p:nvPr>
-            <p:ph type="title"/>
-          </p:nvPr>
-        </p:nvSpPr>
-        <p:spPr/>
-        <p:txBody>
-          <a:bodyPr/>
-          <a:lstStyle/>
-          <a:p>
-            <a:r>
-              <a:rPr lang="nl-NL" dirty="0" smtClean="0"/>
-              <a:t>Problemen</a:t>
-            </a:r>
-            <a:endParaRPr lang="nl-NL" dirty="0"/>
-          </a:p>
-        </p:txBody>
-      </p:sp>
-    </p:spTree>
-    <p:extLst>
-      <p:ext uri="{BB962C8B-B14F-4D97-AF65-F5344CB8AC3E}">
-        <p14:creationId xmlns:p14="http://schemas.microsoft.com/office/powerpoint/2010/main" val="3006868582"/>
-      </p:ext>
-    </p:extLst>
-  </p:cSld>
-  <p:clrMapOvr>
-    <a:masterClrMapping/>
-  </p:clrMapOvr>
-  <mc:AlternateContent xmlns:mc="http://schemas.openxmlformats.org/markup-compatibility/2006" xmlns:p14="http://schemas.microsoft.com/office/powerpoint/2010/main">
-    <mc:Choice Requires="p14">
-      <p:transition spd="slow" p14:dur="2000"/>
-    </mc:Choice>
-    <mc:Fallback xmlns="">
-      <p:transition spd="slow"/>
-    </mc:Fallback>
-  </mc:AlternateContent>
-</p:sld>
-</file>
-
-<file path=ppt/slides/slide16.xml><?xml version="1.0" encoding="utf-8"?>
-<p:sld xmlns:a="http://schemas.openxmlformats.org/drawingml/2006/main" xmlns:r="http://schemas.openxmlformats.org/officeDocument/2006/relationships" xmlns:p="http://schemas.openxmlformats.org/presentationml/2006/main">
-  <p:cSld>
-    <p:spTree>
-      <p:nvGrpSpPr>
-        <p:cNvPr id="1" name=""/>
-        <p:cNvGrpSpPr/>
-        <p:nvPr/>
-      </p:nvGrpSpPr>
-      <p:grpSpPr>
-        <a:xfrm>
-          <a:off x="0" y="0"/>
-          <a:ext cx="0" cy="0"/>
-          <a:chOff x="0" y="0"/>
-          <a:chExt cx="0" cy="0"/>
-        </a:xfrm>
-      </p:grpSpPr>
-      <p:sp>
-        <p:nvSpPr>
-          <p:cNvPr id="3" name="Tijdelijke aanduiding voor inhoud 2"/>
-          <p:cNvSpPr>
-            <a:spLocks noGrp="1"/>
-          </p:cNvSpPr>
-          <p:nvPr>
-            <p:ph sz="quarter" idx="13"/>
-          </p:nvPr>
-        </p:nvSpPr>
-        <p:spPr/>
-        <p:txBody>
-          <a:bodyPr/>
-          <a:lstStyle/>
-          <a:p>
-            <a:endParaRPr lang="nl-NL"/>
-          </a:p>
-        </p:txBody>
-      </p:sp>
-      <p:sp>
-        <p:nvSpPr>
-          <p:cNvPr id="2" name="Titel 1"/>
-          <p:cNvSpPr>
-            <a:spLocks noGrp="1"/>
-          </p:cNvSpPr>
-          <p:nvPr>
-            <p:ph type="title"/>
-          </p:nvPr>
-        </p:nvSpPr>
-        <p:spPr/>
-        <p:txBody>
-          <a:bodyPr/>
-          <a:lstStyle/>
-          <a:p>
-            <a:r>
-              <a:rPr lang="nl-NL" dirty="0" smtClean="0"/>
-              <a:t>Vragen</a:t>
-            </a:r>
-            <a:endParaRPr lang="nl-NL" dirty="0"/>
-          </a:p>
-        </p:txBody>
-      </p:sp>
-    </p:spTree>
-    <p:extLst>
-      <p:ext uri="{BB962C8B-B14F-4D97-AF65-F5344CB8AC3E}">
-        <p14:creationId xmlns:p14="http://schemas.microsoft.com/office/powerpoint/2010/main" val="473067779"/>
-      </p:ext>
-    </p:extLst>
-  </p:cSld>
-  <p:clrMapOvr>
-    <a:masterClrMapping/>
-  </p:clrMapOvr>
-  <mc:AlternateContent xmlns:mc="http://schemas.openxmlformats.org/markup-compatibility/2006" xmlns:p14="http://schemas.microsoft.com/office/powerpoint/2010/main">
-    <mc:Choice Requires="p14">
-      <p:transition spd="slow" p14:dur="2000"/>
-    </mc:Choice>
-    <mc:Fallback xmlns="">
-      <p:transition spd="slow"/>
-    </mc:Fallback>
-  </mc:AlternateContent>
-</p:sld>
-</file>
-
-<file path=ppt/slides/slide2.xml><?xml version="1.0" encoding="utf-8"?>
-<p:sld xmlns:a="http://schemas.openxmlformats.org/drawingml/2006/main" xmlns:r="http://schemas.openxmlformats.org/officeDocument/2006/relationships" xmlns:p="http://schemas.openxmlformats.org/presentationml/2006/main">
-  <p:cSld>
-    <p:spTree>
-      <p:nvGrpSpPr>
-        <p:cNvPr id="1" name=""/>
-        <p:cNvGrpSpPr/>
-        <p:nvPr/>
-      </p:nvGrpSpPr>
-      <p:grpSpPr>
-        <a:xfrm>
-          <a:off x="0" y="0"/>
-          <a:ext cx="0" cy="0"/>
-          <a:chOff x="0" y="0"/>
-          <a:chExt cx="0" cy="0"/>
-        </a:xfrm>
-      </p:grpSpPr>
-      <p:sp>
-        <p:nvSpPr>
-          <p:cNvPr id="3" name="Tijdelijke aanduiding voor inhoud 2"/>
-          <p:cNvSpPr>
-            <a:spLocks noGrp="1"/>
-          </p:cNvSpPr>
-          <p:nvPr>
-            <p:ph sz="quarter" idx="13"/>
-          </p:nvPr>
-        </p:nvSpPr>
-        <p:spPr/>
-        <p:txBody>
-          <a:bodyPr/>
-          <a:lstStyle/>
-          <a:p>
-            <a:r>
-              <a:rPr lang="nl-NL" dirty="0" smtClean="0"/>
-              <a:t>- Programmeertaal </a:t>
-            </a:r>
-            <a:endParaRPr lang="nl-NL" dirty="0" smtClean="0"/>
-          </a:p>
-          <a:p>
-            <a:r>
-              <a:rPr lang="nl-NL" dirty="0" smtClean="0"/>
-              <a:t>- Taakverdeling </a:t>
-            </a:r>
-            <a:endParaRPr lang="nl-NL" dirty="0"/>
-          </a:p>
-          <a:p>
-            <a:r>
-              <a:rPr lang="nl-NL" dirty="0" smtClean="0"/>
-              <a:t>- Applicatie/test</a:t>
-            </a:r>
-          </a:p>
-          <a:p>
-            <a:r>
-              <a:rPr lang="nl-NL" dirty="0" smtClean="0"/>
-              <a:t>- Schermen</a:t>
-            </a:r>
-          </a:p>
-          <a:p>
-            <a:r>
-              <a:rPr lang="nl-NL" dirty="0" smtClean="0"/>
-              <a:t>- </a:t>
-            </a:r>
-            <a:r>
-              <a:rPr lang="nl-NL" dirty="0" err="1" smtClean="0"/>
-              <a:t>Admin</a:t>
-            </a:r>
-            <a:endParaRPr lang="nl-NL" dirty="0" smtClean="0"/>
-          </a:p>
-          <a:p>
-            <a:r>
-              <a:rPr lang="nl-NL" dirty="0" smtClean="0"/>
-              <a:t>- Loginscherm</a:t>
-            </a:r>
-          </a:p>
-          <a:p>
-            <a:r>
-              <a:rPr lang="nl-NL" dirty="0" smtClean="0"/>
-              <a:t>- Hoofdscherm</a:t>
-            </a:r>
-          </a:p>
-          <a:p>
-            <a:r>
-              <a:rPr lang="nl-NL" dirty="0" smtClean="0"/>
-              <a:t>- Nieuw Contact</a:t>
-            </a:r>
-            <a:endParaRPr lang="nl-NL" dirty="0" smtClean="0"/>
-          </a:p>
-          <a:p>
-            <a:r>
-              <a:rPr lang="nl-NL" dirty="0" smtClean="0"/>
-              <a:t>- Problemen </a:t>
-            </a:r>
-            <a:endParaRPr lang="nl-NL" dirty="0" smtClean="0"/>
-          </a:p>
-          <a:p>
-            <a:r>
-              <a:rPr lang="nl-NL" smtClean="0"/>
-              <a:t>- Vragen </a:t>
-            </a:r>
-            <a:endParaRPr lang="nl-NL" dirty="0"/>
-          </a:p>
-        </p:txBody>
-      </p:sp>
-      <p:sp>
-        <p:nvSpPr>
-          <p:cNvPr id="2" name="Titel 1"/>
-          <p:cNvSpPr>
-            <a:spLocks noGrp="1"/>
-          </p:cNvSpPr>
-          <p:nvPr>
-            <p:ph type="title"/>
-          </p:nvPr>
-        </p:nvSpPr>
-        <p:spPr/>
-        <p:txBody>
-          <a:bodyPr/>
-          <a:lstStyle/>
-          <a:p>
-            <a:r>
-              <a:rPr lang="nl-NL" dirty="0" smtClean="0"/>
-              <a:t>Inhoud</a:t>
-            </a:r>
-            <a:endParaRPr lang="nl-NL" dirty="0"/>
-          </a:p>
-        </p:txBody>
-      </p:sp>
-    </p:spTree>
-    <p:extLst>
-      <p:ext uri="{BB962C8B-B14F-4D97-AF65-F5344CB8AC3E}">
-        <p14:creationId xmlns:p14="http://schemas.microsoft.com/office/powerpoint/2010/main" val="3371422950"/>
-      </p:ext>
-    </p:extLst>
-  </p:cSld>
-  <p:clrMapOvr>
-    <a:masterClrMapping/>
-  </p:clrMapOvr>
-  <mc:AlternateContent xmlns:mc="http://schemas.openxmlformats.org/markup-compatibility/2006" xmlns:p14="http://schemas.microsoft.com/office/powerpoint/2010/main">
-    <mc:Choice Requires="p14">
-      <p:transition spd="slow" p14:dur="2000"/>
-    </mc:Choice>
-    <mc:Fallback xmlns="">
-      <p:transition spd="slow"/>
-    </mc:Fallback>
-  </mc:AlternateContent>
-</p:sld>
-</file>
-
-<file path=ppt/slides/slide3.xml><?xml version="1.0" encoding="utf-8"?>
-<p:sld xmlns:a="http://schemas.openxmlformats.org/drawingml/2006/main" xmlns:r="http://schemas.openxmlformats.org/officeDocument/2006/relationships" xmlns:p="http://schemas.openxmlformats.org/presentationml/2006/main">
-  <p:cSld>
-    <p:spTree>
-      <p:nvGrpSpPr>
-        <p:cNvPr id="1" name=""/>
-        <p:cNvGrpSpPr/>
-        <p:nvPr/>
-      </p:nvGrpSpPr>
-      <p:grpSpPr>
-        <a:xfrm>
-          <a:off x="0" y="0"/>
-          <a:ext cx="0" cy="0"/>
-          <a:chOff x="0" y="0"/>
-          <a:chExt cx="0" cy="0"/>
-        </a:xfrm>
-      </p:grpSpPr>
-      <p:sp>
-        <p:nvSpPr>
-          <p:cNvPr id="3" name="Tijdelijke aanduiding voor inhoud 2"/>
-          <p:cNvSpPr>
-            <a:spLocks noGrp="1"/>
-          </p:cNvSpPr>
-          <p:nvPr>
-            <p:ph sz="quarter" idx="13"/>
-          </p:nvPr>
-        </p:nvSpPr>
-        <p:spPr/>
-        <p:txBody>
-          <a:bodyPr/>
-          <a:lstStyle/>
-          <a:p>
-            <a:r>
-              <a:rPr lang="nl-NL" smtClean="0"/>
-              <a:t>Java</a:t>
-            </a:r>
-            <a:endParaRPr lang="nl-NL" dirty="0"/>
-          </a:p>
-        </p:txBody>
-      </p:sp>
-      <p:sp>
-        <p:nvSpPr>
-          <p:cNvPr id="2" name="Titel 1"/>
-          <p:cNvSpPr>
-            <a:spLocks noGrp="1"/>
-          </p:cNvSpPr>
-          <p:nvPr>
-            <p:ph type="title"/>
-          </p:nvPr>
-        </p:nvSpPr>
-        <p:spPr/>
-        <p:txBody>
-          <a:bodyPr/>
-          <a:lstStyle/>
-          <a:p>
-            <a:r>
-              <a:rPr lang="nl-NL" dirty="0" smtClean="0"/>
-              <a:t>Programmeertaal</a:t>
-            </a:r>
-            <a:endParaRPr lang="nl-NL" dirty="0"/>
-          </a:p>
-        </p:txBody>
-      </p:sp>
-    </p:spTree>
-    <p:extLst>
-      <p:ext uri="{BB962C8B-B14F-4D97-AF65-F5344CB8AC3E}">
-        <p14:creationId xmlns:p14="http://schemas.microsoft.com/office/powerpoint/2010/main" val="1936730016"/>
-      </p:ext>
-    </p:extLst>
-  </p:cSld>
-  <p:clrMapOvr>
-    <a:masterClrMapping/>
-  </p:clrMapOvr>
-  <mc:AlternateContent xmlns:mc="http://schemas.openxmlformats.org/markup-compatibility/2006" xmlns:p14="http://schemas.microsoft.com/office/powerpoint/2010/main">
-    <mc:Choice Requires="p14">
-      <p:transition spd="slow" p14:dur="2000"/>
-    </mc:Choice>
-    <mc:Fallback xmlns="">
-      <p:transition spd="slow"/>
-    </mc:Fallback>
-  </mc:AlternateContent>
-</p:sld>
-</file>
-
-<file path=ppt/slides/slide4.xml><?xml version="1.0" encoding="utf-8"?>
-<p:sld xmlns:a="http://schemas.openxmlformats.org/drawingml/2006/main" xmlns:r="http://schemas.openxmlformats.org/officeDocument/2006/relationships" xmlns:p="http://schemas.openxmlformats.org/presentationml/2006/main">
-  <p:cSld>
-    <p:spTree>
-      <p:nvGrpSpPr>
-        <p:cNvPr id="1" name=""/>
-        <p:cNvGrpSpPr/>
-        <p:nvPr/>
-      </p:nvGrpSpPr>
-      <p:grpSpPr>
-        <a:xfrm>
-          <a:off x="0" y="0"/>
-          <a:ext cx="0" cy="0"/>
-          <a:chOff x="0" y="0"/>
-          <a:chExt cx="0" cy="0"/>
-        </a:xfrm>
-      </p:grpSpPr>
-      <p:sp>
-        <p:nvSpPr>
-          <p:cNvPr id="3" name="Tijdelijke aanduiding voor inhoud 2"/>
-          <p:cNvSpPr>
-            <a:spLocks noGrp="1"/>
-          </p:cNvSpPr>
-          <p:nvPr>
-            <p:ph sz="quarter" idx="13"/>
-          </p:nvPr>
-        </p:nvSpPr>
-        <p:spPr/>
-        <p:txBody>
-          <a:bodyPr/>
-          <a:lstStyle/>
-          <a:p>
-            <a:r>
-              <a:rPr lang="nl-NL" dirty="0" smtClean="0"/>
-              <a:t>Jos &amp; Rik coderen</a:t>
-            </a:r>
-          </a:p>
-          <a:p>
-            <a:r>
-              <a:rPr lang="nl-NL" dirty="0" err="1" smtClean="0"/>
-              <a:t>Alex</a:t>
-            </a:r>
-            <a:r>
-              <a:rPr lang="nl-NL" dirty="0" smtClean="0"/>
-              <a:t> documentatie</a:t>
-            </a:r>
-            <a:endParaRPr lang="nl-NL" dirty="0"/>
-          </a:p>
-        </p:txBody>
-      </p:sp>
-      <p:sp>
-        <p:nvSpPr>
-          <p:cNvPr id="2" name="Titel 1"/>
-          <p:cNvSpPr>
-            <a:spLocks noGrp="1"/>
-          </p:cNvSpPr>
-          <p:nvPr>
-            <p:ph type="title"/>
-          </p:nvPr>
-        </p:nvSpPr>
-        <p:spPr/>
-        <p:txBody>
-          <a:bodyPr/>
-          <a:lstStyle/>
-          <a:p>
-            <a:r>
-              <a:rPr lang="nl-NL" dirty="0" smtClean="0"/>
-              <a:t>Taakverdeling</a:t>
-            </a:r>
-            <a:endParaRPr lang="nl-NL" dirty="0"/>
-          </a:p>
-        </p:txBody>
-      </p:sp>
-    </p:spTree>
-    <p:extLst>
-      <p:ext uri="{BB962C8B-B14F-4D97-AF65-F5344CB8AC3E}">
-        <p14:creationId xmlns:p14="http://schemas.microsoft.com/office/powerpoint/2010/main" val="3763501289"/>
-      </p:ext>
-    </p:extLst>
-  </p:cSld>
-  <p:clrMapOvr>
-    <a:masterClrMapping/>
-  </p:clrMapOvr>
-  <mc:AlternateContent xmlns:mc="http://schemas.openxmlformats.org/markup-compatibility/2006" xmlns:p14="http://schemas.microsoft.com/office/powerpoint/2010/main">
-    <mc:Choice Requires="p14">
-      <p:transition spd="slow" p14:dur="2000"/>
-    </mc:Choice>
-    <mc:Fallback xmlns="">
-      <p:transition spd="slow"/>
-    </mc:Fallback>
-  </mc:AlternateContent>
-</p:sld>
-</file>
-
-<file path=ppt/slides/slide5.xml><?xml version="1.0" encoding="utf-8"?>
-<p:sld xmlns:a="http://schemas.openxmlformats.org/drawingml/2006/main" xmlns:r="http://schemas.openxmlformats.org/officeDocument/2006/relationships" xmlns:p="http://schemas.openxmlformats.org/presentationml/2006/main">
-  <p:cSld>
-    <p:spTree>
-      <p:nvGrpSpPr>
-        <p:cNvPr id="1" name=""/>
-        <p:cNvGrpSpPr/>
-        <p:nvPr/>
-      </p:nvGrpSpPr>
-      <p:grpSpPr>
-        <a:xfrm>
-          <a:off x="0" y="0"/>
-          <a:ext cx="0" cy="0"/>
-          <a:chOff x="0" y="0"/>
-          <a:chExt cx="0" cy="0"/>
-        </a:xfrm>
-      </p:grpSpPr>
-      <p:sp>
-        <p:nvSpPr>
-          <p:cNvPr id="3" name="Tijdelijke aanduiding voor inhoud 2"/>
-          <p:cNvSpPr>
-            <a:spLocks noGrp="1"/>
-          </p:cNvSpPr>
-          <p:nvPr>
-            <p:ph sz="quarter" idx="13"/>
-          </p:nvPr>
-        </p:nvSpPr>
-        <p:spPr/>
-        <p:txBody>
-          <a:bodyPr/>
-          <a:lstStyle/>
-          <a:p>
-            <a:endParaRPr lang="nl-NL"/>
-          </a:p>
-        </p:txBody>
-      </p:sp>
-      <p:sp>
-        <p:nvSpPr>
-          <p:cNvPr id="2" name="Titel 1"/>
-          <p:cNvSpPr>
-            <a:spLocks noGrp="1"/>
-          </p:cNvSpPr>
-          <p:nvPr>
-            <p:ph type="title"/>
-          </p:nvPr>
-        </p:nvSpPr>
-        <p:spPr/>
-        <p:txBody>
-          <a:bodyPr/>
-          <a:lstStyle/>
-          <a:p>
-            <a:r>
-              <a:rPr lang="nl-NL" dirty="0" smtClean="0"/>
-              <a:t>Applicatie/test</a:t>
-            </a:r>
-            <a:endParaRPr lang="nl-NL" dirty="0"/>
-          </a:p>
-        </p:txBody>
-      </p:sp>
-    </p:spTree>
-    <p:extLst>
-      <p:ext uri="{BB962C8B-B14F-4D97-AF65-F5344CB8AC3E}">
-        <p14:creationId xmlns:p14="http://schemas.microsoft.com/office/powerpoint/2010/main" val="2816950234"/>
-      </p:ext>
-    </p:extLst>
-  </p:cSld>
-  <p:clrMapOvr>
-    <a:masterClrMapping/>
-  </p:clrMapOvr>
-  <mc:AlternateContent xmlns:mc="http://schemas.openxmlformats.org/markup-compatibility/2006" xmlns:p14="http://schemas.microsoft.com/office/powerpoint/2010/main">
-    <mc:Choice Requires="p14">
-      <p:transition spd="slow" p14:dur="2000"/>
-    </mc:Choice>
-    <mc:Fallback xmlns="">
-      <p:transition spd="slow"/>
-    </mc:Fallback>
-  </mc:AlternateContent>
-</p:sld>
-</file>
-
-<file path=ppt/slides/slide6.xml><?xml version="1.0" encoding="utf-8"?>
-<p:sld xmlns:a="http://schemas.openxmlformats.org/drawingml/2006/main" xmlns:r="http://schemas.openxmlformats.org/officeDocument/2006/relationships" xmlns:p="http://schemas.openxmlformats.org/presentationml/2006/main">
-  <p:cSld>
-    <p:spTree>
-      <p:nvGrpSpPr>
-        <p:cNvPr id="1" name=""/>
-        <p:cNvGrpSpPr/>
-        <p:nvPr/>
-      </p:nvGrpSpPr>
-      <p:grpSpPr>
-        <a:xfrm>
-          <a:off x="0" y="0"/>
-          <a:ext cx="0" cy="0"/>
-          <a:chOff x="0" y="0"/>
-          <a:chExt cx="0" cy="0"/>
-        </a:xfrm>
-      </p:grpSpPr>
-      <p:sp>
-        <p:nvSpPr>
-          <p:cNvPr id="2" name="Tijdelijke aanduiding voor inhoud 1"/>
-          <p:cNvSpPr>
-            <a:spLocks noGrp="1"/>
-          </p:cNvSpPr>
-          <p:nvPr>
-            <p:ph sz="quarter" idx="13"/>
-          </p:nvPr>
-        </p:nvSpPr>
-        <p:spPr/>
-        <p:txBody>
-          <a:bodyPr/>
-          <a:lstStyle/>
-          <a:p>
-            <a:endParaRPr lang="nl-NL" dirty="0"/>
-          </a:p>
-        </p:txBody>
-      </p:sp>
-      <p:sp>
-        <p:nvSpPr>
-          <p:cNvPr id="3" name="Titel 2"/>
-          <p:cNvSpPr>
-            <a:spLocks noGrp="1"/>
-          </p:cNvSpPr>
-          <p:nvPr>
-            <p:ph type="title"/>
-          </p:nvPr>
-        </p:nvSpPr>
-        <p:spPr/>
-        <p:txBody>
-          <a:bodyPr/>
-          <a:lstStyle/>
-          <a:p>
-            <a:r>
-              <a:rPr lang="nl-NL" dirty="0"/>
-              <a:t>S</a:t>
-            </a:r>
-            <a:r>
-              <a:rPr lang="nl-NL" dirty="0" smtClean="0"/>
-              <a:t>chermen</a:t>
-            </a:r>
-            <a:endParaRPr lang="nl-NL" dirty="0"/>
-          </a:p>
-        </p:txBody>
-      </p:sp>
-    </p:spTree>
-    <p:extLst>
-      <p:ext uri="{BB962C8B-B14F-4D97-AF65-F5344CB8AC3E}">
-        <p14:creationId xmlns:p14="http://schemas.microsoft.com/office/powerpoint/2010/main" val="2246078019"/>
-      </p:ext>
-    </p:extLst>
-  </p:cSld>
-  <p:clrMapOvr>
-    <a:masterClrMapping/>
-  </p:clrMapOvr>
-</p:sld>
-</file>
-
-<file path=ppt/slides/slide7.xml><?xml version="1.0" encoding="utf-8"?>
-<p:sld xmlns:a="http://schemas.openxmlformats.org/drawingml/2006/main" xmlns:r="http://schemas.openxmlformats.org/officeDocument/2006/relationships" xmlns:p="http://schemas.openxmlformats.org/presentationml/2006/main">
-  <p:cSld>
-    <p:spTree>
-      <p:nvGrpSpPr>
-        <p:cNvPr id="1" name=""/>
-        <p:cNvGrpSpPr/>
-        <p:nvPr/>
-      </p:nvGrpSpPr>
-      <p:grpSpPr>
-        <a:xfrm>
-          <a:off x="0" y="0"/>
-          <a:ext cx="0" cy="0"/>
-          <a:chOff x="0" y="0"/>
-          <a:chExt cx="0" cy="0"/>
-        </a:xfrm>
-      </p:grpSpPr>
-      <p:sp>
-        <p:nvSpPr>
-          <p:cNvPr id="2" name="Tijdelijke aanduiding voor inhoud 1"/>
-          <p:cNvSpPr>
-            <a:spLocks noGrp="1"/>
-          </p:cNvSpPr>
-          <p:nvPr>
-            <p:ph sz="quarter" idx="13"/>
-          </p:nvPr>
-        </p:nvSpPr>
-        <p:spPr/>
-        <p:txBody>
-          <a:bodyPr/>
-          <a:lstStyle/>
-          <a:p>
-            <a:pPr marL="285750" indent="-285750">
-              <a:buFont typeface="Arial" charset="0"/>
-              <a:buChar char="•"/>
-            </a:pPr>
-            <a:r>
-              <a:rPr lang="nl-NL" dirty="0" smtClean="0"/>
-              <a:t>Bestaande contacten krijgen administratieaccount </a:t>
-            </a:r>
-          </a:p>
-          <a:p>
-            <a:pPr marL="285750" indent="-285750">
-              <a:buFont typeface="Arial" charset="0"/>
-              <a:buChar char="•"/>
-            </a:pPr>
-            <a:r>
-              <a:rPr lang="nl-NL" dirty="0" smtClean="0"/>
-              <a:t>Kan administratieaccounts verwijderen</a:t>
-            </a:r>
-            <a:endParaRPr lang="nl-NL" dirty="0"/>
-          </a:p>
-        </p:txBody>
-      </p:sp>
-      <p:sp>
-        <p:nvSpPr>
-          <p:cNvPr id="3" name="Titel 2"/>
-          <p:cNvSpPr>
-            <a:spLocks noGrp="1"/>
-          </p:cNvSpPr>
-          <p:nvPr>
-            <p:ph type="title"/>
-          </p:nvPr>
-        </p:nvSpPr>
-        <p:spPr/>
-        <p:txBody>
-          <a:bodyPr/>
-          <a:lstStyle/>
-          <a:p>
-            <a:r>
-              <a:rPr lang="nl-NL" dirty="0" err="1" smtClean="0"/>
-              <a:t>Admin</a:t>
-            </a:r>
-            <a:endParaRPr lang="nl-NL" dirty="0"/>
-          </a:p>
-        </p:txBody>
-      </p:sp>
-    </p:spTree>
-    <p:extLst>
-      <p:ext uri="{BB962C8B-B14F-4D97-AF65-F5344CB8AC3E}">
-        <p14:creationId xmlns:p14="http://schemas.microsoft.com/office/powerpoint/2010/main" val="2120938341"/>
-      </p:ext>
-    </p:extLst>
-  </p:cSld>
-  <p:clrMapOvr>
-    <a:masterClrMapping/>
-  </p:clrMapOvr>
-</p:sld>
-</file>
-
-<file path=ppt/slides/slide8.xml><?xml version="1.0" encoding="utf-8"?>
-<p:sld xmlns:a="http://schemas.openxmlformats.org/drawingml/2006/main" xmlns:r="http://schemas.openxmlformats.org/officeDocument/2006/relationships" xmlns:p="http://schemas.openxmlformats.org/presentationml/2006/main">
-  <p:cSld>
-    <p:spTree>
-      <p:nvGrpSpPr>
-        <p:cNvPr id="1" name=""/>
-        <p:cNvGrpSpPr/>
-        <p:nvPr/>
-      </p:nvGrpSpPr>
-      <p:grpSpPr>
-        <a:xfrm>
-          <a:off x="0" y="0"/>
-          <a:ext cx="0" cy="0"/>
-          <a:chOff x="0" y="0"/>
-          <a:chExt cx="0" cy="0"/>
-        </a:xfrm>
-      </p:grpSpPr>
-      <p:sp>
-        <p:nvSpPr>
-          <p:cNvPr id="3" name="Titel 2"/>
-          <p:cNvSpPr>
-            <a:spLocks noGrp="1"/>
-          </p:cNvSpPr>
-          <p:nvPr>
-            <p:ph type="title"/>
-          </p:nvPr>
-        </p:nvSpPr>
-        <p:spPr/>
-        <p:txBody>
-          <a:bodyPr/>
-          <a:lstStyle/>
-          <a:p>
-            <a:r>
-              <a:rPr lang="nl-NL" dirty="0" err="1" smtClean="0"/>
-              <a:t>Admin</a:t>
-            </a:r>
-            <a:endParaRPr lang="nl-NL" dirty="0"/>
-          </a:p>
-        </p:txBody>
-      </p:sp>
-      <p:pic>
-        <p:nvPicPr>
-          <p:cNvPr id="1026" name="Picture 2"/>
-          <p:cNvPicPr>
-            <a:picLocks noGrp="1" noChangeAspect="1" noChangeArrowheads="1"/>
-          </p:cNvPicPr>
-          <p:nvPr>
-            <p:ph sz="quarter" idx="13"/>
-          </p:nvPr>
-        </p:nvPicPr>
-        <p:blipFill>
-          <a:blip r:embed="rId2">
-            <a:extLst>
-              <a:ext uri="{28A0092B-C50C-407E-A947-70E740481C1C}">
-                <a14:useLocalDpi xmlns:a14="http://schemas.microsoft.com/office/drawing/2010/main" val="0"/>
-              </a:ext>
-            </a:extLst>
-          </a:blip>
-          <a:srcRect/>
-          <a:stretch>
-            <a:fillRect/>
-          </a:stretch>
-        </p:blipFill>
-        <p:spPr bwMode="auto">
-          <a:xfrm>
-            <a:off x="539552" y="1628800"/>
-            <a:ext cx="7920880" cy="4608512"/>
-          </a:xfrm>
-          <a:prstGeom prst="rect">
-            <a:avLst/>
-          </a:prstGeom>
-          <a:noFill/>
-          <a:ln>
-            <a:noFill/>
-          </a:ln>
-          <a:effectLst/>
-          <a:extLst>
-            <a:ext uri="{909E8E84-426E-40DD-AFC4-6F175D3DCCD1}">
-              <a14:hiddenFill xmlns:a14="http://schemas.microsoft.com/office/drawing/2010/main">
-                <a:solidFill>
-                  <a:schemeClr val="accent1"/>
-                </a:solidFill>
-              </a14:hiddenFill>
-            </a:ext>
-            <a:ext uri="{91240B29-F687-4F45-9708-019B960494DF}">
-              <a14:hiddenLine xmlns:a14="http://schemas.microsoft.com/office/drawing/2010/main" w="9525">
-                <a:solidFill>
-                  <a:schemeClr val="tx1"/>
-                </a:solidFill>
-                <a:miter lim="800000"/>
-                <a:headEnd/>
-                <a:tailEnd/>
-              </a14:hiddenLine>
-            </a:ext>
-            <a:ext uri="{AF507438-7753-43E0-B8FC-AC1667EBCBE1}">
-              <a14:hiddenEffects xmlns:a14="http://schemas.microsoft.com/office/drawing/2010/main">
-                <a:effectLst>
-                  <a:outerShdw dist="35921" dir="2700000" algn="ctr" rotWithShape="0">
-                    <a:schemeClr val="bg2"/>
-                  </a:outerShdw>
-                </a:effectLst>
-              </a14:hiddenEffects>
-            </a:ext>
-          </a:extLst>
-        </p:spPr>
-      </p:pic>
-    </p:spTree>
-    <p:extLst>
-      <p:ext uri="{BB962C8B-B14F-4D97-AF65-F5344CB8AC3E}">
-        <p14:creationId xmlns:p14="http://schemas.microsoft.com/office/powerpoint/2010/main" val="78909173"/>
-      </p:ext>
-    </p:extLst>
-  </p:cSld>
-  <p:clrMapOvr>
-    <a:masterClrMapping/>
-  </p:clrMapOvr>
+  <p:timing>
+    <p:tnLst>
+      <p:par>
+        <p:cTn id="1" dur="indefinite" restart="never" nodeType="tmRoot"/>
+      </p:par>
+    </p:tnLst>
+  </p:timing>
 </p:sld>
 </file>
 
@@ -5547,8 +5641,12 @@
               <a:buChar char="•"/>
             </a:pPr>
             <a:r>
+              <a:rPr lang="nl-NL" dirty="0"/>
+              <a:t>C</a:t>
+            </a:r>
+            <a:r>
               <a:rPr lang="nl-NL" dirty="0" smtClean="0"/>
-              <a:t>Doorverwezen naar hoofdscherm</a:t>
+              <a:t>ontact kiezen</a:t>
             </a:r>
           </a:p>
           <a:p>
@@ -5557,8 +5655,12 @@
               <a:buChar char="•"/>
             </a:pPr>
             <a:r>
+              <a:rPr lang="nl-NL" dirty="0"/>
+              <a:t>I</a:t>
+            </a:r>
+            <a:r>
               <a:rPr lang="nl-NL" dirty="0" smtClean="0"/>
-              <a:t>Verbinding mislukt </a:t>
+              <a:t>nformatie contact</a:t>
             </a:r>
           </a:p>
           <a:p>
@@ -5568,9 +5670,28 @@
             </a:pPr>
             <a:r>
               <a:rPr lang="nl-NL" dirty="0" smtClean="0"/>
-              <a:t>Combinatie fout  </a:t>
-            </a:r>
-            <a:endParaRPr lang="nl-NL" dirty="0"/>
+              <a:t>Nieuw contact/ contact verwijderen</a:t>
+            </a:r>
+          </a:p>
+          <a:p>
+            <a:pPr marL="285750" indent="-285750">
+              <a:buFont typeface="Arial" charset="0"/>
+              <a:buChar char="•"/>
+            </a:pPr>
+            <a:r>
+              <a:rPr lang="nl-NL" dirty="0" smtClean="0"/>
+              <a:t>Gegroepeerd </a:t>
+            </a:r>
+          </a:p>
+          <a:p>
+            <a:pPr marL="285750" indent="-285750">
+              <a:buFont typeface="Arial" charset="0"/>
+              <a:buChar char="•"/>
+            </a:pPr>
+            <a:r>
+              <a:rPr lang="nl-NL" dirty="0" smtClean="0"/>
+              <a:t>Afmelden</a:t>
+            </a:r>
           </a:p>
         </p:txBody>
       </p:sp>
@@ -5591,7 +5712,7 @@
           <a:p>
             <a:r>
               <a:rPr lang="nl-NL" dirty="0" smtClean="0"/>
-              <a:t>Loginscherm</a:t>
+              <a:t>Hoofdscherm</a:t>
             </a:r>
             <a:endParaRPr lang="nl-NL" dirty="0"/>
           </a:p>
@@ -5600,13 +5721,20 @@
     </p:spTree>
     <p:extLst>
       <p:ext uri="{BB962C8B-B14F-4D97-AF65-F5344CB8AC3E}">
-        <p14:creationId xmlns:p14="http://schemas.microsoft.com/office/powerpoint/2010/main" val="1715518500"/>
+        <p14:creationId xmlns:p14="http://schemas.microsoft.com/office/powerpoint/2010/main" val="1592528199"/>
       </p:ext>
     </p:extLst>
   </p:cSld>
   <p:clrMapOvr>
     <a:masterClrMapping/>
   </p:clrMapOvr>
+  <p:timing>
+    <p:tnLst>
+      <p:par>
+        <p:cTn id="1" dur="indefinite" restart="never" nodeType="tmRoot"/>
+      </p:par>
+    </p:tnLst>
+  </p:timing>
 </p:sld>
 </file>
 
